--- a/presentations/Modelling Health Diagnoses 3.pptx
+++ b/presentations/Modelling Health Diagnoses 3.pptx
@@ -11,6 +11,7 @@
     <p:sldId id="259" r:id="rId5"/>
     <p:sldId id="260" r:id="rId6"/>
     <p:sldId id="261" r:id="rId7"/>
+    <p:sldId id="263" r:id="rId8"/>
   </p:sldIdLst>
   <p:sldSz cx="12192000" cy="6858000"/>
   <p:notesSz cx="6858000" cy="9144000"/>
@@ -109,7 +110,322 @@
       </a:defRPr>
     </a:lvl9pPr>
   </p:defaultTextStyle>
+  <p:extLst>
+    <p:ext uri="{EFAFB233-063F-42B5-8137-9DF3F51BA10A}">
+      <p15:sldGuideLst xmlns:p15="http://schemas.microsoft.com/office/powerpoint/2012/main"/>
+    </p:ext>
+  </p:extLst>
 </p:presentation>
+</file>
+
+<file path=ppt/revisionInfo.xml><?xml version="1.0" encoding="utf-8"?>
+<p1510:revInfo xmlns:a="http://schemas.openxmlformats.org/drawingml/2006/main" xmlns:r="http://schemas.openxmlformats.org/officeDocument/2006/relationships" xmlns:p1510="http://schemas.microsoft.com/office/powerpoint/2015/10/main">
+  <p1510:revLst>
+    <p1510:client id="{206F7B1A-8AE5-4630-AE74-979A2EEA2670}" v="3" dt="2024-12-10T20:42:19.203"/>
+  </p1510:revLst>
+</p1510:revInfo>
+</file>
+
+<file path=ppt/changesInfos/changesInfo1.xml><?xml version="1.0" encoding="utf-8"?>
+<pc:chgInfo xmlns:a="http://schemas.openxmlformats.org/drawingml/2006/main" xmlns:r="http://schemas.openxmlformats.org/officeDocument/2006/relationships" xmlns:ac="http://schemas.microsoft.com/office/drawing/2013/main/command" xmlns:pc="http://schemas.microsoft.com/office/powerpoint/2013/main/command">
+  <pc:docChgLst>
+    <pc:chgData name="Ishan Sharma" userId="4179229009c49077" providerId="LiveId" clId="{206F7B1A-8AE5-4630-AE74-979A2EEA2670}"/>
+    <pc:docChg chg="undo custSel addSld delSld modSld sldOrd">
+      <pc:chgData name="Ishan Sharma" userId="4179229009c49077" providerId="LiveId" clId="{206F7B1A-8AE5-4630-AE74-979A2EEA2670}" dt="2024-12-10T20:45:53.543" v="175" actId="20577"/>
+      <pc:docMkLst>
+        <pc:docMk/>
+      </pc:docMkLst>
+      <pc:sldChg chg="addSp modSp mod setBg addAnim">
+        <pc:chgData name="Ishan Sharma" userId="4179229009c49077" providerId="LiveId" clId="{206F7B1A-8AE5-4630-AE74-979A2EEA2670}" dt="2024-12-10T04:04:47.467" v="10" actId="20577"/>
+        <pc:sldMkLst>
+          <pc:docMk/>
+          <pc:sldMk cId="2644899631" sldId="256"/>
+        </pc:sldMkLst>
+        <pc:spChg chg="mod">
+          <ac:chgData name="Ishan Sharma" userId="4179229009c49077" providerId="LiveId" clId="{206F7B1A-8AE5-4630-AE74-979A2EEA2670}" dt="2024-12-10T04:04:47.467" v="10" actId="20577"/>
+          <ac:spMkLst>
+            <pc:docMk/>
+            <pc:sldMk cId="2644899631" sldId="256"/>
+            <ac:spMk id="2" creationId="{463D24BD-A1FD-4B89-2CC3-9196AF3A828C}"/>
+          </ac:spMkLst>
+        </pc:spChg>
+        <pc:spChg chg="mod">
+          <ac:chgData name="Ishan Sharma" userId="4179229009c49077" providerId="LiveId" clId="{206F7B1A-8AE5-4630-AE74-979A2EEA2670}" dt="2024-12-10T04:04:42.903" v="6" actId="26606"/>
+          <ac:spMkLst>
+            <pc:docMk/>
+            <pc:sldMk cId="2644899631" sldId="256"/>
+            <ac:spMk id="3" creationId="{5B122538-3F13-FAC2-1285-3AA78945A99C}"/>
+          </ac:spMkLst>
+        </pc:spChg>
+        <pc:spChg chg="add">
+          <ac:chgData name="Ishan Sharma" userId="4179229009c49077" providerId="LiveId" clId="{206F7B1A-8AE5-4630-AE74-979A2EEA2670}" dt="2024-12-10T04:04:42.903" v="6" actId="26606"/>
+          <ac:spMkLst>
+            <pc:docMk/>
+            <pc:sldMk cId="2644899631" sldId="256"/>
+            <ac:spMk id="8" creationId="{80E21785-62D8-430F-9521-90166EF7C8F0}"/>
+          </ac:spMkLst>
+        </pc:spChg>
+        <pc:spChg chg="add">
+          <ac:chgData name="Ishan Sharma" userId="4179229009c49077" providerId="LiveId" clId="{206F7B1A-8AE5-4630-AE74-979A2EEA2670}" dt="2024-12-10T04:04:42.903" v="6" actId="26606"/>
+          <ac:spMkLst>
+            <pc:docMk/>
+            <pc:sldMk cId="2644899631" sldId="256"/>
+            <ac:spMk id="10" creationId="{ED7CF8A0-D3E4-4A16-87D3-1D973AC61BF1}"/>
+          </ac:spMkLst>
+        </pc:spChg>
+      </pc:sldChg>
+      <pc:sldChg chg="modSp mod">
+        <pc:chgData name="Ishan Sharma" userId="4179229009c49077" providerId="LiveId" clId="{206F7B1A-8AE5-4630-AE74-979A2EEA2670}" dt="2024-12-10T20:45:53.543" v="175" actId="20577"/>
+        <pc:sldMkLst>
+          <pc:docMk/>
+          <pc:sldMk cId="3856121744" sldId="257"/>
+        </pc:sldMkLst>
+        <pc:spChg chg="mod">
+          <ac:chgData name="Ishan Sharma" userId="4179229009c49077" providerId="LiveId" clId="{206F7B1A-8AE5-4630-AE74-979A2EEA2670}" dt="2024-12-10T20:45:53.543" v="175" actId="20577"/>
+          <ac:spMkLst>
+            <pc:docMk/>
+            <pc:sldMk cId="3856121744" sldId="257"/>
+            <ac:spMk id="3" creationId="{117DC6A4-A7B5-F771-DEC3-D45B93BCA484}"/>
+          </ac:spMkLst>
+        </pc:spChg>
+      </pc:sldChg>
+      <pc:sldChg chg="addSp delSp modSp mod setBg">
+        <pc:chgData name="Ishan Sharma" userId="4179229009c49077" providerId="LiveId" clId="{206F7B1A-8AE5-4630-AE74-979A2EEA2670}" dt="2024-12-10T04:04:33.971" v="5" actId="26606"/>
+        <pc:sldMkLst>
+          <pc:docMk/>
+          <pc:sldMk cId="4163468226" sldId="258"/>
+        </pc:sldMkLst>
+        <pc:spChg chg="mod">
+          <ac:chgData name="Ishan Sharma" userId="4179229009c49077" providerId="LiveId" clId="{206F7B1A-8AE5-4630-AE74-979A2EEA2670}" dt="2024-12-10T04:04:33.971" v="5" actId="26606"/>
+          <ac:spMkLst>
+            <pc:docMk/>
+            <pc:sldMk cId="4163468226" sldId="258"/>
+            <ac:spMk id="2" creationId="{D556B03B-932C-A382-17C8-1B6EDF54D67C}"/>
+          </ac:spMkLst>
+        </pc:spChg>
+        <pc:spChg chg="mod">
+          <ac:chgData name="Ishan Sharma" userId="4179229009c49077" providerId="LiveId" clId="{206F7B1A-8AE5-4630-AE74-979A2EEA2670}" dt="2024-12-10T04:04:33.971" v="5" actId="26606"/>
+          <ac:spMkLst>
+            <pc:docMk/>
+            <pc:sldMk cId="4163468226" sldId="258"/>
+            <ac:spMk id="3" creationId="{B56AE275-E5F8-5983-5067-55B84FE5BD45}"/>
+          </ac:spMkLst>
+        </pc:spChg>
+        <pc:spChg chg="add del">
+          <ac:chgData name="Ishan Sharma" userId="4179229009c49077" providerId="LiveId" clId="{206F7B1A-8AE5-4630-AE74-979A2EEA2670}" dt="2024-12-10T04:04:33.971" v="5" actId="26606"/>
+          <ac:spMkLst>
+            <pc:docMk/>
+            <pc:sldMk cId="4163468226" sldId="258"/>
+            <ac:spMk id="8" creationId="{95408913-B323-422F-B521-2957A5B7FEE8}"/>
+          </ac:spMkLst>
+        </pc:spChg>
+        <pc:spChg chg="add del">
+          <ac:chgData name="Ishan Sharma" userId="4179229009c49077" providerId="LiveId" clId="{206F7B1A-8AE5-4630-AE74-979A2EEA2670}" dt="2024-12-10T04:04:33.971" v="5" actId="26606"/>
+          <ac:spMkLst>
+            <pc:docMk/>
+            <pc:sldMk cId="4163468226" sldId="258"/>
+            <ac:spMk id="10" creationId="{AA770EBD-5B77-46EC-BF58-EF27ACD6B47C}"/>
+          </ac:spMkLst>
+        </pc:spChg>
+      </pc:sldChg>
+      <pc:sldChg chg="addSp modSp mod setBg">
+        <pc:chgData name="Ishan Sharma" userId="4179229009c49077" providerId="LiveId" clId="{206F7B1A-8AE5-4630-AE74-979A2EEA2670}" dt="2024-12-10T20:41:50.402" v="67"/>
+        <pc:sldMkLst>
+          <pc:docMk/>
+          <pc:sldMk cId="1296206201" sldId="259"/>
+        </pc:sldMkLst>
+        <pc:spChg chg="mod">
+          <ac:chgData name="Ishan Sharma" userId="4179229009c49077" providerId="LiveId" clId="{206F7B1A-8AE5-4630-AE74-979A2EEA2670}" dt="2024-12-10T20:40:36.569" v="46" actId="27636"/>
+          <ac:spMkLst>
+            <pc:docMk/>
+            <pc:sldMk cId="1296206201" sldId="259"/>
+            <ac:spMk id="2" creationId="{1D5A23DB-6D50-7954-ECB3-3F9DB11FCCE7}"/>
+          </ac:spMkLst>
+        </pc:spChg>
+        <pc:spChg chg="mod">
+          <ac:chgData name="Ishan Sharma" userId="4179229009c49077" providerId="LiveId" clId="{206F7B1A-8AE5-4630-AE74-979A2EEA2670}" dt="2024-12-10T20:41:50.402" v="67"/>
+          <ac:spMkLst>
+            <pc:docMk/>
+            <pc:sldMk cId="1296206201" sldId="259"/>
+            <ac:spMk id="3" creationId="{0AB4020B-A850-DC6A-60C3-1B53070E23F6}"/>
+          </ac:spMkLst>
+        </pc:spChg>
+        <pc:spChg chg="add">
+          <ac:chgData name="Ishan Sharma" userId="4179229009c49077" providerId="LiveId" clId="{206F7B1A-8AE5-4630-AE74-979A2EEA2670}" dt="2024-12-10T04:04:26.991" v="3" actId="26606"/>
+          <ac:spMkLst>
+            <pc:docMk/>
+            <pc:sldMk cId="1296206201" sldId="259"/>
+            <ac:spMk id="11" creationId="{6D22FA1E-E02A-4FC5-BBA6-577D6DA0C8C8}"/>
+          </ac:spMkLst>
+        </pc:spChg>
+        <pc:spChg chg="add">
+          <ac:chgData name="Ishan Sharma" userId="4179229009c49077" providerId="LiveId" clId="{206F7B1A-8AE5-4630-AE74-979A2EEA2670}" dt="2024-12-10T04:04:26.991" v="3" actId="26606"/>
+          <ac:spMkLst>
+            <pc:docMk/>
+            <pc:sldMk cId="1296206201" sldId="259"/>
+            <ac:spMk id="13" creationId="{05D27520-F270-4F3D-A46E-76A337B6E167}"/>
+          </ac:spMkLst>
+        </pc:spChg>
+        <pc:picChg chg="mod">
+          <ac:chgData name="Ishan Sharma" userId="4179229009c49077" providerId="LiveId" clId="{206F7B1A-8AE5-4630-AE74-979A2EEA2670}" dt="2024-12-10T04:04:26.991" v="3" actId="26606"/>
+          <ac:picMkLst>
+            <pc:docMk/>
+            <pc:sldMk cId="1296206201" sldId="259"/>
+            <ac:picMk id="4" creationId="{F7AE7921-54BB-4649-A5AE-35A9A3008A71}"/>
+          </ac:picMkLst>
+        </pc:picChg>
+        <pc:picChg chg="mod">
+          <ac:chgData name="Ishan Sharma" userId="4179229009c49077" providerId="LiveId" clId="{206F7B1A-8AE5-4630-AE74-979A2EEA2670}" dt="2024-12-10T04:04:26.991" v="3" actId="26606"/>
+          <ac:picMkLst>
+            <pc:docMk/>
+            <pc:sldMk cId="1296206201" sldId="259"/>
+            <ac:picMk id="5" creationId="{7055354B-9CC7-5731-57EF-D48BADB1A877}"/>
+          </ac:picMkLst>
+        </pc:picChg>
+        <pc:picChg chg="mod ord">
+          <ac:chgData name="Ishan Sharma" userId="4179229009c49077" providerId="LiveId" clId="{206F7B1A-8AE5-4630-AE74-979A2EEA2670}" dt="2024-12-10T04:04:26.991" v="3" actId="26606"/>
+          <ac:picMkLst>
+            <pc:docMk/>
+            <pc:sldMk cId="1296206201" sldId="259"/>
+            <ac:picMk id="6" creationId="{E24D5EBD-603C-8547-1C3A-329AE20C8FE4}"/>
+          </ac:picMkLst>
+        </pc:picChg>
+      </pc:sldChg>
+      <pc:sldChg chg="addSp modSp mod setBg">
+        <pc:chgData name="Ishan Sharma" userId="4179229009c49077" providerId="LiveId" clId="{206F7B1A-8AE5-4630-AE74-979A2EEA2670}" dt="2024-12-10T04:04:19.456" v="2" actId="26606"/>
+        <pc:sldMkLst>
+          <pc:docMk/>
+          <pc:sldMk cId="1720887759" sldId="260"/>
+        </pc:sldMkLst>
+        <pc:spChg chg="mod">
+          <ac:chgData name="Ishan Sharma" userId="4179229009c49077" providerId="LiveId" clId="{206F7B1A-8AE5-4630-AE74-979A2EEA2670}" dt="2024-12-10T04:04:19.456" v="2" actId="26606"/>
+          <ac:spMkLst>
+            <pc:docMk/>
+            <pc:sldMk cId="1720887759" sldId="260"/>
+            <ac:spMk id="2" creationId="{35CE89AD-E184-3177-992E-BB55CA1BBC0E}"/>
+          </ac:spMkLst>
+        </pc:spChg>
+        <pc:spChg chg="mod">
+          <ac:chgData name="Ishan Sharma" userId="4179229009c49077" providerId="LiveId" clId="{206F7B1A-8AE5-4630-AE74-979A2EEA2670}" dt="2024-12-10T04:04:19.456" v="2" actId="26606"/>
+          <ac:spMkLst>
+            <pc:docMk/>
+            <pc:sldMk cId="1720887759" sldId="260"/>
+            <ac:spMk id="3" creationId="{D463007F-4028-9C3C-EC1E-8343ADF9C881}"/>
+          </ac:spMkLst>
+        </pc:spChg>
+        <pc:spChg chg="add">
+          <ac:chgData name="Ishan Sharma" userId="4179229009c49077" providerId="LiveId" clId="{206F7B1A-8AE5-4630-AE74-979A2EEA2670}" dt="2024-12-10T04:04:19.456" v="2" actId="26606"/>
+          <ac:spMkLst>
+            <pc:docMk/>
+            <pc:sldMk cId="1720887759" sldId="260"/>
+            <ac:spMk id="11" creationId="{5EF17487-C386-4F99-B5EB-4FD3DF4236B2}"/>
+          </ac:spMkLst>
+        </pc:spChg>
+        <pc:spChg chg="add">
+          <ac:chgData name="Ishan Sharma" userId="4179229009c49077" providerId="LiveId" clId="{206F7B1A-8AE5-4630-AE74-979A2EEA2670}" dt="2024-12-10T04:04:19.456" v="2" actId="26606"/>
+          <ac:spMkLst>
+            <pc:docMk/>
+            <pc:sldMk cId="1720887759" sldId="260"/>
+            <ac:spMk id="13" creationId="{A0DE92DF-4769-4DE9-93FD-EE31271850CA}"/>
+          </ac:spMkLst>
+        </pc:spChg>
+        <pc:picChg chg="mod">
+          <ac:chgData name="Ishan Sharma" userId="4179229009c49077" providerId="LiveId" clId="{206F7B1A-8AE5-4630-AE74-979A2EEA2670}" dt="2024-12-10T04:04:19.456" v="2" actId="26606"/>
+          <ac:picMkLst>
+            <pc:docMk/>
+            <pc:sldMk cId="1720887759" sldId="260"/>
+            <ac:picMk id="5" creationId="{A5E05728-1147-78EC-A192-3B6340093073}"/>
+          </ac:picMkLst>
+        </pc:picChg>
+        <pc:picChg chg="add mod">
+          <ac:chgData name="Ishan Sharma" userId="4179229009c49077" providerId="LiveId" clId="{206F7B1A-8AE5-4630-AE74-979A2EEA2670}" dt="2024-12-10T04:04:19.456" v="2" actId="26606"/>
+          <ac:picMkLst>
+            <pc:docMk/>
+            <pc:sldMk cId="1720887759" sldId="260"/>
+            <ac:picMk id="6" creationId="{C890F343-1401-65AE-C6FD-C2DC20F466A1}"/>
+          </ac:picMkLst>
+        </pc:picChg>
+      </pc:sldChg>
+      <pc:sldChg chg="modSp mod">
+        <pc:chgData name="Ishan Sharma" userId="4179229009c49077" providerId="LiveId" clId="{206F7B1A-8AE5-4630-AE74-979A2EEA2670}" dt="2024-12-10T16:29:20.315" v="11" actId="20577"/>
+        <pc:sldMkLst>
+          <pc:docMk/>
+          <pc:sldMk cId="3875696577" sldId="261"/>
+        </pc:sldMkLst>
+        <pc:spChg chg="mod">
+          <ac:chgData name="Ishan Sharma" userId="4179229009c49077" providerId="LiveId" clId="{206F7B1A-8AE5-4630-AE74-979A2EEA2670}" dt="2024-12-10T16:29:20.315" v="11" actId="20577"/>
+          <ac:spMkLst>
+            <pc:docMk/>
+            <pc:sldMk cId="3875696577" sldId="261"/>
+            <ac:spMk id="2" creationId="{2724D4D2-7FE8-4F92-EDA3-86579BE07A58}"/>
+          </ac:spMkLst>
+        </pc:spChg>
+      </pc:sldChg>
+      <pc:sldChg chg="addSp delSp modSp new del mod ord">
+        <pc:chgData name="Ishan Sharma" userId="4179229009c49077" providerId="LiveId" clId="{206F7B1A-8AE5-4630-AE74-979A2EEA2670}" dt="2024-12-10T20:42:41.341" v="106" actId="2696"/>
+        <pc:sldMkLst>
+          <pc:docMk/>
+          <pc:sldMk cId="878262919" sldId="262"/>
+        </pc:sldMkLst>
+        <pc:spChg chg="del">
+          <ac:chgData name="Ishan Sharma" userId="4179229009c49077" providerId="LiveId" clId="{206F7B1A-8AE5-4630-AE74-979A2EEA2670}" dt="2024-12-10T20:36:49.701" v="13" actId="478"/>
+          <ac:spMkLst>
+            <pc:docMk/>
+            <pc:sldMk cId="878262919" sldId="262"/>
+            <ac:spMk id="2" creationId="{CC9A853C-D18A-9139-6CAC-13A38ACC408A}"/>
+          </ac:spMkLst>
+        </pc:spChg>
+        <pc:spChg chg="del">
+          <ac:chgData name="Ishan Sharma" userId="4179229009c49077" providerId="LiveId" clId="{206F7B1A-8AE5-4630-AE74-979A2EEA2670}" dt="2024-12-10T20:36:51.694" v="14" actId="478"/>
+          <ac:spMkLst>
+            <pc:docMk/>
+            <pc:sldMk cId="878262919" sldId="262"/>
+            <ac:spMk id="3" creationId="{300E61E3-0361-50D2-494F-45032E0CC16B}"/>
+          </ac:spMkLst>
+        </pc:spChg>
+        <pc:picChg chg="add del mod">
+          <ac:chgData name="Ishan Sharma" userId="4179229009c49077" providerId="LiveId" clId="{206F7B1A-8AE5-4630-AE74-979A2EEA2670}" dt="2024-12-10T20:42:15.182" v="84" actId="21"/>
+          <ac:picMkLst>
+            <pc:docMk/>
+            <pc:sldMk cId="878262919" sldId="262"/>
+            <ac:picMk id="5" creationId="{5454ECF9-7095-AC5F-CAE0-1C0BF9DC7600}"/>
+          </ac:picMkLst>
+        </pc:picChg>
+      </pc:sldChg>
+      <pc:sldChg chg="addSp delSp modSp new mod">
+        <pc:chgData name="Ishan Sharma" userId="4179229009c49077" providerId="LiveId" clId="{206F7B1A-8AE5-4630-AE74-979A2EEA2670}" dt="2024-12-10T20:42:33.790" v="105" actId="1037"/>
+        <pc:sldMkLst>
+          <pc:docMk/>
+          <pc:sldMk cId="3373284622" sldId="263"/>
+        </pc:sldMkLst>
+        <pc:spChg chg="mod">
+          <ac:chgData name="Ishan Sharma" userId="4179229009c49077" providerId="LiveId" clId="{206F7B1A-8AE5-4630-AE74-979A2EEA2670}" dt="2024-12-10T20:42:09.843" v="83" actId="20577"/>
+          <ac:spMkLst>
+            <pc:docMk/>
+            <pc:sldMk cId="3373284622" sldId="263"/>
+            <ac:spMk id="2" creationId="{54B922EE-57F5-9C8E-82FB-95CA76A67E87}"/>
+          </ac:spMkLst>
+        </pc:spChg>
+        <pc:spChg chg="del">
+          <ac:chgData name="Ishan Sharma" userId="4179229009c49077" providerId="LiveId" clId="{206F7B1A-8AE5-4630-AE74-979A2EEA2670}" dt="2024-12-10T20:42:18.069" v="85" actId="478"/>
+          <ac:spMkLst>
+            <pc:docMk/>
+            <pc:sldMk cId="3373284622" sldId="263"/>
+            <ac:spMk id="3" creationId="{ACBC59ED-E31B-4412-BDBE-8898EA32FE08}"/>
+          </ac:spMkLst>
+        </pc:spChg>
+        <pc:picChg chg="add mod">
+          <ac:chgData name="Ishan Sharma" userId="4179229009c49077" providerId="LiveId" clId="{206F7B1A-8AE5-4630-AE74-979A2EEA2670}" dt="2024-12-10T20:42:33.790" v="105" actId="1037"/>
+          <ac:picMkLst>
+            <pc:docMk/>
+            <pc:sldMk cId="3373284622" sldId="263"/>
+            <ac:picMk id="5" creationId="{5454ECF9-7095-AC5F-CAE0-1C0BF9DC7600}"/>
+          </ac:picMkLst>
+        </pc:picChg>
+      </pc:sldChg>
+    </pc:docChg>
+  </pc:docChgLst>
+</pc:chgInfo>
 </file>
 
 <file path=ppt/slideLayouts/slideLayout1.xml><?xml version="1.0" encoding="utf-8"?>
@@ -261,7 +577,7 @@
           <a:p>
             <a:fld id="{F367B4FA-56EB-4D5E-B514-9C2AA1707BBC}" type="datetimeFigureOut">
               <a:rPr lang="en-CA" smtClean="0"/>
-              <a:t>2024-12-06</a:t>
+              <a:t>2024-12-09</a:t>
             </a:fld>
             <a:endParaRPr lang="en-CA"/>
           </a:p>
@@ -461,7 +777,7 @@
           <a:p>
             <a:fld id="{F367B4FA-56EB-4D5E-B514-9C2AA1707BBC}" type="datetimeFigureOut">
               <a:rPr lang="en-CA" smtClean="0"/>
-              <a:t>2024-12-06</a:t>
+              <a:t>2024-12-09</a:t>
             </a:fld>
             <a:endParaRPr lang="en-CA"/>
           </a:p>
@@ -671,7 +987,7 @@
           <a:p>
             <a:fld id="{F367B4FA-56EB-4D5E-B514-9C2AA1707BBC}" type="datetimeFigureOut">
               <a:rPr lang="en-CA" smtClean="0"/>
-              <a:t>2024-12-06</a:t>
+              <a:t>2024-12-09</a:t>
             </a:fld>
             <a:endParaRPr lang="en-CA"/>
           </a:p>
@@ -871,7 +1187,7 @@
           <a:p>
             <a:fld id="{F367B4FA-56EB-4D5E-B514-9C2AA1707BBC}" type="datetimeFigureOut">
               <a:rPr lang="en-CA" smtClean="0"/>
-              <a:t>2024-12-06</a:t>
+              <a:t>2024-12-09</a:t>
             </a:fld>
             <a:endParaRPr lang="en-CA"/>
           </a:p>
@@ -1147,7 +1463,7 @@
           <a:p>
             <a:fld id="{F367B4FA-56EB-4D5E-B514-9C2AA1707BBC}" type="datetimeFigureOut">
               <a:rPr lang="en-CA" smtClean="0"/>
-              <a:t>2024-12-06</a:t>
+              <a:t>2024-12-09</a:t>
             </a:fld>
             <a:endParaRPr lang="en-CA"/>
           </a:p>
@@ -1415,7 +1731,7 @@
           <a:p>
             <a:fld id="{F367B4FA-56EB-4D5E-B514-9C2AA1707BBC}" type="datetimeFigureOut">
               <a:rPr lang="en-CA" smtClean="0"/>
-              <a:t>2024-12-06</a:t>
+              <a:t>2024-12-09</a:t>
             </a:fld>
             <a:endParaRPr lang="en-CA"/>
           </a:p>
@@ -1830,7 +2146,7 @@
           <a:p>
             <a:fld id="{F367B4FA-56EB-4D5E-B514-9C2AA1707BBC}" type="datetimeFigureOut">
               <a:rPr lang="en-CA" smtClean="0"/>
-              <a:t>2024-12-06</a:t>
+              <a:t>2024-12-09</a:t>
             </a:fld>
             <a:endParaRPr lang="en-CA"/>
           </a:p>
@@ -1972,7 +2288,7 @@
           <a:p>
             <a:fld id="{F367B4FA-56EB-4D5E-B514-9C2AA1707BBC}" type="datetimeFigureOut">
               <a:rPr lang="en-CA" smtClean="0"/>
-              <a:t>2024-12-06</a:t>
+              <a:t>2024-12-09</a:t>
             </a:fld>
             <a:endParaRPr lang="en-CA"/>
           </a:p>
@@ -2085,7 +2401,7 @@
           <a:p>
             <a:fld id="{F367B4FA-56EB-4D5E-B514-9C2AA1707BBC}" type="datetimeFigureOut">
               <a:rPr lang="en-CA" smtClean="0"/>
-              <a:t>2024-12-06</a:t>
+              <a:t>2024-12-09</a:t>
             </a:fld>
             <a:endParaRPr lang="en-CA"/>
           </a:p>
@@ -2398,7 +2714,7 @@
           <a:p>
             <a:fld id="{F367B4FA-56EB-4D5E-B514-9C2AA1707BBC}" type="datetimeFigureOut">
               <a:rPr lang="en-CA" smtClean="0"/>
-              <a:t>2024-12-06</a:t>
+              <a:t>2024-12-09</a:t>
             </a:fld>
             <a:endParaRPr lang="en-CA"/>
           </a:p>
@@ -2687,7 +3003,7 @@
           <a:p>
             <a:fld id="{F367B4FA-56EB-4D5E-B514-9C2AA1707BBC}" type="datetimeFigureOut">
               <a:rPr lang="en-CA" smtClean="0"/>
-              <a:t>2024-12-06</a:t>
+              <a:t>2024-12-09</a:t>
             </a:fld>
             <a:endParaRPr lang="en-CA"/>
           </a:p>
@@ -2930,7 +3246,7 @@
           <a:p>
             <a:fld id="{F367B4FA-56EB-4D5E-B514-9C2AA1707BBC}" type="datetimeFigureOut">
               <a:rPr lang="en-CA" smtClean="0"/>
-              <a:t>2024-12-06</a:t>
+              <a:t>2024-12-09</a:t>
             </a:fld>
             <a:endParaRPr lang="en-CA"/>
           </a:p>
@@ -3333,6 +3649,14 @@
 <file path=ppt/slides/slide1.xml><?xml version="1.0" encoding="utf-8"?>
 <p:sld xmlns:a="http://schemas.openxmlformats.org/drawingml/2006/main" xmlns:r="http://schemas.openxmlformats.org/officeDocument/2006/relationships" xmlns:p="http://schemas.openxmlformats.org/presentationml/2006/main">
   <p:cSld>
+    <p:bg>
+      <p:bgPr>
+        <a:solidFill>
+          <a:schemeClr val="bg1"/>
+        </a:solidFill>
+        <a:effectLst/>
+      </p:bgPr>
+    </p:bg>
     <p:spTree>
       <p:nvGrpSpPr>
         <p:cNvPr id="1" name=""/>
@@ -3347,6 +3671,1515 @@
           <a:chExt cx="0" cy="0"/>
         </a:xfrm>
       </p:grpSpPr>
+      <p:sp useBgFill="1">
+        <p:nvSpPr>
+          <p:cNvPr id="8" name="Rectangle 7">
+            <a:extLst>
+              <a:ext uri="{FF2B5EF4-FFF2-40B4-BE49-F238E27FC236}">
+                <a16:creationId xmlns:a16="http://schemas.microsoft.com/office/drawing/2014/main" id="{80E21785-62D8-430F-9521-90166EF7C8F0}"/>
+              </a:ext>
+              <a:ext uri="{C183D7F6-B498-43B3-948B-1728B52AA6E4}">
+                <adec:decorative xmlns:adec="http://schemas.microsoft.com/office/drawing/2017/decorative" val="1"/>
+              </a:ext>
+            </a:extLst>
+          </p:cNvPr>
+          <p:cNvSpPr>
+            <a:spLocks noGrp="1" noRot="1" noChangeAspect="1" noMove="1" noResize="1" noEditPoints="1" noAdjustHandles="1" noChangeArrowheads="1" noChangeShapeType="1" noTextEdit="1"/>
+          </p:cNvSpPr>
+          <p:nvPr>
+            <p:extLst>
+              <p:ext uri="{386F3935-93C4-4BCD-93E2-E3B085C9AB24}">
+                <p16:designElem xmlns:p16="http://schemas.microsoft.com/office/powerpoint/2015/main" val="1"/>
+              </p:ext>
+            </p:extLst>
+          </p:nvPr>
+        </p:nvSpPr>
+        <p:spPr>
+          <a:xfrm>
+            <a:off x="0" y="0"/>
+            <a:ext cx="12188952" cy="6858000"/>
+          </a:xfrm>
+          <a:prstGeom prst="rect">
+            <a:avLst/>
+          </a:prstGeom>
+          <a:ln>
+            <a:noFill/>
+          </a:ln>
+        </p:spPr>
+        <p:style>
+          <a:lnRef idx="2">
+            <a:schemeClr val="accent1">
+              <a:shade val="50000"/>
+            </a:schemeClr>
+          </a:lnRef>
+          <a:fillRef idx="1">
+            <a:schemeClr val="accent1"/>
+          </a:fillRef>
+          <a:effectRef idx="0">
+            <a:schemeClr val="accent1"/>
+          </a:effectRef>
+          <a:fontRef idx="minor">
+            <a:schemeClr val="lt1"/>
+          </a:fontRef>
+        </p:style>
+        <p:txBody>
+          <a:bodyPr rtlCol="0" anchor="ctr"/>
+          <a:lstStyle/>
+          <a:p>
+            <a:pPr algn="ctr"/>
+            <a:endParaRPr lang="en-US"/>
+          </a:p>
+        </p:txBody>
+      </p:sp>
+      <p:sp>
+        <p:nvSpPr>
+          <p:cNvPr id="10" name="Freeform: Shape 9">
+            <a:extLst>
+              <a:ext uri="{FF2B5EF4-FFF2-40B4-BE49-F238E27FC236}">
+                <a16:creationId xmlns:a16="http://schemas.microsoft.com/office/drawing/2014/main" id="{ED7CF8A0-D3E4-4A16-87D3-1D973AC61BF1}"/>
+              </a:ext>
+              <a:ext uri="{C183D7F6-B498-43B3-948B-1728B52AA6E4}">
+                <adec:decorative xmlns:adec="http://schemas.microsoft.com/office/drawing/2017/decorative" val="1"/>
+              </a:ext>
+            </a:extLst>
+          </p:cNvPr>
+          <p:cNvSpPr>
+            <a:spLocks noGrp="1" noRot="1" noChangeAspect="1" noMove="1" noResize="1" noEditPoints="1" noAdjustHandles="1" noChangeArrowheads="1" noChangeShapeType="1" noTextEdit="1"/>
+          </p:cNvSpPr>
+          <p:nvPr>
+            <p:extLst>
+              <p:ext uri="{386F3935-93C4-4BCD-93E2-E3B085C9AB24}">
+                <p16:designElem xmlns:p16="http://schemas.microsoft.com/office/powerpoint/2015/main" val="1"/>
+              </p:ext>
+            </p:extLst>
+          </p:nvPr>
+        </p:nvSpPr>
+        <p:spPr>
+          <a:xfrm>
+            <a:off x="2013296" y="697832"/>
+            <a:ext cx="8189484" cy="5541981"/>
+          </a:xfrm>
+          <a:custGeom>
+            <a:avLst/>
+            <a:gdLst>
+              <a:gd name="connsiteX0" fmla="*/ 1164045 w 7323233"/>
+              <a:gd name="connsiteY0" fmla="*/ 25 h 5835507"/>
+              <a:gd name="connsiteX1" fmla="*/ 1213723 w 7323233"/>
+              <a:gd name="connsiteY1" fmla="*/ 8385 h 5835507"/>
+              <a:gd name="connsiteX2" fmla="*/ 2251656 w 7323233"/>
+              <a:gd name="connsiteY2" fmla="*/ 138318 h 5835507"/>
+              <a:gd name="connsiteX3" fmla="*/ 3226534 w 7323233"/>
+              <a:gd name="connsiteY3" fmla="*/ 205194 h 5835507"/>
+              <a:gd name="connsiteX4" fmla="*/ 4404335 w 7323233"/>
+              <a:gd name="connsiteY4" fmla="*/ 316784 h 5835507"/>
+              <a:gd name="connsiteX5" fmla="*/ 5225968 w 7323233"/>
+              <a:gd name="connsiteY5" fmla="*/ 350415 h 5835507"/>
+              <a:gd name="connsiteX6" fmla="*/ 5266859 w 7323233"/>
+              <a:gd name="connsiteY6" fmla="*/ 348884 h 5835507"/>
+              <a:gd name="connsiteX7" fmla="*/ 5685318 w 7323233"/>
+              <a:gd name="connsiteY7" fmla="*/ 399712 h 5835507"/>
+              <a:gd name="connsiteX8" fmla="*/ 5411315 w 7323233"/>
+              <a:gd name="connsiteY8" fmla="*/ 618305 h 5835507"/>
+              <a:gd name="connsiteX9" fmla="*/ 5805698 w 7323233"/>
+              <a:gd name="connsiteY9" fmla="*/ 721868 h 5835507"/>
+              <a:gd name="connsiteX10" fmla="*/ 6188997 w 7323233"/>
+              <a:gd name="connsiteY10" fmla="*/ 868233 h 5835507"/>
+              <a:gd name="connsiteX11" fmla="*/ 6261225 w 7323233"/>
+              <a:gd name="connsiteY11" fmla="*/ 928614 h 5835507"/>
+              <a:gd name="connsiteX12" fmla="*/ 6858533 w 7323233"/>
+              <a:gd name="connsiteY12" fmla="*/ 1323379 h 5835507"/>
+              <a:gd name="connsiteX13" fmla="*/ 6744269 w 7323233"/>
+              <a:gd name="connsiteY13" fmla="*/ 1407072 h 5835507"/>
+              <a:gd name="connsiteX14" fmla="*/ 6956365 w 7323233"/>
+              <a:gd name="connsiteY14" fmla="*/ 1507197 h 5835507"/>
+              <a:gd name="connsiteX15" fmla="*/ 7004134 w 7323233"/>
+              <a:gd name="connsiteY15" fmla="*/ 1549234 h 5835507"/>
+              <a:gd name="connsiteX16" fmla="*/ 6963627 w 7323233"/>
+              <a:gd name="connsiteY16" fmla="*/ 1599678 h 5835507"/>
+              <a:gd name="connsiteX17" fmla="*/ 6875731 w 7323233"/>
+              <a:gd name="connsiteY17" fmla="*/ 1634837 h 5835507"/>
+              <a:gd name="connsiteX18" fmla="*/ 6759175 w 7323233"/>
+              <a:gd name="connsiteY18" fmla="*/ 1723878 h 5835507"/>
+              <a:gd name="connsiteX19" fmla="*/ 6763759 w 7323233"/>
+              <a:gd name="connsiteY19" fmla="*/ 1793431 h 5835507"/>
+              <a:gd name="connsiteX20" fmla="*/ 6832931 w 7323233"/>
+              <a:gd name="connsiteY20" fmla="*/ 1919543 h 5835507"/>
+              <a:gd name="connsiteX21" fmla="*/ 6728984 w 7323233"/>
+              <a:gd name="connsiteY21" fmla="*/ 2051386 h 5835507"/>
+              <a:gd name="connsiteX22" fmla="*/ 6675481 w 7323233"/>
+              <a:gd name="connsiteY22" fmla="*/ 2090365 h 5835507"/>
+              <a:gd name="connsiteX23" fmla="*/ 6778665 w 7323233"/>
+              <a:gd name="connsiteY23" fmla="*/ 2103740 h 5835507"/>
+              <a:gd name="connsiteX24" fmla="*/ 6814587 w 7323233"/>
+              <a:gd name="connsiteY24" fmla="*/ 2158771 h 5835507"/>
+              <a:gd name="connsiteX25" fmla="*/ 6830637 w 7323233"/>
+              <a:gd name="connsiteY25" fmla="*/ 2186286 h 5835507"/>
+              <a:gd name="connsiteX26" fmla="*/ 6928087 w 7323233"/>
+              <a:gd name="connsiteY26" fmla="*/ 2358639 h 5835507"/>
+              <a:gd name="connsiteX27" fmla="*/ 6911653 w 7323233"/>
+              <a:gd name="connsiteY27" fmla="*/ 2406789 h 5835507"/>
+              <a:gd name="connsiteX28" fmla="*/ 6749237 w 7323233"/>
+              <a:gd name="connsiteY28" fmla="*/ 2639522 h 5835507"/>
+              <a:gd name="connsiteX29" fmla="*/ 6921971 w 7323233"/>
+              <a:gd name="connsiteY29" fmla="*/ 2704488 h 5835507"/>
+              <a:gd name="connsiteX30" fmla="*/ 6932290 w 7323233"/>
+              <a:gd name="connsiteY30" fmla="*/ 2814548 h 5835507"/>
+              <a:gd name="connsiteX31" fmla="*/ 7020186 w 7323233"/>
+              <a:gd name="connsiteY31" fmla="*/ 2937603 h 5835507"/>
+              <a:gd name="connsiteX32" fmla="*/ 7213555 w 7323233"/>
+              <a:gd name="connsiteY32" fmla="*/ 3110719 h 5835507"/>
+              <a:gd name="connsiteX33" fmla="*/ 7323233 w 7323233"/>
+              <a:gd name="connsiteY33" fmla="*/ 3226893 h 5835507"/>
+              <a:gd name="connsiteX34" fmla="*/ 7134067 w 7323233"/>
+              <a:gd name="connsiteY34" fmla="*/ 3257847 h 5835507"/>
+              <a:gd name="connsiteX35" fmla="*/ 7104643 w 7323233"/>
+              <a:gd name="connsiteY35" fmla="*/ 3275809 h 5835507"/>
+              <a:gd name="connsiteX36" fmla="*/ 7127189 w 7323233"/>
+              <a:gd name="connsiteY36" fmla="*/ 3336953 h 5835507"/>
+              <a:gd name="connsiteX37" fmla="*/ 7157379 w 7323233"/>
+              <a:gd name="connsiteY37" fmla="*/ 3397718 h 5835507"/>
+              <a:gd name="connsiteX38" fmla="*/ 7136361 w 7323233"/>
+              <a:gd name="connsiteY38" fmla="*/ 3445487 h 5835507"/>
+              <a:gd name="connsiteX39" fmla="*/ 6988849 w 7323233"/>
+              <a:gd name="connsiteY39" fmla="*/ 3652233 h 5835507"/>
+              <a:gd name="connsiteX40" fmla="*/ 6867705 w 7323233"/>
+              <a:gd name="connsiteY40" fmla="*/ 3734395 h 5835507"/>
+              <a:gd name="connsiteX41" fmla="*/ 6591791 w 7323233"/>
+              <a:gd name="connsiteY41" fmla="*/ 4107760 h 5835507"/>
+              <a:gd name="connsiteX42" fmla="*/ 6505041 w 7323233"/>
+              <a:gd name="connsiteY42" fmla="*/ 4228904 h 5835507"/>
+              <a:gd name="connsiteX43" fmla="*/ 6569243 w 7323233"/>
+              <a:gd name="connsiteY43" fmla="*/ 4271704 h 5835507"/>
+              <a:gd name="connsiteX44" fmla="*/ 6446188 w 7323233"/>
+              <a:gd name="connsiteY44" fmla="*/ 4398582 h 5835507"/>
+              <a:gd name="connsiteX45" fmla="*/ 6301351 w 7323233"/>
+              <a:gd name="connsiteY45" fmla="*/ 4539595 h 5835507"/>
+              <a:gd name="connsiteX46" fmla="*/ 6263519 w 7323233"/>
+              <a:gd name="connsiteY46" fmla="*/ 4577047 h 5835507"/>
+              <a:gd name="connsiteX47" fmla="*/ 3277744 w 7323233"/>
+              <a:gd name="connsiteY47" fmla="*/ 5834336 h 5835507"/>
+              <a:gd name="connsiteX48" fmla="*/ 2490505 w 7323233"/>
+              <a:gd name="connsiteY48" fmla="*/ 5648992 h 5835507"/>
+              <a:gd name="connsiteX49" fmla="*/ 2179046 w 7323233"/>
+              <a:gd name="connsiteY49" fmla="*/ 5504920 h 5835507"/>
+              <a:gd name="connsiteX50" fmla="*/ 1780078 w 7323233"/>
+              <a:gd name="connsiteY50" fmla="*/ 5273715 h 5835507"/>
+              <a:gd name="connsiteX51" fmla="*/ 1353592 w 7323233"/>
+              <a:gd name="connsiteY51" fmla="*/ 5087606 h 5835507"/>
+              <a:gd name="connsiteX52" fmla="*/ 1208373 w 7323233"/>
+              <a:gd name="connsiteY52" fmla="*/ 4917165 h 5835507"/>
+              <a:gd name="connsiteX53" fmla="*/ 1157548 w 7323233"/>
+              <a:gd name="connsiteY53" fmla="*/ 4869396 h 5835507"/>
+              <a:gd name="connsiteX54" fmla="*/ 1030289 w 7323233"/>
+              <a:gd name="connsiteY54" fmla="*/ 4807103 h 5835507"/>
+              <a:gd name="connsiteX55" fmla="*/ 808258 w 7323233"/>
+              <a:gd name="connsiteY55" fmla="*/ 4672585 h 5835507"/>
+              <a:gd name="connsiteX56" fmla="*/ 889658 w 7323233"/>
+              <a:gd name="connsiteY56" fmla="*/ 4642013 h 5835507"/>
+              <a:gd name="connsiteX57" fmla="*/ 1123917 w 7323233"/>
+              <a:gd name="connsiteY57" fmla="*/ 4723412 h 5835507"/>
+              <a:gd name="connsiteX58" fmla="*/ 1294360 w 7323233"/>
+              <a:gd name="connsiteY58" fmla="*/ 4745194 h 5835507"/>
+              <a:gd name="connsiteX59" fmla="*/ 1054367 w 7323233"/>
+              <a:gd name="connsiteY59" fmla="*/ 4603034 h 5835507"/>
+              <a:gd name="connsiteX60" fmla="*/ 822015 w 7323233"/>
+              <a:gd name="connsiteY60" fmla="*/ 4418070 h 5835507"/>
+              <a:gd name="connsiteX61" fmla="*/ 1001246 w 7323233"/>
+              <a:gd name="connsiteY61" fmla="*/ 4453610 h 5835507"/>
+              <a:gd name="connsiteX62" fmla="*/ 1008889 w 7323233"/>
+              <a:gd name="connsiteY62" fmla="*/ 4428770 h 5835507"/>
+              <a:gd name="connsiteX63" fmla="*/ 853733 w 7323233"/>
+              <a:gd name="connsiteY63" fmla="*/ 4208648 h 5835507"/>
+              <a:gd name="connsiteX64" fmla="*/ 776921 w 7323233"/>
+              <a:gd name="connsiteY64" fmla="*/ 4119989 h 5835507"/>
+              <a:gd name="connsiteX65" fmla="*/ 431453 w 7323233"/>
+              <a:gd name="connsiteY65" fmla="*/ 3852864 h 5835507"/>
+              <a:gd name="connsiteX66" fmla="*/ 759342 w 7323233"/>
+              <a:gd name="connsiteY66" fmla="*/ 3972095 h 5835507"/>
+              <a:gd name="connsiteX67" fmla="*/ 420753 w 7323233"/>
+              <a:gd name="connsiteY67" fmla="*/ 3712230 h 5835507"/>
+              <a:gd name="connsiteX68" fmla="*/ 256425 w 7323233"/>
+              <a:gd name="connsiteY68" fmla="*/ 3616309 h 5835507"/>
+              <a:gd name="connsiteX69" fmla="*/ 214772 w 7323233"/>
+              <a:gd name="connsiteY69" fmla="*/ 3559749 h 5835507"/>
+              <a:gd name="connsiteX70" fmla="*/ 287762 w 7323233"/>
+              <a:gd name="connsiteY70" fmla="*/ 3547521 h 5835507"/>
+              <a:gd name="connsiteX71" fmla="*/ 511706 w 7323233"/>
+              <a:gd name="connsiteY71" fmla="*/ 3569305 h 5835507"/>
+              <a:gd name="connsiteX72" fmla="*/ 235409 w 7323233"/>
+              <a:gd name="connsiteY72" fmla="*/ 3394659 h 5835507"/>
+              <a:gd name="connsiteX73" fmla="*/ 442537 w 7323233"/>
+              <a:gd name="connsiteY73" fmla="*/ 3421409 h 5835507"/>
+              <a:gd name="connsiteX74" fmla="*/ 502152 w 7323233"/>
+              <a:gd name="connsiteY74" fmla="*/ 3352622 h 5835507"/>
+              <a:gd name="connsiteX75" fmla="*/ 598455 w 7323233"/>
+              <a:gd name="connsiteY75" fmla="*/ 3241415 h 5835507"/>
+              <a:gd name="connsiteX76" fmla="*/ 664949 w 7323233"/>
+              <a:gd name="connsiteY76" fmla="*/ 3179506 h 5835507"/>
+              <a:gd name="connsiteX77" fmla="*/ 692846 w 7323233"/>
+              <a:gd name="connsiteY77" fmla="*/ 2984607 h 5835507"/>
+              <a:gd name="connsiteX78" fmla="*/ 635524 w 7323233"/>
+              <a:gd name="connsiteY78" fmla="*/ 2771366 h 5835507"/>
+              <a:gd name="connsiteX79" fmla="*/ 480368 w 7323233"/>
+              <a:gd name="connsiteY79" fmla="*/ 2663598 h 5835507"/>
+              <a:gd name="connsiteX80" fmla="*/ 525081 w 7323233"/>
+              <a:gd name="connsiteY80" fmla="*/ 2542454 h 5835507"/>
+              <a:gd name="connsiteX81" fmla="*/ 855264 w 7323233"/>
+              <a:gd name="connsiteY81" fmla="*/ 2615829 h 5835507"/>
+              <a:gd name="connsiteX82" fmla="*/ 361137 w 7323233"/>
+              <a:gd name="connsiteY82" fmla="*/ 2327301 h 5835507"/>
+              <a:gd name="connsiteX83" fmla="*/ 444065 w 7323233"/>
+              <a:gd name="connsiteY83" fmla="*/ 2312780 h 5835507"/>
+              <a:gd name="connsiteX84" fmla="*/ 440625 w 7323233"/>
+              <a:gd name="connsiteY84" fmla="*/ 2290233 h 5835507"/>
+              <a:gd name="connsiteX85" fmla="*/ 445975 w 7323233"/>
+              <a:gd name="connsiteY85" fmla="*/ 2151509 h 5835507"/>
+              <a:gd name="connsiteX86" fmla="*/ 459734 w 7323233"/>
+              <a:gd name="connsiteY86" fmla="*/ 2087690 h 5835507"/>
+              <a:gd name="connsiteX87" fmla="*/ 437950 w 7323233"/>
+              <a:gd name="connsiteY87" fmla="*/ 2014315 h 5835507"/>
+              <a:gd name="connsiteX88" fmla="*/ 808640 w 7323233"/>
+              <a:gd name="connsiteY88" fmla="*/ 2042977 h 5835507"/>
+              <a:gd name="connsiteX89" fmla="*/ 969908 w 7323233"/>
+              <a:gd name="connsiteY89" fmla="*/ 2026162 h 5835507"/>
+              <a:gd name="connsiteX90" fmla="*/ 1251176 w 7323233"/>
+              <a:gd name="connsiteY90" fmla="*/ 2021577 h 5835507"/>
+              <a:gd name="connsiteX91" fmla="*/ 1381491 w 7323233"/>
+              <a:gd name="connsiteY91" fmla="*/ 2035718 h 5835507"/>
+              <a:gd name="connsiteX92" fmla="*/ 1492697 w 7323233"/>
+              <a:gd name="connsiteY92" fmla="*/ 2017374 h 5835507"/>
+              <a:gd name="connsiteX93" fmla="*/ 1386076 w 7323233"/>
+              <a:gd name="connsiteY93" fmla="*/ 1931006 h 5835507"/>
+              <a:gd name="connsiteX94" fmla="*/ 1235889 w 7323233"/>
+              <a:gd name="connsiteY94" fmla="*/ 1932153 h 5835507"/>
+              <a:gd name="connsiteX95" fmla="*/ 1128886 w 7323233"/>
+              <a:gd name="connsiteY95" fmla="*/ 1875977 h 5835507"/>
+              <a:gd name="connsiteX96" fmla="*/ 1026851 w 7323233"/>
+              <a:gd name="connsiteY96" fmla="*/ 1774322 h 5835507"/>
+              <a:gd name="connsiteX97" fmla="*/ 666861 w 7323233"/>
+              <a:gd name="connsiteY97" fmla="*/ 1612290 h 5835507"/>
+              <a:gd name="connsiteX98" fmla="*/ 601130 w 7323233"/>
+              <a:gd name="connsiteY98" fmla="*/ 1550762 h 5835507"/>
+              <a:gd name="connsiteX99" fmla="*/ 1630272 w 7323233"/>
+              <a:gd name="connsiteY99" fmla="*/ 1785787 h 5835507"/>
+              <a:gd name="connsiteX100" fmla="*/ 1312320 w 7323233"/>
+              <a:gd name="connsiteY100" fmla="*/ 1687191 h 5835507"/>
+              <a:gd name="connsiteX101" fmla="*/ 1527473 w 7323233"/>
+              <a:gd name="connsiteY101" fmla="*/ 1705153 h 5835507"/>
+              <a:gd name="connsiteX102" fmla="*/ 1646706 w 7323233"/>
+              <a:gd name="connsiteY102" fmla="*/ 1639040 h 5835507"/>
+              <a:gd name="connsiteX103" fmla="*/ 1645178 w 7323233"/>
+              <a:gd name="connsiteY103" fmla="*/ 1620315 h 5835507"/>
+              <a:gd name="connsiteX104" fmla="*/ 1557663 w 7323233"/>
+              <a:gd name="connsiteY104" fmla="*/ 1558787 h 5835507"/>
+              <a:gd name="connsiteX105" fmla="*/ 1506454 w 7323233"/>
+              <a:gd name="connsiteY105" fmla="*/ 1519044 h 5835507"/>
+              <a:gd name="connsiteX106" fmla="*/ 1366204 w 7323233"/>
+              <a:gd name="connsiteY106" fmla="*/ 1375735 h 5835507"/>
+              <a:gd name="connsiteX107" fmla="*/ 1466329 w 7323233"/>
+              <a:gd name="connsiteY107" fmla="*/ 1360450 h 5835507"/>
+              <a:gd name="connsiteX108" fmla="*/ 1503397 w 7323233"/>
+              <a:gd name="connsiteY108" fmla="*/ 1330641 h 5835507"/>
+              <a:gd name="connsiteX109" fmla="*/ 1475501 w 7323233"/>
+              <a:gd name="connsiteY109" fmla="*/ 1288604 h 5835507"/>
+              <a:gd name="connsiteX110" fmla="*/ 1165573 w 7323233"/>
+              <a:gd name="connsiteY110" fmla="*/ 1159435 h 5835507"/>
+              <a:gd name="connsiteX111" fmla="*/ 1141498 w 7323233"/>
+              <a:gd name="connsiteY111" fmla="*/ 1059311 h 5835507"/>
+              <a:gd name="connsiteX112" fmla="*/ 1199585 w 7323233"/>
+              <a:gd name="connsiteY112" fmla="*/ 1044407 h 5835507"/>
+              <a:gd name="connsiteX113" fmla="*/ 1267226 w 7323233"/>
+              <a:gd name="connsiteY113" fmla="*/ 1051286 h 5835507"/>
+              <a:gd name="connsiteX114" fmla="*/ 1213342 w 7323233"/>
+              <a:gd name="connsiteY114" fmla="*/ 972561 h 5835507"/>
+              <a:gd name="connsiteX115" fmla="*/ 993986 w 7323233"/>
+              <a:gd name="connsiteY115" fmla="*/ 893073 h 5835507"/>
+              <a:gd name="connsiteX116" fmla="*/ 1047486 w 7323233"/>
+              <a:gd name="connsiteY116" fmla="*/ 820083 h 5835507"/>
+              <a:gd name="connsiteX117" fmla="*/ 0 w 7323233"/>
+              <a:gd name="connsiteY117" fmla="*/ 488371 h 5835507"/>
+              <a:gd name="connsiteX118" fmla="*/ 188403 w 7323233"/>
+              <a:gd name="connsiteY118" fmla="*/ 484933 h 5835507"/>
+              <a:gd name="connsiteX119" fmla="*/ 584315 w 7323233"/>
+              <a:gd name="connsiteY119" fmla="*/ 534230 h 5835507"/>
+              <a:gd name="connsiteX120" fmla="*/ 782271 w 7323233"/>
+              <a:gd name="connsiteY120" fmla="*/ 525824 h 5835507"/>
+              <a:gd name="connsiteX121" fmla="*/ 967998 w 7323233"/>
+              <a:gd name="connsiteY121" fmla="*/ 552574 h 5835507"/>
+              <a:gd name="connsiteX122" fmla="*/ 1129651 w 7323233"/>
+              <a:gd name="connsiteY122" fmla="*/ 552574 h 5835507"/>
+              <a:gd name="connsiteX123" fmla="*/ 978317 w 7323233"/>
+              <a:gd name="connsiteY123" fmla="*/ 513593 h 5835507"/>
+              <a:gd name="connsiteX124" fmla="*/ 1074620 w 7323233"/>
+              <a:gd name="connsiteY124" fmla="*/ 478818 h 5835507"/>
+              <a:gd name="connsiteX125" fmla="*/ 1091435 w 7323233"/>
+              <a:gd name="connsiteY125" fmla="*/ 436781 h 5835507"/>
+              <a:gd name="connsiteX126" fmla="*/ 1135383 w 7323233"/>
+              <a:gd name="connsiteY126" fmla="*/ 404296 h 5835507"/>
+              <a:gd name="connsiteX127" fmla="*/ 1384166 w 7323233"/>
+              <a:gd name="connsiteY127" fmla="*/ 420349 h 5835507"/>
+              <a:gd name="connsiteX128" fmla="*/ 1219839 w 7323233"/>
+              <a:gd name="connsiteY128" fmla="*/ 286593 h 5835507"/>
+              <a:gd name="connsiteX129" fmla="*/ 1114364 w 7323233"/>
+              <a:gd name="connsiteY129" fmla="*/ 264428 h 5835507"/>
+              <a:gd name="connsiteX130" fmla="*/ 1090289 w 7323233"/>
+              <a:gd name="connsiteY130" fmla="*/ 207487 h 5835507"/>
+              <a:gd name="connsiteX131" fmla="*/ 1139204 w 7323233"/>
+              <a:gd name="connsiteY131" fmla="*/ 195259 h 5835507"/>
+              <a:gd name="connsiteX132" fmla="*/ 1382254 w 7323233"/>
+              <a:gd name="connsiteY132" fmla="*/ 242265 h 5835507"/>
+              <a:gd name="connsiteX133" fmla="*/ 1423145 w 7323233"/>
+              <a:gd name="connsiteY133" fmla="*/ 223537 h 5835507"/>
+              <a:gd name="connsiteX134" fmla="*/ 965705 w 7323233"/>
+              <a:gd name="connsiteY134" fmla="*/ 102013 h 5835507"/>
+              <a:gd name="connsiteX135" fmla="*/ 972586 w 7323233"/>
+              <a:gd name="connsiteY135" fmla="*/ 69912 h 5835507"/>
+              <a:gd name="connsiteX136" fmla="*/ 1375376 w 7323233"/>
+              <a:gd name="connsiteY136" fmla="*/ 119593 h 5835507"/>
+              <a:gd name="connsiteX137" fmla="*/ 1117804 w 7323233"/>
+              <a:gd name="connsiteY137" fmla="*/ 25200 h 5835507"/>
+              <a:gd name="connsiteX138" fmla="*/ 1164045 w 7323233"/>
+              <a:gd name="connsiteY138" fmla="*/ 25 h 5835507"/>
+            </a:gdLst>
+            <a:ahLst/>
+            <a:cxnLst>
+              <a:cxn ang="0">
+                <a:pos x="connsiteX0" y="connsiteY0"/>
+              </a:cxn>
+              <a:cxn ang="0">
+                <a:pos x="connsiteX1" y="connsiteY1"/>
+              </a:cxn>
+              <a:cxn ang="0">
+                <a:pos x="connsiteX2" y="connsiteY2"/>
+              </a:cxn>
+              <a:cxn ang="0">
+                <a:pos x="connsiteX3" y="connsiteY3"/>
+              </a:cxn>
+              <a:cxn ang="0">
+                <a:pos x="connsiteX4" y="connsiteY4"/>
+              </a:cxn>
+              <a:cxn ang="0">
+                <a:pos x="connsiteX5" y="connsiteY5"/>
+              </a:cxn>
+              <a:cxn ang="0">
+                <a:pos x="connsiteX6" y="connsiteY6"/>
+              </a:cxn>
+              <a:cxn ang="0">
+                <a:pos x="connsiteX7" y="connsiteY7"/>
+              </a:cxn>
+              <a:cxn ang="0">
+                <a:pos x="connsiteX8" y="connsiteY8"/>
+              </a:cxn>
+              <a:cxn ang="0">
+                <a:pos x="connsiteX9" y="connsiteY9"/>
+              </a:cxn>
+              <a:cxn ang="0">
+                <a:pos x="connsiteX10" y="connsiteY10"/>
+              </a:cxn>
+              <a:cxn ang="0">
+                <a:pos x="connsiteX11" y="connsiteY11"/>
+              </a:cxn>
+              <a:cxn ang="0">
+                <a:pos x="connsiteX12" y="connsiteY12"/>
+              </a:cxn>
+              <a:cxn ang="0">
+                <a:pos x="connsiteX13" y="connsiteY13"/>
+              </a:cxn>
+              <a:cxn ang="0">
+                <a:pos x="connsiteX14" y="connsiteY14"/>
+              </a:cxn>
+              <a:cxn ang="0">
+                <a:pos x="connsiteX15" y="connsiteY15"/>
+              </a:cxn>
+              <a:cxn ang="0">
+                <a:pos x="connsiteX16" y="connsiteY16"/>
+              </a:cxn>
+              <a:cxn ang="0">
+                <a:pos x="connsiteX17" y="connsiteY17"/>
+              </a:cxn>
+              <a:cxn ang="0">
+                <a:pos x="connsiteX18" y="connsiteY18"/>
+              </a:cxn>
+              <a:cxn ang="0">
+                <a:pos x="connsiteX19" y="connsiteY19"/>
+              </a:cxn>
+              <a:cxn ang="0">
+                <a:pos x="connsiteX20" y="connsiteY20"/>
+              </a:cxn>
+              <a:cxn ang="0">
+                <a:pos x="connsiteX21" y="connsiteY21"/>
+              </a:cxn>
+              <a:cxn ang="0">
+                <a:pos x="connsiteX22" y="connsiteY22"/>
+              </a:cxn>
+              <a:cxn ang="0">
+                <a:pos x="connsiteX23" y="connsiteY23"/>
+              </a:cxn>
+              <a:cxn ang="0">
+                <a:pos x="connsiteX24" y="connsiteY24"/>
+              </a:cxn>
+              <a:cxn ang="0">
+                <a:pos x="connsiteX25" y="connsiteY25"/>
+              </a:cxn>
+              <a:cxn ang="0">
+                <a:pos x="connsiteX26" y="connsiteY26"/>
+              </a:cxn>
+              <a:cxn ang="0">
+                <a:pos x="connsiteX27" y="connsiteY27"/>
+              </a:cxn>
+              <a:cxn ang="0">
+                <a:pos x="connsiteX28" y="connsiteY28"/>
+              </a:cxn>
+              <a:cxn ang="0">
+                <a:pos x="connsiteX29" y="connsiteY29"/>
+              </a:cxn>
+              <a:cxn ang="0">
+                <a:pos x="connsiteX30" y="connsiteY30"/>
+              </a:cxn>
+              <a:cxn ang="0">
+                <a:pos x="connsiteX31" y="connsiteY31"/>
+              </a:cxn>
+              <a:cxn ang="0">
+                <a:pos x="connsiteX32" y="connsiteY32"/>
+              </a:cxn>
+              <a:cxn ang="0">
+                <a:pos x="connsiteX33" y="connsiteY33"/>
+              </a:cxn>
+              <a:cxn ang="0">
+                <a:pos x="connsiteX34" y="connsiteY34"/>
+              </a:cxn>
+              <a:cxn ang="0">
+                <a:pos x="connsiteX35" y="connsiteY35"/>
+              </a:cxn>
+              <a:cxn ang="0">
+                <a:pos x="connsiteX36" y="connsiteY36"/>
+              </a:cxn>
+              <a:cxn ang="0">
+                <a:pos x="connsiteX37" y="connsiteY37"/>
+              </a:cxn>
+              <a:cxn ang="0">
+                <a:pos x="connsiteX38" y="connsiteY38"/>
+              </a:cxn>
+              <a:cxn ang="0">
+                <a:pos x="connsiteX39" y="connsiteY39"/>
+              </a:cxn>
+              <a:cxn ang="0">
+                <a:pos x="connsiteX40" y="connsiteY40"/>
+              </a:cxn>
+              <a:cxn ang="0">
+                <a:pos x="connsiteX41" y="connsiteY41"/>
+              </a:cxn>
+              <a:cxn ang="0">
+                <a:pos x="connsiteX42" y="connsiteY42"/>
+              </a:cxn>
+              <a:cxn ang="0">
+                <a:pos x="connsiteX43" y="connsiteY43"/>
+              </a:cxn>
+              <a:cxn ang="0">
+                <a:pos x="connsiteX44" y="connsiteY44"/>
+              </a:cxn>
+              <a:cxn ang="0">
+                <a:pos x="connsiteX45" y="connsiteY45"/>
+              </a:cxn>
+              <a:cxn ang="0">
+                <a:pos x="connsiteX46" y="connsiteY46"/>
+              </a:cxn>
+              <a:cxn ang="0">
+                <a:pos x="connsiteX47" y="connsiteY47"/>
+              </a:cxn>
+              <a:cxn ang="0">
+                <a:pos x="connsiteX48" y="connsiteY48"/>
+              </a:cxn>
+              <a:cxn ang="0">
+                <a:pos x="connsiteX49" y="connsiteY49"/>
+              </a:cxn>
+              <a:cxn ang="0">
+                <a:pos x="connsiteX50" y="connsiteY50"/>
+              </a:cxn>
+              <a:cxn ang="0">
+                <a:pos x="connsiteX51" y="connsiteY51"/>
+              </a:cxn>
+              <a:cxn ang="0">
+                <a:pos x="connsiteX52" y="connsiteY52"/>
+              </a:cxn>
+              <a:cxn ang="0">
+                <a:pos x="connsiteX53" y="connsiteY53"/>
+              </a:cxn>
+              <a:cxn ang="0">
+                <a:pos x="connsiteX54" y="connsiteY54"/>
+              </a:cxn>
+              <a:cxn ang="0">
+                <a:pos x="connsiteX55" y="connsiteY55"/>
+              </a:cxn>
+              <a:cxn ang="0">
+                <a:pos x="connsiteX56" y="connsiteY56"/>
+              </a:cxn>
+              <a:cxn ang="0">
+                <a:pos x="connsiteX57" y="connsiteY57"/>
+              </a:cxn>
+              <a:cxn ang="0">
+                <a:pos x="connsiteX58" y="connsiteY58"/>
+              </a:cxn>
+              <a:cxn ang="0">
+                <a:pos x="connsiteX59" y="connsiteY59"/>
+              </a:cxn>
+              <a:cxn ang="0">
+                <a:pos x="connsiteX60" y="connsiteY60"/>
+              </a:cxn>
+              <a:cxn ang="0">
+                <a:pos x="connsiteX61" y="connsiteY61"/>
+              </a:cxn>
+              <a:cxn ang="0">
+                <a:pos x="connsiteX62" y="connsiteY62"/>
+              </a:cxn>
+              <a:cxn ang="0">
+                <a:pos x="connsiteX63" y="connsiteY63"/>
+              </a:cxn>
+              <a:cxn ang="0">
+                <a:pos x="connsiteX64" y="connsiteY64"/>
+              </a:cxn>
+              <a:cxn ang="0">
+                <a:pos x="connsiteX65" y="connsiteY65"/>
+              </a:cxn>
+              <a:cxn ang="0">
+                <a:pos x="connsiteX66" y="connsiteY66"/>
+              </a:cxn>
+              <a:cxn ang="0">
+                <a:pos x="connsiteX67" y="connsiteY67"/>
+              </a:cxn>
+              <a:cxn ang="0">
+                <a:pos x="connsiteX68" y="connsiteY68"/>
+              </a:cxn>
+              <a:cxn ang="0">
+                <a:pos x="connsiteX69" y="connsiteY69"/>
+              </a:cxn>
+              <a:cxn ang="0">
+                <a:pos x="connsiteX70" y="connsiteY70"/>
+              </a:cxn>
+              <a:cxn ang="0">
+                <a:pos x="connsiteX71" y="connsiteY71"/>
+              </a:cxn>
+              <a:cxn ang="0">
+                <a:pos x="connsiteX72" y="connsiteY72"/>
+              </a:cxn>
+              <a:cxn ang="0">
+                <a:pos x="connsiteX73" y="connsiteY73"/>
+              </a:cxn>
+              <a:cxn ang="0">
+                <a:pos x="connsiteX74" y="connsiteY74"/>
+              </a:cxn>
+              <a:cxn ang="0">
+                <a:pos x="connsiteX75" y="connsiteY75"/>
+              </a:cxn>
+              <a:cxn ang="0">
+                <a:pos x="connsiteX76" y="connsiteY76"/>
+              </a:cxn>
+              <a:cxn ang="0">
+                <a:pos x="connsiteX77" y="connsiteY77"/>
+              </a:cxn>
+              <a:cxn ang="0">
+                <a:pos x="connsiteX78" y="connsiteY78"/>
+              </a:cxn>
+              <a:cxn ang="0">
+                <a:pos x="connsiteX79" y="connsiteY79"/>
+              </a:cxn>
+              <a:cxn ang="0">
+                <a:pos x="connsiteX80" y="connsiteY80"/>
+              </a:cxn>
+              <a:cxn ang="0">
+                <a:pos x="connsiteX81" y="connsiteY81"/>
+              </a:cxn>
+              <a:cxn ang="0">
+                <a:pos x="connsiteX82" y="connsiteY82"/>
+              </a:cxn>
+              <a:cxn ang="0">
+                <a:pos x="connsiteX83" y="connsiteY83"/>
+              </a:cxn>
+              <a:cxn ang="0">
+                <a:pos x="connsiteX84" y="connsiteY84"/>
+              </a:cxn>
+              <a:cxn ang="0">
+                <a:pos x="connsiteX85" y="connsiteY85"/>
+              </a:cxn>
+              <a:cxn ang="0">
+                <a:pos x="connsiteX86" y="connsiteY86"/>
+              </a:cxn>
+              <a:cxn ang="0">
+                <a:pos x="connsiteX87" y="connsiteY87"/>
+              </a:cxn>
+              <a:cxn ang="0">
+                <a:pos x="connsiteX88" y="connsiteY88"/>
+              </a:cxn>
+              <a:cxn ang="0">
+                <a:pos x="connsiteX89" y="connsiteY89"/>
+              </a:cxn>
+              <a:cxn ang="0">
+                <a:pos x="connsiteX90" y="connsiteY90"/>
+              </a:cxn>
+              <a:cxn ang="0">
+                <a:pos x="connsiteX91" y="connsiteY91"/>
+              </a:cxn>
+              <a:cxn ang="0">
+                <a:pos x="connsiteX92" y="connsiteY92"/>
+              </a:cxn>
+              <a:cxn ang="0">
+                <a:pos x="connsiteX93" y="connsiteY93"/>
+              </a:cxn>
+              <a:cxn ang="0">
+                <a:pos x="connsiteX94" y="connsiteY94"/>
+              </a:cxn>
+              <a:cxn ang="0">
+                <a:pos x="connsiteX95" y="connsiteY95"/>
+              </a:cxn>
+              <a:cxn ang="0">
+                <a:pos x="connsiteX96" y="connsiteY96"/>
+              </a:cxn>
+              <a:cxn ang="0">
+                <a:pos x="connsiteX97" y="connsiteY97"/>
+              </a:cxn>
+              <a:cxn ang="0">
+                <a:pos x="connsiteX98" y="connsiteY98"/>
+              </a:cxn>
+              <a:cxn ang="0">
+                <a:pos x="connsiteX99" y="connsiteY99"/>
+              </a:cxn>
+              <a:cxn ang="0">
+                <a:pos x="connsiteX100" y="connsiteY100"/>
+              </a:cxn>
+              <a:cxn ang="0">
+                <a:pos x="connsiteX101" y="connsiteY101"/>
+              </a:cxn>
+              <a:cxn ang="0">
+                <a:pos x="connsiteX102" y="connsiteY102"/>
+              </a:cxn>
+              <a:cxn ang="0">
+                <a:pos x="connsiteX103" y="connsiteY103"/>
+              </a:cxn>
+              <a:cxn ang="0">
+                <a:pos x="connsiteX104" y="connsiteY104"/>
+              </a:cxn>
+              <a:cxn ang="0">
+                <a:pos x="connsiteX105" y="connsiteY105"/>
+              </a:cxn>
+              <a:cxn ang="0">
+                <a:pos x="connsiteX106" y="connsiteY106"/>
+              </a:cxn>
+              <a:cxn ang="0">
+                <a:pos x="connsiteX107" y="connsiteY107"/>
+              </a:cxn>
+              <a:cxn ang="0">
+                <a:pos x="connsiteX108" y="connsiteY108"/>
+              </a:cxn>
+              <a:cxn ang="0">
+                <a:pos x="connsiteX109" y="connsiteY109"/>
+              </a:cxn>
+              <a:cxn ang="0">
+                <a:pos x="connsiteX110" y="connsiteY110"/>
+              </a:cxn>
+              <a:cxn ang="0">
+                <a:pos x="connsiteX111" y="connsiteY111"/>
+              </a:cxn>
+              <a:cxn ang="0">
+                <a:pos x="connsiteX112" y="connsiteY112"/>
+              </a:cxn>
+              <a:cxn ang="0">
+                <a:pos x="connsiteX113" y="connsiteY113"/>
+              </a:cxn>
+              <a:cxn ang="0">
+                <a:pos x="connsiteX114" y="connsiteY114"/>
+              </a:cxn>
+              <a:cxn ang="0">
+                <a:pos x="connsiteX115" y="connsiteY115"/>
+              </a:cxn>
+              <a:cxn ang="0">
+                <a:pos x="connsiteX116" y="connsiteY116"/>
+              </a:cxn>
+              <a:cxn ang="0">
+                <a:pos x="connsiteX117" y="connsiteY117"/>
+              </a:cxn>
+              <a:cxn ang="0">
+                <a:pos x="connsiteX118" y="connsiteY118"/>
+              </a:cxn>
+              <a:cxn ang="0">
+                <a:pos x="connsiteX119" y="connsiteY119"/>
+              </a:cxn>
+              <a:cxn ang="0">
+                <a:pos x="connsiteX120" y="connsiteY120"/>
+              </a:cxn>
+              <a:cxn ang="0">
+                <a:pos x="connsiteX121" y="connsiteY121"/>
+              </a:cxn>
+              <a:cxn ang="0">
+                <a:pos x="connsiteX122" y="connsiteY122"/>
+              </a:cxn>
+              <a:cxn ang="0">
+                <a:pos x="connsiteX123" y="connsiteY123"/>
+              </a:cxn>
+              <a:cxn ang="0">
+                <a:pos x="connsiteX124" y="connsiteY124"/>
+              </a:cxn>
+              <a:cxn ang="0">
+                <a:pos x="connsiteX125" y="connsiteY125"/>
+              </a:cxn>
+              <a:cxn ang="0">
+                <a:pos x="connsiteX126" y="connsiteY126"/>
+              </a:cxn>
+              <a:cxn ang="0">
+                <a:pos x="connsiteX127" y="connsiteY127"/>
+              </a:cxn>
+              <a:cxn ang="0">
+                <a:pos x="connsiteX128" y="connsiteY128"/>
+              </a:cxn>
+              <a:cxn ang="0">
+                <a:pos x="connsiteX129" y="connsiteY129"/>
+              </a:cxn>
+              <a:cxn ang="0">
+                <a:pos x="connsiteX130" y="connsiteY130"/>
+              </a:cxn>
+              <a:cxn ang="0">
+                <a:pos x="connsiteX131" y="connsiteY131"/>
+              </a:cxn>
+              <a:cxn ang="0">
+                <a:pos x="connsiteX132" y="connsiteY132"/>
+              </a:cxn>
+              <a:cxn ang="0">
+                <a:pos x="connsiteX133" y="connsiteY133"/>
+              </a:cxn>
+              <a:cxn ang="0">
+                <a:pos x="connsiteX134" y="connsiteY134"/>
+              </a:cxn>
+              <a:cxn ang="0">
+                <a:pos x="connsiteX135" y="connsiteY135"/>
+              </a:cxn>
+              <a:cxn ang="0">
+                <a:pos x="connsiteX136" y="connsiteY136"/>
+              </a:cxn>
+              <a:cxn ang="0">
+                <a:pos x="connsiteX137" y="connsiteY137"/>
+              </a:cxn>
+              <a:cxn ang="0">
+                <a:pos x="connsiteX138" y="connsiteY138"/>
+              </a:cxn>
+            </a:cxnLst>
+            <a:rect l="l" t="t" r="r" b="b"/>
+            <a:pathLst>
+              <a:path w="7323233" h="5835507">
+                <a:moveTo>
+                  <a:pt x="1164045" y="25"/>
+                </a:moveTo>
+                <a:cubicBezTo>
+                  <a:pt x="1180764" y="455"/>
+                  <a:pt x="1198056" y="6474"/>
+                  <a:pt x="1213723" y="8385"/>
+                </a:cubicBezTo>
+                <a:cubicBezTo>
+                  <a:pt x="1559575" y="51187"/>
+                  <a:pt x="1905425" y="97428"/>
+                  <a:pt x="2251656" y="138318"/>
+                </a:cubicBezTo>
+                <a:cubicBezTo>
+                  <a:pt x="2575343" y="176534"/>
+                  <a:pt x="2901320" y="185322"/>
+                  <a:pt x="3226534" y="205194"/>
+                </a:cubicBezTo>
+                <a:cubicBezTo>
+                  <a:pt x="3620153" y="229271"/>
+                  <a:pt x="4013008" y="263284"/>
+                  <a:pt x="4404335" y="316784"/>
+                </a:cubicBezTo>
+                <a:cubicBezTo>
+                  <a:pt x="4676048" y="354236"/>
+                  <a:pt x="4950435" y="380221"/>
+                  <a:pt x="5225968" y="350415"/>
+                </a:cubicBezTo>
+                <a:cubicBezTo>
+                  <a:pt x="5239725" y="348884"/>
+                  <a:pt x="5255394" y="343918"/>
+                  <a:pt x="5266859" y="348884"/>
+                </a:cubicBezTo>
+                <a:cubicBezTo>
+                  <a:pt x="5400614" y="404680"/>
+                  <a:pt x="5546596" y="364553"/>
+                  <a:pt x="5685318" y="399712"/>
+                </a:cubicBezTo>
+                <a:cubicBezTo>
+                  <a:pt x="5649777" y="535377"/>
+                  <a:pt x="5497299" y="524293"/>
+                  <a:pt x="5411315" y="618305"/>
+                </a:cubicBezTo>
+                <a:cubicBezTo>
+                  <a:pt x="5551565" y="655755"/>
+                  <a:pt x="5677676" y="693589"/>
+                  <a:pt x="5805698" y="721868"/>
+                </a:cubicBezTo>
+                <a:cubicBezTo>
+                  <a:pt x="5941363" y="751677"/>
+                  <a:pt x="6056391" y="832311"/>
+                  <a:pt x="6188997" y="868233"/>
+                </a:cubicBezTo>
+                <a:cubicBezTo>
+                  <a:pt x="6217279" y="875876"/>
+                  <a:pt x="6251291" y="902627"/>
+                  <a:pt x="6261225" y="928614"/>
+                </a:cubicBezTo>
+                <a:cubicBezTo>
+                  <a:pt x="6293326" y="1012688"/>
+                  <a:pt x="6934199" y="1248479"/>
+                  <a:pt x="6858533" y="1323379"/>
+                </a:cubicBezTo>
+                <a:cubicBezTo>
+                  <a:pt x="6827197" y="1354335"/>
+                  <a:pt x="6786687" y="1376500"/>
+                  <a:pt x="6744269" y="1407072"/>
+                </a:cubicBezTo>
+                <a:cubicBezTo>
+                  <a:pt x="6808090" y="1464778"/>
+                  <a:pt x="6879934" y="1490000"/>
+                  <a:pt x="6956365" y="1507197"/>
+                </a:cubicBezTo>
+                <a:cubicBezTo>
+                  <a:pt x="6979295" y="1512547"/>
+                  <a:pt x="7001843" y="1523247"/>
+                  <a:pt x="7004134" y="1549234"/>
+                </a:cubicBezTo>
+                <a:cubicBezTo>
+                  <a:pt x="7006427" y="1576366"/>
+                  <a:pt x="6983115" y="1587066"/>
+                  <a:pt x="6963627" y="1599678"/>
+                </a:cubicBezTo>
+                <a:cubicBezTo>
+                  <a:pt x="6936493" y="1617256"/>
+                  <a:pt x="6910125" y="1632543"/>
+                  <a:pt x="6875731" y="1634837"/>
+                </a:cubicBezTo>
+                <a:cubicBezTo>
+                  <a:pt x="6819171" y="1638275"/>
+                  <a:pt x="6792040" y="1687191"/>
+                  <a:pt x="6759175" y="1723878"/>
+                </a:cubicBezTo>
+                <a:cubicBezTo>
+                  <a:pt x="6740831" y="1744515"/>
+                  <a:pt x="6731659" y="1786169"/>
+                  <a:pt x="6763759" y="1793431"/>
+                </a:cubicBezTo>
+                <a:cubicBezTo>
+                  <a:pt x="6840955" y="1811009"/>
+                  <a:pt x="6834840" y="1861837"/>
+                  <a:pt x="6832931" y="1919543"/>
+                </a:cubicBezTo>
+                <a:cubicBezTo>
+                  <a:pt x="6830255" y="1991005"/>
+                  <a:pt x="6784777" y="2023871"/>
+                  <a:pt x="6728984" y="2051386"/>
+                </a:cubicBezTo>
+                <a:cubicBezTo>
+                  <a:pt x="6709875" y="2060939"/>
+                  <a:pt x="6682743" y="2060556"/>
+                  <a:pt x="6675481" y="2090365"/>
+                </a:cubicBezTo>
+                <a:cubicBezTo>
+                  <a:pt x="6706819" y="2118645"/>
+                  <a:pt x="6745034" y="2095715"/>
+                  <a:pt x="6778665" y="2103740"/>
+                </a:cubicBezTo>
+                <a:cubicBezTo>
+                  <a:pt x="6806561" y="2110237"/>
+                  <a:pt x="6852802" y="2106799"/>
+                  <a:pt x="6814587" y="2158771"/>
+                </a:cubicBezTo>
+                <a:cubicBezTo>
+                  <a:pt x="6803503" y="2173674"/>
+                  <a:pt x="6816497" y="2185139"/>
+                  <a:pt x="6830637" y="2186286"/>
+                </a:cubicBezTo>
+                <a:cubicBezTo>
+                  <a:pt x="6943755" y="2198133"/>
+                  <a:pt x="6891781" y="2303226"/>
+                  <a:pt x="6928087" y="2358639"/>
+                </a:cubicBezTo>
+                <a:cubicBezTo>
+                  <a:pt x="6938021" y="2373923"/>
+                  <a:pt x="6927321" y="2400292"/>
+                  <a:pt x="6911653" y="2406789"/>
+                </a:cubicBezTo>
+                <a:cubicBezTo>
+                  <a:pt x="6811528" y="2449592"/>
+                  <a:pt x="6797771" y="2551626"/>
+                  <a:pt x="6749237" y="2639522"/>
+                </a:cubicBezTo>
+                <a:cubicBezTo>
+                  <a:pt x="6801975" y="2674298"/>
+                  <a:pt x="6865031" y="2681941"/>
+                  <a:pt x="6921971" y="2704488"/>
+                </a:cubicBezTo>
+                <a:cubicBezTo>
+                  <a:pt x="6981205" y="2728182"/>
+                  <a:pt x="6981205" y="2745760"/>
+                  <a:pt x="6932290" y="2814548"/>
+                </a:cubicBezTo>
+                <a:cubicBezTo>
+                  <a:pt x="7059546" y="2829453"/>
+                  <a:pt x="7059546" y="2829453"/>
+                  <a:pt x="7020186" y="2937603"/>
+                </a:cubicBezTo>
+                <a:cubicBezTo>
+                  <a:pt x="7126808" y="2947538"/>
+                  <a:pt x="7197123" y="2998747"/>
+                  <a:pt x="7213555" y="3110719"/>
+                </a:cubicBezTo>
+                <a:cubicBezTo>
+                  <a:pt x="7221580" y="3164984"/>
+                  <a:pt x="7269733" y="3190588"/>
+                  <a:pt x="7323233" y="3226893"/>
+                </a:cubicBezTo>
+                <a:cubicBezTo>
+                  <a:pt x="7256739" y="3262053"/>
+                  <a:pt x="7211645" y="3335425"/>
+                  <a:pt x="7134067" y="3257847"/>
+                </a:cubicBezTo>
+                <a:cubicBezTo>
+                  <a:pt x="7105789" y="3229569"/>
+                  <a:pt x="7108462" y="3265491"/>
+                  <a:pt x="7104643" y="3275809"/>
+                </a:cubicBezTo>
+                <a:cubicBezTo>
+                  <a:pt x="7095471" y="3301031"/>
+                  <a:pt x="7114577" y="3317846"/>
+                  <a:pt x="7127189" y="3336953"/>
+                </a:cubicBezTo>
+                <a:cubicBezTo>
+                  <a:pt x="7139417" y="3356062"/>
+                  <a:pt x="7153939" y="3376315"/>
+                  <a:pt x="7157379" y="3397718"/>
+                </a:cubicBezTo>
+                <a:cubicBezTo>
+                  <a:pt x="7159671" y="3412621"/>
+                  <a:pt x="7148589" y="3434403"/>
+                  <a:pt x="7136361" y="3445487"/>
+                </a:cubicBezTo>
+                <a:cubicBezTo>
+                  <a:pt x="7072159" y="3503956"/>
+                  <a:pt x="7110374" y="3635418"/>
+                  <a:pt x="6988849" y="3652233"/>
+                </a:cubicBezTo>
+                <a:cubicBezTo>
+                  <a:pt x="6934199" y="3659874"/>
+                  <a:pt x="6907831" y="3708027"/>
+                  <a:pt x="6867705" y="3734395"/>
+                </a:cubicBezTo>
+                <a:cubicBezTo>
+                  <a:pt x="6728219" y="3826495"/>
+                  <a:pt x="6634972" y="3944964"/>
+                  <a:pt x="6591791" y="4107760"/>
+                </a:cubicBezTo>
+                <a:cubicBezTo>
+                  <a:pt x="6579943" y="4152854"/>
+                  <a:pt x="6534466" y="4189160"/>
+                  <a:pt x="6505041" y="4228904"/>
+                </a:cubicBezTo>
+                <a:cubicBezTo>
+                  <a:pt x="6519181" y="4257948"/>
+                  <a:pt x="6596375" y="4195273"/>
+                  <a:pt x="6569243" y="4271704"/>
+                </a:cubicBezTo>
+                <a:cubicBezTo>
+                  <a:pt x="6548606" y="4329029"/>
+                  <a:pt x="6495869" y="4364569"/>
+                  <a:pt x="6446188" y="4398582"/>
+                </a:cubicBezTo>
+                <a:cubicBezTo>
+                  <a:pt x="6389629" y="4437179"/>
+                  <a:pt x="6326957" y="4468132"/>
+                  <a:pt x="6301351" y="4539595"/>
+                </a:cubicBezTo>
+                <a:cubicBezTo>
+                  <a:pt x="6296001" y="4554882"/>
+                  <a:pt x="6278804" y="4570932"/>
+                  <a:pt x="6263519" y="4577047"/>
+                </a:cubicBezTo>
+                <a:cubicBezTo>
+                  <a:pt x="5466343" y="5834719"/>
+                  <a:pt x="3503978" y="5843126"/>
+                  <a:pt x="3277744" y="5834336"/>
+                </a:cubicBezTo>
+                <a:cubicBezTo>
+                  <a:pt x="3003739" y="5823254"/>
+                  <a:pt x="2744636" y="5745676"/>
+                  <a:pt x="2490505" y="5648992"/>
+                </a:cubicBezTo>
+                <a:cubicBezTo>
+                  <a:pt x="2383118" y="5608101"/>
+                  <a:pt x="2283377" y="5550014"/>
+                  <a:pt x="2179046" y="5504920"/>
+                </a:cubicBezTo>
+                <a:cubicBezTo>
+                  <a:pt x="2034975" y="5442627"/>
+                  <a:pt x="1923768" y="5323777"/>
+                  <a:pt x="1780078" y="5273715"/>
+                </a:cubicBezTo>
+                <a:cubicBezTo>
+                  <a:pt x="1632184" y="5222124"/>
+                  <a:pt x="1505691" y="5127731"/>
+                  <a:pt x="1353592" y="5087606"/>
+                </a:cubicBezTo>
+                <a:cubicBezTo>
+                  <a:pt x="1273341" y="5066205"/>
+                  <a:pt x="1195763" y="5027608"/>
+                  <a:pt x="1208373" y="4917165"/>
+                </a:cubicBezTo>
+                <a:cubicBezTo>
+                  <a:pt x="1211813" y="4885828"/>
+                  <a:pt x="1190795" y="4860224"/>
+                  <a:pt x="1157548" y="4869396"/>
+                </a:cubicBezTo>
+                <a:cubicBezTo>
+                  <a:pt x="1094110" y="4886593"/>
+                  <a:pt x="1065448" y="4841115"/>
+                  <a:pt x="1030289" y="4807103"/>
+                </a:cubicBezTo>
+                <a:cubicBezTo>
+                  <a:pt x="967617" y="4746725"/>
+                  <a:pt x="908001" y="4682522"/>
+                  <a:pt x="808258" y="4672585"/>
+                </a:cubicBezTo>
+                <a:cubicBezTo>
+                  <a:pt x="827365" y="4625197"/>
+                  <a:pt x="859849" y="4632078"/>
+                  <a:pt x="889658" y="4642013"/>
+                </a:cubicBezTo>
+                <a:cubicBezTo>
+                  <a:pt x="967998" y="4668000"/>
+                  <a:pt x="1045576" y="4697425"/>
+                  <a:pt x="1123917" y="4723412"/>
+                </a:cubicBezTo>
+                <a:cubicBezTo>
+                  <a:pt x="1175126" y="4740228"/>
+                  <a:pt x="1225954" y="4763921"/>
+                  <a:pt x="1294360" y="4745194"/>
+                </a:cubicBezTo>
+                <a:cubicBezTo>
+                  <a:pt x="1235507" y="4649656"/>
+                  <a:pt x="1135383" y="4632459"/>
+                  <a:pt x="1054367" y="4603034"/>
+                </a:cubicBezTo>
+                <a:cubicBezTo>
+                  <a:pt x="953095" y="4565966"/>
+                  <a:pt x="893480" y="4496029"/>
+                  <a:pt x="822015" y="4418070"/>
+                </a:cubicBezTo>
+                <a:cubicBezTo>
+                  <a:pt x="896536" y="4399344"/>
+                  <a:pt x="942777" y="4456669"/>
+                  <a:pt x="1001246" y="4453610"/>
+                </a:cubicBezTo>
+                <a:cubicBezTo>
+                  <a:pt x="1004304" y="4443675"/>
+                  <a:pt x="1009654" y="4429153"/>
+                  <a:pt x="1008889" y="4428770"/>
+                </a:cubicBezTo>
+                <a:cubicBezTo>
+                  <a:pt x="913351" y="4385969"/>
+                  <a:pt x="868639" y="4305717"/>
+                  <a:pt x="853733" y="4208648"/>
+                </a:cubicBezTo>
+                <a:cubicBezTo>
+                  <a:pt x="846092" y="4158588"/>
+                  <a:pt x="811315" y="4142920"/>
+                  <a:pt x="776921" y="4119989"/>
+                </a:cubicBezTo>
+                <a:cubicBezTo>
+                  <a:pt x="656924" y="4038591"/>
+                  <a:pt x="530049" y="3964835"/>
+                  <a:pt x="431453" y="3852864"/>
+                </a:cubicBezTo>
+                <a:cubicBezTo>
+                  <a:pt x="545336" y="3867767"/>
+                  <a:pt x="636671" y="3940758"/>
+                  <a:pt x="759342" y="3972095"/>
+                </a:cubicBezTo>
+                <a:cubicBezTo>
+                  <a:pt x="661893" y="3849042"/>
+                  <a:pt x="535781" y="3786751"/>
+                  <a:pt x="420753" y="3712230"/>
+                </a:cubicBezTo>
+                <a:cubicBezTo>
+                  <a:pt x="368397" y="3678218"/>
+                  <a:pt x="319865" y="3634652"/>
+                  <a:pt x="256425" y="3616309"/>
+                </a:cubicBezTo>
+                <a:cubicBezTo>
+                  <a:pt x="233878" y="3609812"/>
+                  <a:pt x="196810" y="3596055"/>
+                  <a:pt x="214772" y="3559749"/>
+                </a:cubicBezTo>
+                <a:cubicBezTo>
+                  <a:pt x="230057" y="3529561"/>
+                  <a:pt x="260247" y="3538731"/>
+                  <a:pt x="287762" y="3547521"/>
+                </a:cubicBezTo>
+                <a:cubicBezTo>
+                  <a:pt x="353875" y="3569305"/>
+                  <a:pt x="422281" y="3569687"/>
+                  <a:pt x="511706" y="3569305"/>
+                </a:cubicBezTo>
+                <a:cubicBezTo>
+                  <a:pt x="436803" y="3469562"/>
+                  <a:pt x="299609" y="3499371"/>
+                  <a:pt x="235409" y="3394659"/>
+                </a:cubicBezTo>
+                <a:cubicBezTo>
+                  <a:pt x="315659" y="3376315"/>
+                  <a:pt x="377569" y="3414149"/>
+                  <a:pt x="442537" y="3421409"/>
+                </a:cubicBezTo>
+                <a:cubicBezTo>
+                  <a:pt x="501387" y="3427906"/>
+                  <a:pt x="515909" y="3410328"/>
+                  <a:pt x="502152" y="3352622"/>
+                </a:cubicBezTo>
+                <a:cubicBezTo>
+                  <a:pt x="480752" y="3262815"/>
+                  <a:pt x="512852" y="3216956"/>
+                  <a:pt x="598455" y="3241415"/>
+                </a:cubicBezTo>
+                <a:cubicBezTo>
+                  <a:pt x="677943" y="3264344"/>
+                  <a:pt x="686349" y="3230715"/>
+                  <a:pt x="664949" y="3179506"/>
+                </a:cubicBezTo>
+                <a:cubicBezTo>
+                  <a:pt x="634377" y="3104987"/>
+                  <a:pt x="669153" y="3047281"/>
+                  <a:pt x="692846" y="2984607"/>
+                </a:cubicBezTo>
+                <a:cubicBezTo>
+                  <a:pt x="729152" y="2889069"/>
+                  <a:pt x="713865" y="2842445"/>
+                  <a:pt x="635524" y="2771366"/>
+                </a:cubicBezTo>
+                <a:cubicBezTo>
+                  <a:pt x="591577" y="2731620"/>
+                  <a:pt x="544190" y="2697991"/>
+                  <a:pt x="480368" y="2663598"/>
+                </a:cubicBezTo>
+                <a:cubicBezTo>
+                  <a:pt x="627499" y="2644872"/>
+                  <a:pt x="473109" y="2581817"/>
+                  <a:pt x="525081" y="2542454"/>
+                </a:cubicBezTo>
+                <a:cubicBezTo>
+                  <a:pt x="629027" y="2526404"/>
+                  <a:pt x="713865" y="2651751"/>
+                  <a:pt x="855264" y="2615829"/>
+                </a:cubicBezTo>
+                <a:cubicBezTo>
+                  <a:pt x="680618" y="2507295"/>
+                  <a:pt x="487630" y="2471755"/>
+                  <a:pt x="361137" y="2327301"/>
+                </a:cubicBezTo>
+                <a:cubicBezTo>
+                  <a:pt x="390181" y="2294436"/>
+                  <a:pt x="419224" y="2325008"/>
+                  <a:pt x="444065" y="2312780"/>
+                </a:cubicBezTo>
+                <a:cubicBezTo>
+                  <a:pt x="443300" y="2305136"/>
+                  <a:pt x="445212" y="2293671"/>
+                  <a:pt x="440625" y="2290233"/>
+                </a:cubicBezTo>
+                <a:cubicBezTo>
+                  <a:pt x="346234" y="2211508"/>
+                  <a:pt x="344703" y="2209598"/>
+                  <a:pt x="445975" y="2151509"/>
+                </a:cubicBezTo>
+                <a:cubicBezTo>
+                  <a:pt x="481515" y="2131255"/>
+                  <a:pt x="478459" y="2113293"/>
+                  <a:pt x="459734" y="2087690"/>
+                </a:cubicBezTo>
+                <a:cubicBezTo>
+                  <a:pt x="446356" y="2069728"/>
+                  <a:pt x="430306" y="2053677"/>
+                  <a:pt x="437950" y="2014315"/>
+                </a:cubicBezTo>
+                <a:cubicBezTo>
+                  <a:pt x="493362" y="2064761"/>
+                  <a:pt x="761252" y="2048327"/>
+                  <a:pt x="808640" y="2042977"/>
+                </a:cubicBezTo>
+                <a:cubicBezTo>
+                  <a:pt x="861758" y="2037246"/>
+                  <a:pt x="914114" y="2012787"/>
+                  <a:pt x="969908" y="2026162"/>
+                </a:cubicBezTo>
+                <a:cubicBezTo>
+                  <a:pt x="1014621" y="2036864"/>
+                  <a:pt x="1221748" y="2140427"/>
+                  <a:pt x="1251176" y="2021577"/>
+                </a:cubicBezTo>
+                <a:cubicBezTo>
+                  <a:pt x="1252704" y="2015846"/>
+                  <a:pt x="1336395" y="2029221"/>
+                  <a:pt x="1381491" y="2035718"/>
+                </a:cubicBezTo>
+                <a:cubicBezTo>
+                  <a:pt x="1421235" y="2041068"/>
+                  <a:pt x="1465947" y="2064761"/>
+                  <a:pt x="1492697" y="2017374"/>
+                </a:cubicBezTo>
+                <a:cubicBezTo>
+                  <a:pt x="1508366" y="1989477"/>
+                  <a:pt x="1443782" y="1935593"/>
+                  <a:pt x="1386076" y="1931006"/>
+                </a:cubicBezTo>
+                <a:cubicBezTo>
+                  <a:pt x="1336013" y="1926802"/>
+                  <a:pt x="1283658" y="1920687"/>
+                  <a:pt x="1235889" y="1932153"/>
+                </a:cubicBezTo>
+                <a:cubicBezTo>
+                  <a:pt x="1177038" y="1945911"/>
+                  <a:pt x="1145320" y="1923746"/>
+                  <a:pt x="1128886" y="1875977"/>
+                </a:cubicBezTo>
+                <a:cubicBezTo>
+                  <a:pt x="1110542" y="1823240"/>
+                  <a:pt x="1075383" y="1798781"/>
+                  <a:pt x="1026851" y="1774322"/>
+                </a:cubicBezTo>
+                <a:cubicBezTo>
+                  <a:pt x="909146" y="1715090"/>
+                  <a:pt x="796030" y="1646684"/>
+                  <a:pt x="666861" y="1612290"/>
+                </a:cubicBezTo>
+                <a:cubicBezTo>
+                  <a:pt x="641255" y="1605409"/>
+                  <a:pt x="612977" y="1596238"/>
+                  <a:pt x="601130" y="1550762"/>
+                </a:cubicBezTo>
+                <a:cubicBezTo>
+                  <a:pt x="950802" y="1618785"/>
+                  <a:pt x="1269520" y="1796106"/>
+                  <a:pt x="1630272" y="1785787"/>
+                </a:cubicBezTo>
+                <a:cubicBezTo>
+                  <a:pt x="1531678" y="1729610"/>
+                  <a:pt x="1417413" y="1726553"/>
+                  <a:pt x="1312320" y="1687191"/>
+                </a:cubicBezTo>
+                <a:cubicBezTo>
+                  <a:pt x="1386841" y="1657765"/>
+                  <a:pt x="1456775" y="1688337"/>
+                  <a:pt x="1527473" y="1705153"/>
+                </a:cubicBezTo>
+                <a:cubicBezTo>
+                  <a:pt x="1586707" y="1718909"/>
+                  <a:pt x="1640210" y="1721203"/>
+                  <a:pt x="1646706" y="1639040"/>
+                </a:cubicBezTo>
+                <a:cubicBezTo>
+                  <a:pt x="1644413" y="1633690"/>
+                  <a:pt x="1644794" y="1626812"/>
+                  <a:pt x="1645178" y="1620315"/>
+                </a:cubicBezTo>
+                <a:cubicBezTo>
+                  <a:pt x="1625304" y="1586303"/>
+                  <a:pt x="1594350" y="1568725"/>
+                  <a:pt x="1557663" y="1558787"/>
+                </a:cubicBezTo>
+                <a:cubicBezTo>
+                  <a:pt x="1535498" y="1552672"/>
+                  <a:pt x="1506073" y="1543500"/>
+                  <a:pt x="1506454" y="1519044"/>
+                </a:cubicBezTo>
+                <a:cubicBezTo>
+                  <a:pt x="1507601" y="1428472"/>
+                  <a:pt x="1436904" y="1402104"/>
+                  <a:pt x="1366204" y="1375735"/>
+                </a:cubicBezTo>
+                <a:cubicBezTo>
+                  <a:pt x="1405566" y="1330641"/>
+                  <a:pt x="1436520" y="1363888"/>
+                  <a:pt x="1466329" y="1360450"/>
+                </a:cubicBezTo>
+                <a:cubicBezTo>
+                  <a:pt x="1485819" y="1358157"/>
+                  <a:pt x="1503397" y="1353953"/>
+                  <a:pt x="1503397" y="1330641"/>
+                </a:cubicBezTo>
+                <a:cubicBezTo>
+                  <a:pt x="1503779" y="1311151"/>
+                  <a:pt x="1494607" y="1288985"/>
+                  <a:pt x="1475501" y="1288604"/>
+                </a:cubicBezTo>
+                <a:cubicBezTo>
+                  <a:pt x="1355885" y="1285163"/>
+                  <a:pt x="1289773" y="1159817"/>
+                  <a:pt x="1165573" y="1159435"/>
+                </a:cubicBezTo>
+                <a:cubicBezTo>
+                  <a:pt x="1091435" y="1159435"/>
+                  <a:pt x="1204170" y="1088738"/>
+                  <a:pt x="1141498" y="1059311"/>
+                </a:cubicBezTo>
+                <a:cubicBezTo>
+                  <a:pt x="1127739" y="1052814"/>
+                  <a:pt x="1177420" y="1042879"/>
+                  <a:pt x="1199585" y="1044407"/>
+                </a:cubicBezTo>
+                <a:cubicBezTo>
+                  <a:pt x="1221367" y="1045935"/>
+                  <a:pt x="1240857" y="1064661"/>
+                  <a:pt x="1267226" y="1051286"/>
+                </a:cubicBezTo>
+                <a:cubicBezTo>
+                  <a:pt x="1281748" y="1003517"/>
+                  <a:pt x="1244298" y="985938"/>
+                  <a:pt x="1213342" y="972561"/>
+                </a:cubicBezTo>
+                <a:cubicBezTo>
+                  <a:pt x="1141879" y="941607"/>
+                  <a:pt x="1072327" y="904157"/>
+                  <a:pt x="993986" y="893073"/>
+                </a:cubicBezTo>
+                <a:cubicBezTo>
+                  <a:pt x="966089" y="889252"/>
+                  <a:pt x="1034111" y="838042"/>
+                  <a:pt x="1047486" y="820083"/>
+                </a:cubicBezTo>
+                <a:cubicBezTo>
+                  <a:pt x="732209" y="631299"/>
+                  <a:pt x="353112" y="640852"/>
+                  <a:pt x="0" y="488371"/>
+                </a:cubicBezTo>
+                <a:cubicBezTo>
+                  <a:pt x="77960" y="458564"/>
+                  <a:pt x="135284" y="480346"/>
+                  <a:pt x="188403" y="484933"/>
+                </a:cubicBezTo>
+                <a:cubicBezTo>
+                  <a:pt x="321009" y="496396"/>
+                  <a:pt x="452090" y="520090"/>
+                  <a:pt x="584315" y="534230"/>
+                </a:cubicBezTo>
+                <a:cubicBezTo>
+                  <a:pt x="649281" y="541108"/>
+                  <a:pt x="709662" y="567096"/>
+                  <a:pt x="782271" y="525824"/>
+                </a:cubicBezTo>
+                <a:cubicBezTo>
+                  <a:pt x="830805" y="498308"/>
+                  <a:pt x="908383" y="528115"/>
+                  <a:pt x="967998" y="552574"/>
+                </a:cubicBezTo>
+                <a:cubicBezTo>
+                  <a:pt x="1017296" y="572827"/>
+                  <a:pt x="1064301" y="578177"/>
+                  <a:pt x="1129651" y="552574"/>
+                </a:cubicBezTo>
+                <a:cubicBezTo>
+                  <a:pt x="1070417" y="536905"/>
+                  <a:pt x="1024939" y="523149"/>
+                  <a:pt x="978317" y="513593"/>
+                </a:cubicBezTo>
+                <a:cubicBezTo>
+                  <a:pt x="941248" y="505952"/>
+                  <a:pt x="1029526" y="474996"/>
+                  <a:pt x="1074620" y="478818"/>
+                </a:cubicBezTo>
+                <a:cubicBezTo>
+                  <a:pt x="1137676" y="484168"/>
+                  <a:pt x="1102136" y="464296"/>
+                  <a:pt x="1091435" y="436781"/>
+                </a:cubicBezTo>
+                <a:cubicBezTo>
+                  <a:pt x="1079970" y="407355"/>
+                  <a:pt x="1113982" y="398184"/>
+                  <a:pt x="1135383" y="404296"/>
+                </a:cubicBezTo>
+                <a:cubicBezTo>
+                  <a:pt x="1217545" y="428374"/>
+                  <a:pt x="1299326" y="385955"/>
+                  <a:pt x="1384166" y="420349"/>
+                </a:cubicBezTo>
+                <a:cubicBezTo>
+                  <a:pt x="1362764" y="335509"/>
+                  <a:pt x="1316523" y="298440"/>
+                  <a:pt x="1219839" y="286593"/>
+                </a:cubicBezTo>
+                <a:cubicBezTo>
+                  <a:pt x="1183533" y="282009"/>
+                  <a:pt x="1145701" y="288887"/>
+                  <a:pt x="1114364" y="264428"/>
+                </a:cubicBezTo>
+                <a:cubicBezTo>
+                  <a:pt x="1096402" y="250290"/>
+                  <a:pt x="1076148" y="233474"/>
+                  <a:pt x="1090289" y="207487"/>
+                </a:cubicBezTo>
+                <a:cubicBezTo>
+                  <a:pt x="1100223" y="189144"/>
+                  <a:pt x="1121626" y="189144"/>
+                  <a:pt x="1139204" y="195259"/>
+                </a:cubicBezTo>
+                <a:cubicBezTo>
+                  <a:pt x="1217929" y="222393"/>
+                  <a:pt x="1300091" y="232328"/>
+                  <a:pt x="1382254" y="242265"/>
+                </a:cubicBezTo>
+                <a:cubicBezTo>
+                  <a:pt x="1394866" y="243793"/>
+                  <a:pt x="1409004" y="248762"/>
+                  <a:pt x="1423145" y="223537"/>
+                </a:cubicBezTo>
+                <a:cubicBezTo>
+                  <a:pt x="1269520" y="182647"/>
+                  <a:pt x="1123536" y="124559"/>
+                  <a:pt x="965705" y="102013"/>
+                </a:cubicBezTo>
+                <a:cubicBezTo>
+                  <a:pt x="967998" y="91312"/>
+                  <a:pt x="970292" y="80612"/>
+                  <a:pt x="972586" y="69912"/>
+                </a:cubicBezTo>
+                <a:cubicBezTo>
+                  <a:pt x="1096020" y="85197"/>
+                  <a:pt x="1219457" y="100484"/>
+                  <a:pt x="1375376" y="119593"/>
+                </a:cubicBezTo>
+                <a:cubicBezTo>
+                  <a:pt x="1279454" y="58828"/>
+                  <a:pt x="1188885" y="79084"/>
+                  <a:pt x="1117804" y="25200"/>
+                </a:cubicBezTo>
+                <a:cubicBezTo>
+                  <a:pt x="1131179" y="4755"/>
+                  <a:pt x="1147325" y="-405"/>
+                  <a:pt x="1164045" y="25"/>
+                </a:cubicBezTo>
+                <a:close/>
+              </a:path>
+            </a:pathLst>
+          </a:custGeom>
+          <a:solidFill>
+            <a:schemeClr val="bg2">
+              <a:alpha val="50000"/>
+            </a:schemeClr>
+          </a:solidFill>
+          <a:ln w="32707" cap="flat">
+            <a:noFill/>
+            <a:prstDash val="solid"/>
+            <a:miter/>
+          </a:ln>
+        </p:spPr>
+        <p:txBody>
+          <a:bodyPr rtlCol="0" anchor="ctr"/>
+          <a:lstStyle/>
+          <a:p>
+            <a:endParaRPr lang="en-US"/>
+          </a:p>
+        </p:txBody>
+      </p:sp>
       <p:sp>
         <p:nvSpPr>
           <p:cNvPr id="2" name="Title 1">
@@ -3363,14 +5196,21 @@
             <p:ph type="ctrTitle"/>
           </p:nvPr>
         </p:nvSpPr>
-        <p:spPr/>
+        <p:spPr>
+          <a:xfrm>
+            <a:off x="3325473" y="1998925"/>
+            <a:ext cx="5541054" cy="2149412"/>
+          </a:xfrm>
+        </p:spPr>
         <p:txBody>
-          <a:bodyPr/>
+          <a:bodyPr>
+            <a:normAutofit/>
+          </a:bodyPr>
           <a:lstStyle/>
           <a:p>
             <a:r>
-              <a:rPr lang="en-CA" dirty="0"/>
-              <a:t>Modelling Health Diagnoses 3</a:t>
+              <a:rPr lang="en-CA" sz="5200" dirty="0"/>
+              <a:t>Modelling Health Diagnoses</a:t>
             </a:r>
           </a:p>
         </p:txBody>
@@ -3391,9 +5231,16 @@
             <p:ph type="subTitle" idx="1"/>
           </p:nvPr>
         </p:nvSpPr>
-        <p:spPr/>
+        <p:spPr>
+          <a:xfrm>
+            <a:off x="3880419" y="4300833"/>
+            <a:ext cx="4431162" cy="1191873"/>
+          </a:xfrm>
+        </p:spPr>
         <p:txBody>
-          <a:bodyPr/>
+          <a:bodyPr>
+            <a:normAutofit/>
+          </a:bodyPr>
           <a:lstStyle/>
           <a:p>
             <a:r>
@@ -3413,6 +5260,145 @@
   <p:clrMapOvr>
     <a:masterClrMapping/>
   </p:clrMapOvr>
+  <p:timing>
+    <p:tnLst>
+      <p:par>
+        <p:cTn id="1" dur="indefinite" restart="never" nodeType="tmRoot">
+          <p:childTnLst>
+            <p:seq concurrent="1" nextAc="seek">
+              <p:cTn id="2" dur="indefinite" nodeType="mainSeq">
+                <p:childTnLst>
+                  <p:par>
+                    <p:cTn id="3" fill="hold">
+                      <p:stCondLst>
+                        <p:cond delay="indefinite"/>
+                        <p:cond evt="onBegin" delay="0">
+                          <p:tn val="2"/>
+                        </p:cond>
+                      </p:stCondLst>
+                      <p:childTnLst>
+                        <p:par>
+                          <p:cTn id="4" fill="hold">
+                            <p:stCondLst>
+                              <p:cond delay="0"/>
+                            </p:stCondLst>
+                            <p:childTnLst>
+                              <p:par>
+                                <p:cTn id="5" presetID="10" presetClass="entr" presetSubtype="0" fill="hold" grpId="0" nodeType="withEffect">
+                                  <p:stCondLst>
+                                    <p:cond delay="500"/>
+                                  </p:stCondLst>
+                                  <p:iterate type="lt">
+                                    <p:tmPct val="10000"/>
+                                  </p:iterate>
+                                  <p:childTnLst>
+                                    <p:set>
+                                      <p:cBhvr>
+                                        <p:cTn id="6" dur="1" fill="hold">
+                                          <p:stCondLst>
+                                            <p:cond delay="0"/>
+                                          </p:stCondLst>
+                                        </p:cTn>
+                                        <p:tgtEl>
+                                          <p:spTgt spid="2"/>
+                                        </p:tgtEl>
+                                        <p:attrNameLst>
+                                          <p:attrName>style.visibility</p:attrName>
+                                        </p:attrNameLst>
+                                      </p:cBhvr>
+                                      <p:to>
+                                        <p:strVal val="visible"/>
+                                      </p:to>
+                                    </p:set>
+                                    <p:animEffect transition="in" filter="fade">
+                                      <p:cBhvr>
+                                        <p:cTn id="7" dur="400"/>
+                                        <p:tgtEl>
+                                          <p:spTgt spid="2"/>
+                                        </p:tgtEl>
+                                      </p:cBhvr>
+                                    </p:animEffect>
+                                  </p:childTnLst>
+                                </p:cTn>
+                              </p:par>
+                              <p:par>
+                                <p:cTn id="8" presetID="10" presetClass="entr" presetSubtype="0" fill="hold" grpId="0" nodeType="withEffect">
+                                  <p:stCondLst>
+                                    <p:cond delay="2000"/>
+                                  </p:stCondLst>
+                                  <p:iterate type="lt">
+                                    <p:tmPct val="10000"/>
+                                  </p:iterate>
+                                  <p:childTnLst>
+                                    <p:set>
+                                      <p:cBhvr>
+                                        <p:cTn id="9" dur="1" fill="hold">
+                                          <p:stCondLst>
+                                            <p:cond delay="0"/>
+                                          </p:stCondLst>
+                                        </p:cTn>
+                                        <p:tgtEl>
+                                          <p:spTgt spid="3">
+                                            <p:txEl>
+                                              <p:pRg st="0" end="0"/>
+                                            </p:txEl>
+                                          </p:spTgt>
+                                        </p:tgtEl>
+                                        <p:attrNameLst>
+                                          <p:attrName>style.visibility</p:attrName>
+                                        </p:attrNameLst>
+                                      </p:cBhvr>
+                                      <p:to>
+                                        <p:strVal val="visible"/>
+                                      </p:to>
+                                    </p:set>
+                                    <p:animEffect transition="in" filter="fade">
+                                      <p:cBhvr>
+                                        <p:cTn id="10" dur="400"/>
+                                        <p:tgtEl>
+                                          <p:spTgt spid="3">
+                                            <p:txEl>
+                                              <p:pRg st="0" end="0"/>
+                                            </p:txEl>
+                                          </p:spTgt>
+                                        </p:tgtEl>
+                                      </p:cBhvr>
+                                    </p:animEffect>
+                                  </p:childTnLst>
+                                </p:cTn>
+                              </p:par>
+                            </p:childTnLst>
+                          </p:cTn>
+                        </p:par>
+                      </p:childTnLst>
+                    </p:cTn>
+                  </p:par>
+                </p:childTnLst>
+              </p:cTn>
+              <p:prevCondLst>
+                <p:cond evt="onPrev" delay="0">
+                  <p:tgtEl>
+                    <p:sldTgt/>
+                  </p:tgtEl>
+                </p:cond>
+              </p:prevCondLst>
+              <p:nextCondLst>
+                <p:cond evt="onNext" delay="0">
+                  <p:tgtEl>
+                    <p:sldTgt/>
+                  </p:tgtEl>
+                </p:cond>
+              </p:nextCondLst>
+            </p:seq>
+          </p:childTnLst>
+        </p:cTn>
+      </p:par>
+    </p:tnLst>
+    <p:bldLst>
+      <p:bldP spid="2" grpId="0"/>
+      <p:bldP spid="3" grpId="0" build="p"/>
+    </p:bldLst>
+  </p:timing>
 </p:sld>
 </file>
 
@@ -3490,7 +5476,7 @@
           <a:p>
             <a:r>
               <a:rPr lang="en-CA" dirty="0"/>
-              <a:t>It is very hard to predict it</a:t>
+              <a:t>It is very hard to predict it, but prediction is incredibly important when it comes to treatment</a:t>
             </a:r>
           </a:p>
           <a:p>
@@ -3584,70 +5570,71 @@
           <a:lstStyle/>
           <a:p>
             <a:r>
-              <a:rPr lang="en-CA" dirty="0"/>
+              <a:rPr lang="en-CA"/>
               <a:t>From the Institute for Health Metrics and Evaluation</a:t>
             </a:r>
           </a:p>
           <a:p>
             <a:r>
-              <a:rPr lang="en-CA" dirty="0"/>
+              <a:rPr lang="en-CA"/>
               <a:t>Centerpiece is cancer mortality</a:t>
             </a:r>
             <a:br>
-              <a:rPr lang="en-CA" dirty="0"/>
+              <a:rPr lang="en-CA"/>
             </a:br>
             <a:r>
-              <a:rPr lang="en-CA" dirty="0"/>
+              <a:rPr lang="en-CA"/>
               <a:t>rate by county, divided into </a:t>
             </a:r>
             <a:br>
-              <a:rPr lang="en-CA" dirty="0"/>
+              <a:rPr lang="en-CA"/>
             </a:br>
             <a:r>
-              <a:rPr lang="en-CA" dirty="0"/>
+              <a:rPr lang="en-CA"/>
               <a:t>several spreadsheets by state and</a:t>
             </a:r>
             <a:br>
-              <a:rPr lang="en-CA" dirty="0"/>
+              <a:rPr lang="en-CA"/>
             </a:br>
             <a:r>
-              <a:rPr lang="en-CA" dirty="0"/>
+              <a:rPr lang="en-CA"/>
               <a:t>sheets within it by type of cancer</a:t>
             </a:r>
           </a:p>
           <a:p>
             <a:pPr lvl="1"/>
             <a:r>
-              <a:rPr lang="en-CA" dirty="0"/>
+              <a:rPr lang="en-CA"/>
               <a:t>37 types of cancer</a:t>
             </a:r>
           </a:p>
           <a:p>
             <a:pPr lvl="1"/>
             <a:r>
-              <a:rPr lang="en-CA" dirty="0"/>
+              <a:rPr lang="en-CA"/>
               <a:t>With mortality rate by year from </a:t>
             </a:r>
             <a:br>
-              <a:rPr lang="en-CA" dirty="0"/>
+              <a:rPr lang="en-CA"/>
             </a:br>
             <a:r>
-              <a:rPr lang="en-CA" dirty="0"/>
+              <a:rPr lang="en-CA"/>
               <a:t>1980-2014 for each</a:t>
             </a:r>
           </a:p>
           <a:p>
             <a:pPr lvl="1"/>
             <a:r>
-              <a:rPr lang="en-CA" dirty="0"/>
+              <a:rPr lang="en-CA"/>
               <a:t>Additionally contains margin of error between mortality rates</a:t>
             </a:r>
           </a:p>
           <a:p>
             <a:r>
-              <a:rPr lang="en-CA" dirty="0"/>
+              <a:rPr lang="en-CA"/>
               <a:t>More data but this but this is the main one</a:t>
             </a:r>
+            <a:endParaRPr lang="en-CA" dirty="0"/>
           </a:p>
         </p:txBody>
       </p:sp>
@@ -3667,6 +5654,14 @@
 <file path=ppt/slides/slide4.xml><?xml version="1.0" encoding="utf-8"?>
 <p:sld xmlns:a="http://schemas.openxmlformats.org/drawingml/2006/main" xmlns:r="http://schemas.openxmlformats.org/officeDocument/2006/relationships" xmlns:p="http://schemas.openxmlformats.org/presentationml/2006/main">
   <p:cSld>
+    <p:bg>
+      <p:bgPr>
+        <a:solidFill>
+          <a:schemeClr val="bg1"/>
+        </a:solidFill>
+        <a:effectLst/>
+      </p:bgPr>
+    </p:bg>
     <p:spTree>
       <p:nvGrpSpPr>
         <p:cNvPr id="1" name=""/>
@@ -3681,6 +5676,725 @@
           <a:chExt cx="0" cy="0"/>
         </a:xfrm>
       </p:grpSpPr>
+      <p:sp useBgFill="1">
+        <p:nvSpPr>
+          <p:cNvPr id="11" name="Rectangle 10">
+            <a:extLst>
+              <a:ext uri="{FF2B5EF4-FFF2-40B4-BE49-F238E27FC236}">
+                <a16:creationId xmlns:a16="http://schemas.microsoft.com/office/drawing/2014/main" id="{6D22FA1E-E02A-4FC5-BBA6-577D6DA0C8C8}"/>
+              </a:ext>
+              <a:ext uri="{C183D7F6-B498-43B3-948B-1728B52AA6E4}">
+                <adec:decorative xmlns:adec="http://schemas.microsoft.com/office/drawing/2017/decorative" val="1"/>
+              </a:ext>
+            </a:extLst>
+          </p:cNvPr>
+          <p:cNvSpPr>
+            <a:spLocks noGrp="1" noRot="1" noChangeAspect="1" noMove="1" noResize="1" noEditPoints="1" noAdjustHandles="1" noChangeArrowheads="1" noChangeShapeType="1" noTextEdit="1"/>
+          </p:cNvSpPr>
+          <p:nvPr>
+            <p:extLst>
+              <p:ext uri="{386F3935-93C4-4BCD-93E2-E3B085C9AB24}">
+                <p16:designElem xmlns:p16="http://schemas.microsoft.com/office/powerpoint/2015/main" val="1"/>
+              </p:ext>
+            </p:extLst>
+          </p:nvPr>
+        </p:nvSpPr>
+        <p:spPr>
+          <a:xfrm>
+            <a:off x="0" y="0"/>
+            <a:ext cx="12188952" cy="6858000"/>
+          </a:xfrm>
+          <a:prstGeom prst="rect">
+            <a:avLst/>
+          </a:prstGeom>
+          <a:ln>
+            <a:noFill/>
+          </a:ln>
+        </p:spPr>
+        <p:style>
+          <a:lnRef idx="2">
+            <a:schemeClr val="accent1">
+              <a:shade val="50000"/>
+            </a:schemeClr>
+          </a:lnRef>
+          <a:fillRef idx="1">
+            <a:schemeClr val="accent1"/>
+          </a:fillRef>
+          <a:effectRef idx="0">
+            <a:schemeClr val="accent1"/>
+          </a:effectRef>
+          <a:fontRef idx="minor">
+            <a:schemeClr val="lt1"/>
+          </a:fontRef>
+        </p:style>
+        <p:txBody>
+          <a:bodyPr rtlCol="0" anchor="ctr"/>
+          <a:lstStyle/>
+          <a:p>
+            <a:pPr algn="ctr"/>
+            <a:endParaRPr lang="en-US"/>
+          </a:p>
+        </p:txBody>
+      </p:sp>
+      <p:sp useBgFill="1">
+        <p:nvSpPr>
+          <p:cNvPr id="13" name="Freeform: Shape 12">
+            <a:extLst>
+              <a:ext uri="{FF2B5EF4-FFF2-40B4-BE49-F238E27FC236}">
+                <a16:creationId xmlns:a16="http://schemas.microsoft.com/office/drawing/2014/main" id="{05D27520-F270-4F3D-A46E-76A337B6E167}"/>
+              </a:ext>
+              <a:ext uri="{C183D7F6-B498-43B3-948B-1728B52AA6E4}">
+                <adec:decorative xmlns:adec="http://schemas.microsoft.com/office/drawing/2017/decorative" val="1"/>
+              </a:ext>
+            </a:extLst>
+          </p:cNvPr>
+          <p:cNvSpPr>
+            <a:spLocks noGrp="1" noRot="1" noChangeAspect="1" noMove="1" noResize="1" noEditPoints="1" noAdjustHandles="1" noChangeArrowheads="1" noChangeShapeType="1" noTextEdit="1"/>
+          </p:cNvSpPr>
+          <p:nvPr>
+            <p:extLst>
+              <p:ext uri="{386F3935-93C4-4BCD-93E2-E3B085C9AB24}">
+                <p16:designElem xmlns:p16="http://schemas.microsoft.com/office/powerpoint/2015/main" val="1"/>
+              </p:ext>
+            </p:extLst>
+          </p:nvPr>
+        </p:nvSpPr>
+        <p:spPr>
+          <a:xfrm>
+            <a:off x="0" y="0"/>
+            <a:ext cx="12192000" cy="6858000"/>
+          </a:xfrm>
+          <a:custGeom>
+            <a:avLst/>
+            <a:gdLst>
+              <a:gd name="connsiteX0" fmla="*/ 6315529 w 12192000"/>
+              <a:gd name="connsiteY0" fmla="*/ 4323896 h 6858000"/>
+              <a:gd name="connsiteX1" fmla="*/ 6295588 w 12192000"/>
+              <a:gd name="connsiteY1" fmla="*/ 4367579 h 6858000"/>
+              <a:gd name="connsiteX2" fmla="*/ 6219229 w 12192000"/>
+              <a:gd name="connsiteY2" fmla="*/ 4436818 h 6858000"/>
+              <a:gd name="connsiteX3" fmla="*/ 6065687 w 12192000"/>
+              <a:gd name="connsiteY3" fmla="*/ 4637204 h 6858000"/>
+              <a:gd name="connsiteX4" fmla="*/ 5727387 w 12192000"/>
+              <a:gd name="connsiteY4" fmla="*/ 5460076 h 6858000"/>
+              <a:gd name="connsiteX5" fmla="*/ 5620972 w 12192000"/>
+              <a:gd name="connsiteY5" fmla="*/ 5725836 h 6858000"/>
+              <a:gd name="connsiteX6" fmla="*/ 5707795 w 12192000"/>
+              <a:gd name="connsiteY6" fmla="*/ 5790089 h 6858000"/>
+              <a:gd name="connsiteX7" fmla="*/ 5554627 w 12192000"/>
+              <a:gd name="connsiteY7" fmla="*/ 6078873 h 6858000"/>
+              <a:gd name="connsiteX8" fmla="*/ 5373489 w 12192000"/>
+              <a:gd name="connsiteY8" fmla="*/ 6402408 h 6858000"/>
+              <a:gd name="connsiteX9" fmla="*/ 5099999 w 12192000"/>
+              <a:gd name="connsiteY9" fmla="*/ 6827527 h 6858000"/>
+              <a:gd name="connsiteX10" fmla="*/ 5078133 w 12192000"/>
+              <a:gd name="connsiteY10" fmla="*/ 6857998 h 6858000"/>
+              <a:gd name="connsiteX11" fmla="*/ 9179960 w 12192000"/>
+              <a:gd name="connsiteY11" fmla="*/ 6857998 h 6858000"/>
+              <a:gd name="connsiteX12" fmla="*/ 9179960 w 12192000"/>
+              <a:gd name="connsiteY12" fmla="*/ 4323896 h 6858000"/>
+              <a:gd name="connsiteX13" fmla="*/ 0 w 12192000"/>
+              <a:gd name="connsiteY13" fmla="*/ 0 h 6858000"/>
+              <a:gd name="connsiteX14" fmla="*/ 5872711 w 12192000"/>
+              <a:gd name="connsiteY14" fmla="*/ 0 h 6858000"/>
+              <a:gd name="connsiteX15" fmla="*/ 5885421 w 12192000"/>
+              <a:gd name="connsiteY15" fmla="*/ 20207 h 6858000"/>
+              <a:gd name="connsiteX16" fmla="*/ 5925300 w 12192000"/>
+              <a:gd name="connsiteY16" fmla="*/ 48911 h 6858000"/>
+              <a:gd name="connsiteX17" fmla="*/ 5940039 w 12192000"/>
+              <a:gd name="connsiteY17" fmla="*/ 101212 h 6858000"/>
+              <a:gd name="connsiteX18" fmla="*/ 5969942 w 12192000"/>
+              <a:gd name="connsiteY18" fmla="*/ 311282 h 6858000"/>
+              <a:gd name="connsiteX19" fmla="*/ 5961238 w 12192000"/>
+              <a:gd name="connsiteY19" fmla="*/ 357643 h 6858000"/>
+              <a:gd name="connsiteX20" fmla="*/ 5917195 w 12192000"/>
+              <a:gd name="connsiteY20" fmla="*/ 420369 h 6858000"/>
+              <a:gd name="connsiteX21" fmla="*/ 5882753 w 12192000"/>
+              <a:gd name="connsiteY21" fmla="*/ 556832 h 6858000"/>
+              <a:gd name="connsiteX22" fmla="*/ 5814490 w 12192000"/>
+              <a:gd name="connsiteY22" fmla="*/ 757416 h 6858000"/>
+              <a:gd name="connsiteX23" fmla="*/ 5780064 w 12192000"/>
+              <a:gd name="connsiteY23" fmla="*/ 817804 h 6858000"/>
+              <a:gd name="connsiteX24" fmla="*/ 5808232 w 12192000"/>
+              <a:gd name="connsiteY24" fmla="*/ 850533 h 6858000"/>
+              <a:gd name="connsiteX25" fmla="*/ 5906473 w 12192000"/>
+              <a:gd name="connsiteY25" fmla="*/ 1076571 h 6858000"/>
+              <a:gd name="connsiteX26" fmla="*/ 5778623 w 12192000"/>
+              <a:gd name="connsiteY26" fmla="*/ 1369280 h 6858000"/>
+              <a:gd name="connsiteX27" fmla="*/ 5710841 w 12192000"/>
+              <a:gd name="connsiteY27" fmla="*/ 1462628 h 6858000"/>
+              <a:gd name="connsiteX28" fmla="*/ 5846774 w 12192000"/>
+              <a:gd name="connsiteY28" fmla="*/ 1455933 h 6858000"/>
+              <a:gd name="connsiteX29" fmla="*/ 5897329 w 12192000"/>
+              <a:gd name="connsiteY29" fmla="*/ 1553073 h 6858000"/>
+              <a:gd name="connsiteX30" fmla="*/ 5919735 w 12192000"/>
+              <a:gd name="connsiteY30" fmla="*/ 1602736 h 6858000"/>
+              <a:gd name="connsiteX31" fmla="*/ 6057874 w 12192000"/>
+              <a:gd name="connsiteY31" fmla="*/ 1910648 h 6858000"/>
+              <a:gd name="connsiteX32" fmla="*/ 6039719 w 12192000"/>
+              <a:gd name="connsiteY32" fmla="*/ 2010547 h 6858000"/>
+              <a:gd name="connsiteX33" fmla="*/ 5841713 w 12192000"/>
+              <a:gd name="connsiteY33" fmla="*/ 2520599 h 6858000"/>
+              <a:gd name="connsiteX34" fmla="*/ 6071734 w 12192000"/>
+              <a:gd name="connsiteY34" fmla="*/ 2593468 h 6858000"/>
+              <a:gd name="connsiteX35" fmla="*/ 6092050 w 12192000"/>
+              <a:gd name="connsiteY35" fmla="*/ 2806646 h 6858000"/>
+              <a:gd name="connsiteX36" fmla="*/ 6215122 w 12192000"/>
+              <a:gd name="connsiteY36" fmla="*/ 3021197 h 6858000"/>
+              <a:gd name="connsiteX37" fmla="*/ 6338100 w 12192000"/>
+              <a:gd name="connsiteY37" fmla="*/ 3178087 h 6858000"/>
+              <a:gd name="connsiteX38" fmla="*/ 6343927 w 12192000"/>
+              <a:gd name="connsiteY38" fmla="*/ 3194685 h 6858000"/>
+              <a:gd name="connsiteX39" fmla="*/ 6343850 w 12192000"/>
+              <a:gd name="connsiteY39" fmla="*/ 3201174 h 6858000"/>
+              <a:gd name="connsiteX40" fmla="*/ 6366375 w 12192000"/>
+              <a:gd name="connsiteY40" fmla="*/ 3271251 h 6858000"/>
+              <a:gd name="connsiteX41" fmla="*/ 6369430 w 12192000"/>
+              <a:gd name="connsiteY41" fmla="*/ 3276240 h 6858000"/>
+              <a:gd name="connsiteX42" fmla="*/ 6392405 w 12192000"/>
+              <a:gd name="connsiteY42" fmla="*/ 3360437 h 6858000"/>
+              <a:gd name="connsiteX43" fmla="*/ 6397993 w 12192000"/>
+              <a:gd name="connsiteY43" fmla="*/ 3390203 h 6858000"/>
+              <a:gd name="connsiteX44" fmla="*/ 6394652 w 12192000"/>
+              <a:gd name="connsiteY44" fmla="*/ 3402205 h 6858000"/>
+              <a:gd name="connsiteX45" fmla="*/ 6366662 w 12192000"/>
+              <a:gd name="connsiteY45" fmla="*/ 3442044 h 6858000"/>
+              <a:gd name="connsiteX46" fmla="*/ 6320915 w 12192000"/>
+              <a:gd name="connsiteY46" fmla="*/ 3701547 h 6858000"/>
+              <a:gd name="connsiteX47" fmla="*/ 6364618 w 12192000"/>
+              <a:gd name="connsiteY47" fmla="*/ 3743844 h 6858000"/>
+              <a:gd name="connsiteX48" fmla="*/ 6370409 w 12192000"/>
+              <a:gd name="connsiteY48" fmla="*/ 3754454 h 6858000"/>
+              <a:gd name="connsiteX49" fmla="*/ 6373773 w 12192000"/>
+              <a:gd name="connsiteY49" fmla="*/ 3768237 h 6858000"/>
+              <a:gd name="connsiteX50" fmla="*/ 6375298 w 12192000"/>
+              <a:gd name="connsiteY50" fmla="*/ 3796540 h 6858000"/>
+              <a:gd name="connsiteX51" fmla="*/ 6253487 w 12192000"/>
+              <a:gd name="connsiteY51" fmla="*/ 3856948 h 6858000"/>
+              <a:gd name="connsiteX52" fmla="*/ 6385416 w 12192000"/>
+              <a:gd name="connsiteY52" fmla="*/ 4014409 h 6858000"/>
+              <a:gd name="connsiteX53" fmla="*/ 6374795 w 12192000"/>
+              <a:gd name="connsiteY53" fmla="*/ 4038554 h 6858000"/>
+              <a:gd name="connsiteX54" fmla="*/ 6351015 w 12192000"/>
+              <a:gd name="connsiteY54" fmla="*/ 4150489 h 6858000"/>
+              <a:gd name="connsiteX55" fmla="*/ 6340821 w 12192000"/>
+              <a:gd name="connsiteY55" fmla="*/ 4212706 h 6858000"/>
+              <a:gd name="connsiteX56" fmla="*/ 12191999 w 12192000"/>
+              <a:gd name="connsiteY56" fmla="*/ 4212706 h 6858000"/>
+              <a:gd name="connsiteX57" fmla="*/ 12191999 w 12192000"/>
+              <a:gd name="connsiteY57" fmla="*/ 0 h 6858000"/>
+              <a:gd name="connsiteX58" fmla="*/ 12192000 w 12192000"/>
+              <a:gd name="connsiteY58" fmla="*/ 0 h 6858000"/>
+              <a:gd name="connsiteX59" fmla="*/ 12192000 w 12192000"/>
+              <a:gd name="connsiteY59" fmla="*/ 6858000 h 6858000"/>
+              <a:gd name="connsiteX60" fmla="*/ 12191999 w 12192000"/>
+              <a:gd name="connsiteY60" fmla="*/ 6858000 h 6858000"/>
+              <a:gd name="connsiteX61" fmla="*/ 12191999 w 12192000"/>
+              <a:gd name="connsiteY61" fmla="*/ 4323902 h 6858000"/>
+              <a:gd name="connsiteX62" fmla="*/ 9307672 w 12192000"/>
+              <a:gd name="connsiteY62" fmla="*/ 4323902 h 6858000"/>
+              <a:gd name="connsiteX63" fmla="*/ 9307672 w 12192000"/>
+              <a:gd name="connsiteY63" fmla="*/ 6858000 h 6858000"/>
+              <a:gd name="connsiteX64" fmla="*/ 0 w 12192000"/>
+              <a:gd name="connsiteY64" fmla="*/ 6858000 h 6858000"/>
+            </a:gdLst>
+            <a:ahLst/>
+            <a:cxnLst>
+              <a:cxn ang="0">
+                <a:pos x="connsiteX0" y="connsiteY0"/>
+              </a:cxn>
+              <a:cxn ang="0">
+                <a:pos x="connsiteX1" y="connsiteY1"/>
+              </a:cxn>
+              <a:cxn ang="0">
+                <a:pos x="connsiteX2" y="connsiteY2"/>
+              </a:cxn>
+              <a:cxn ang="0">
+                <a:pos x="connsiteX3" y="connsiteY3"/>
+              </a:cxn>
+              <a:cxn ang="0">
+                <a:pos x="connsiteX4" y="connsiteY4"/>
+              </a:cxn>
+              <a:cxn ang="0">
+                <a:pos x="connsiteX5" y="connsiteY5"/>
+              </a:cxn>
+              <a:cxn ang="0">
+                <a:pos x="connsiteX6" y="connsiteY6"/>
+              </a:cxn>
+              <a:cxn ang="0">
+                <a:pos x="connsiteX7" y="connsiteY7"/>
+              </a:cxn>
+              <a:cxn ang="0">
+                <a:pos x="connsiteX8" y="connsiteY8"/>
+              </a:cxn>
+              <a:cxn ang="0">
+                <a:pos x="connsiteX9" y="connsiteY9"/>
+              </a:cxn>
+              <a:cxn ang="0">
+                <a:pos x="connsiteX10" y="connsiteY10"/>
+              </a:cxn>
+              <a:cxn ang="0">
+                <a:pos x="connsiteX11" y="connsiteY11"/>
+              </a:cxn>
+              <a:cxn ang="0">
+                <a:pos x="connsiteX12" y="connsiteY12"/>
+              </a:cxn>
+              <a:cxn ang="0">
+                <a:pos x="connsiteX13" y="connsiteY13"/>
+              </a:cxn>
+              <a:cxn ang="0">
+                <a:pos x="connsiteX14" y="connsiteY14"/>
+              </a:cxn>
+              <a:cxn ang="0">
+                <a:pos x="connsiteX15" y="connsiteY15"/>
+              </a:cxn>
+              <a:cxn ang="0">
+                <a:pos x="connsiteX16" y="connsiteY16"/>
+              </a:cxn>
+              <a:cxn ang="0">
+                <a:pos x="connsiteX17" y="connsiteY17"/>
+              </a:cxn>
+              <a:cxn ang="0">
+                <a:pos x="connsiteX18" y="connsiteY18"/>
+              </a:cxn>
+              <a:cxn ang="0">
+                <a:pos x="connsiteX19" y="connsiteY19"/>
+              </a:cxn>
+              <a:cxn ang="0">
+                <a:pos x="connsiteX20" y="connsiteY20"/>
+              </a:cxn>
+              <a:cxn ang="0">
+                <a:pos x="connsiteX21" y="connsiteY21"/>
+              </a:cxn>
+              <a:cxn ang="0">
+                <a:pos x="connsiteX22" y="connsiteY22"/>
+              </a:cxn>
+              <a:cxn ang="0">
+                <a:pos x="connsiteX23" y="connsiteY23"/>
+              </a:cxn>
+              <a:cxn ang="0">
+                <a:pos x="connsiteX24" y="connsiteY24"/>
+              </a:cxn>
+              <a:cxn ang="0">
+                <a:pos x="connsiteX25" y="connsiteY25"/>
+              </a:cxn>
+              <a:cxn ang="0">
+                <a:pos x="connsiteX26" y="connsiteY26"/>
+              </a:cxn>
+              <a:cxn ang="0">
+                <a:pos x="connsiteX27" y="connsiteY27"/>
+              </a:cxn>
+              <a:cxn ang="0">
+                <a:pos x="connsiteX28" y="connsiteY28"/>
+              </a:cxn>
+              <a:cxn ang="0">
+                <a:pos x="connsiteX29" y="connsiteY29"/>
+              </a:cxn>
+              <a:cxn ang="0">
+                <a:pos x="connsiteX30" y="connsiteY30"/>
+              </a:cxn>
+              <a:cxn ang="0">
+                <a:pos x="connsiteX31" y="connsiteY31"/>
+              </a:cxn>
+              <a:cxn ang="0">
+                <a:pos x="connsiteX32" y="connsiteY32"/>
+              </a:cxn>
+              <a:cxn ang="0">
+                <a:pos x="connsiteX33" y="connsiteY33"/>
+              </a:cxn>
+              <a:cxn ang="0">
+                <a:pos x="connsiteX34" y="connsiteY34"/>
+              </a:cxn>
+              <a:cxn ang="0">
+                <a:pos x="connsiteX35" y="connsiteY35"/>
+              </a:cxn>
+              <a:cxn ang="0">
+                <a:pos x="connsiteX36" y="connsiteY36"/>
+              </a:cxn>
+              <a:cxn ang="0">
+                <a:pos x="connsiteX37" y="connsiteY37"/>
+              </a:cxn>
+              <a:cxn ang="0">
+                <a:pos x="connsiteX38" y="connsiteY38"/>
+              </a:cxn>
+              <a:cxn ang="0">
+                <a:pos x="connsiteX39" y="connsiteY39"/>
+              </a:cxn>
+              <a:cxn ang="0">
+                <a:pos x="connsiteX40" y="connsiteY40"/>
+              </a:cxn>
+              <a:cxn ang="0">
+                <a:pos x="connsiteX41" y="connsiteY41"/>
+              </a:cxn>
+              <a:cxn ang="0">
+                <a:pos x="connsiteX42" y="connsiteY42"/>
+              </a:cxn>
+              <a:cxn ang="0">
+                <a:pos x="connsiteX43" y="connsiteY43"/>
+              </a:cxn>
+              <a:cxn ang="0">
+                <a:pos x="connsiteX44" y="connsiteY44"/>
+              </a:cxn>
+              <a:cxn ang="0">
+                <a:pos x="connsiteX45" y="connsiteY45"/>
+              </a:cxn>
+              <a:cxn ang="0">
+                <a:pos x="connsiteX46" y="connsiteY46"/>
+              </a:cxn>
+              <a:cxn ang="0">
+                <a:pos x="connsiteX47" y="connsiteY47"/>
+              </a:cxn>
+              <a:cxn ang="0">
+                <a:pos x="connsiteX48" y="connsiteY48"/>
+              </a:cxn>
+              <a:cxn ang="0">
+                <a:pos x="connsiteX49" y="connsiteY49"/>
+              </a:cxn>
+              <a:cxn ang="0">
+                <a:pos x="connsiteX50" y="connsiteY50"/>
+              </a:cxn>
+              <a:cxn ang="0">
+                <a:pos x="connsiteX51" y="connsiteY51"/>
+              </a:cxn>
+              <a:cxn ang="0">
+                <a:pos x="connsiteX52" y="connsiteY52"/>
+              </a:cxn>
+              <a:cxn ang="0">
+                <a:pos x="connsiteX53" y="connsiteY53"/>
+              </a:cxn>
+              <a:cxn ang="0">
+                <a:pos x="connsiteX54" y="connsiteY54"/>
+              </a:cxn>
+              <a:cxn ang="0">
+                <a:pos x="connsiteX55" y="connsiteY55"/>
+              </a:cxn>
+              <a:cxn ang="0">
+                <a:pos x="connsiteX56" y="connsiteY56"/>
+              </a:cxn>
+              <a:cxn ang="0">
+                <a:pos x="connsiteX57" y="connsiteY57"/>
+              </a:cxn>
+              <a:cxn ang="0">
+                <a:pos x="connsiteX58" y="connsiteY58"/>
+              </a:cxn>
+              <a:cxn ang="0">
+                <a:pos x="connsiteX59" y="connsiteY59"/>
+              </a:cxn>
+              <a:cxn ang="0">
+                <a:pos x="connsiteX60" y="connsiteY60"/>
+              </a:cxn>
+              <a:cxn ang="0">
+                <a:pos x="connsiteX61" y="connsiteY61"/>
+              </a:cxn>
+              <a:cxn ang="0">
+                <a:pos x="connsiteX62" y="connsiteY62"/>
+              </a:cxn>
+              <a:cxn ang="0">
+                <a:pos x="connsiteX63" y="connsiteY63"/>
+              </a:cxn>
+              <a:cxn ang="0">
+                <a:pos x="connsiteX64" y="connsiteY64"/>
+              </a:cxn>
+            </a:cxnLst>
+            <a:rect l="l" t="t" r="r" b="b"/>
+            <a:pathLst>
+              <a:path w="12192000" h="6858000">
+                <a:moveTo>
+                  <a:pt x="6315529" y="4323896"/>
+                </a:moveTo>
+                <a:lnTo>
+                  <a:pt x="6295588" y="4367579"/>
+                </a:lnTo>
+                <a:cubicBezTo>
+                  <a:pt x="6278024" y="4397022"/>
+                  <a:pt x="6253813" y="4421099"/>
+                  <a:pt x="6219229" y="4436818"/>
+                </a:cubicBezTo>
+                <a:cubicBezTo>
+                  <a:pt x="6148079" y="4469666"/>
+                  <a:pt x="6116436" y="4572066"/>
+                  <a:pt x="6065687" y="4637204"/>
+                </a:cubicBezTo>
+                <a:cubicBezTo>
+                  <a:pt x="5888713" y="4862696"/>
+                  <a:pt x="5773979" y="5125824"/>
+                  <a:pt x="5727387" y="5460076"/>
+                </a:cubicBezTo>
+                <a:cubicBezTo>
+                  <a:pt x="5714326" y="5552523"/>
+                  <a:pt x="5656974" y="5638673"/>
+                  <a:pt x="5620972" y="5725836"/>
+                </a:cubicBezTo>
+                <a:cubicBezTo>
+                  <a:pt x="5641553" y="5779043"/>
+                  <a:pt x="5738619" y="5631221"/>
+                  <a:pt x="5707795" y="5790089"/>
+                </a:cubicBezTo>
+                <a:cubicBezTo>
+                  <a:pt x="5684453" y="5909876"/>
+                  <a:pt x="5617437" y="5996827"/>
+                  <a:pt x="5554627" y="6078873"/>
+                </a:cubicBezTo>
+                <a:cubicBezTo>
+                  <a:pt x="5482491" y="6172498"/>
+                  <a:pt x="5402203" y="6253366"/>
+                  <a:pt x="5373489" y="6402408"/>
+                </a:cubicBezTo>
+                <a:cubicBezTo>
+                  <a:pt x="5371924" y="6410357"/>
+                  <a:pt x="5276557" y="6577417"/>
+                  <a:pt x="5099999" y="6827527"/>
+                </a:cubicBezTo>
+                <a:lnTo>
+                  <a:pt x="5078133" y="6857998"/>
+                </a:lnTo>
+                <a:lnTo>
+                  <a:pt x="9179960" y="6857998"/>
+                </a:lnTo>
+                <a:lnTo>
+                  <a:pt x="9179960" y="4323896"/>
+                </a:lnTo>
+                <a:close/>
+                <a:moveTo>
+                  <a:pt x="0" y="0"/>
+                </a:moveTo>
+                <a:lnTo>
+                  <a:pt x="5872711" y="0"/>
+                </a:lnTo>
+                <a:lnTo>
+                  <a:pt x="5885421" y="20207"/>
+                </a:lnTo>
+                <a:cubicBezTo>
+                  <a:pt x="5896481" y="32882"/>
+                  <a:pt x="5909484" y="42864"/>
+                  <a:pt x="5925300" y="48911"/>
+                </a:cubicBezTo>
+                <a:cubicBezTo>
+                  <a:pt x="5940498" y="54526"/>
+                  <a:pt x="5945509" y="75042"/>
+                  <a:pt x="5940039" y="101212"/>
+                </a:cubicBezTo>
+                <a:cubicBezTo>
+                  <a:pt x="5921950" y="187894"/>
+                  <a:pt x="5936667" y="254951"/>
+                  <a:pt x="5969942" y="311282"/>
+                </a:cubicBezTo>
+                <a:cubicBezTo>
+                  <a:pt x="5981709" y="330926"/>
+                  <a:pt x="5977292" y="344422"/>
+                  <a:pt x="5961238" y="357643"/>
+                </a:cubicBezTo>
+                <a:cubicBezTo>
+                  <a:pt x="5942802" y="372223"/>
+                  <a:pt x="5928461" y="393565"/>
+                  <a:pt x="5917195" y="420369"/>
+                </a:cubicBezTo>
+                <a:cubicBezTo>
+                  <a:pt x="5898701" y="463685"/>
+                  <a:pt x="5889992" y="510050"/>
+                  <a:pt x="5882753" y="556832"/>
+                </a:cubicBezTo>
+                <a:cubicBezTo>
+                  <a:pt x="5871511" y="630206"/>
+                  <a:pt x="5858246" y="700969"/>
+                  <a:pt x="5814490" y="757416"/>
+                </a:cubicBezTo>
+                <a:cubicBezTo>
+                  <a:pt x="5801465" y="774559"/>
+                  <a:pt x="5791019" y="796511"/>
+                  <a:pt x="5780064" y="817804"/>
+                </a:cubicBezTo>
+                <a:cubicBezTo>
+                  <a:pt x="5783558" y="836359"/>
+                  <a:pt x="5792196" y="849005"/>
+                  <a:pt x="5808232" y="850533"/>
+                </a:cubicBezTo>
+                <a:cubicBezTo>
+                  <a:pt x="5910296" y="860624"/>
+                  <a:pt x="5905771" y="962632"/>
+                  <a:pt x="5906473" y="1076571"/>
+                </a:cubicBezTo>
+                <a:cubicBezTo>
+                  <a:pt x="5907545" y="1217584"/>
+                  <a:pt x="5849973" y="1296799"/>
+                  <a:pt x="5778623" y="1369280"/>
+                </a:cubicBezTo>
+                <a:cubicBezTo>
+                  <a:pt x="5754207" y="1393852"/>
+                  <a:pt x="5718605" y="1401742"/>
+                  <a:pt x="5710841" y="1462628"/>
+                </a:cubicBezTo>
+                <a:cubicBezTo>
+                  <a:pt x="5753463" y="1508141"/>
+                  <a:pt x="5802053" y="1451295"/>
+                  <a:pt x="5846774" y="1455933"/>
+                </a:cubicBezTo>
+                <a:cubicBezTo>
+                  <a:pt x="5883727" y="1460129"/>
+                  <a:pt x="5943609" y="1438568"/>
+                  <a:pt x="5897329" y="1553073"/>
+                </a:cubicBezTo>
+                <a:cubicBezTo>
+                  <a:pt x="5883856" y="1586627"/>
+                  <a:pt x="5901366" y="1604100"/>
+                  <a:pt x="5919735" y="1602736"/>
+                </a:cubicBezTo>
+                <a:cubicBezTo>
+                  <a:pt x="6068526" y="1589022"/>
+                  <a:pt x="6006837" y="1813624"/>
+                  <a:pt x="6057874" y="1910648"/>
+                </a:cubicBezTo>
+                <a:cubicBezTo>
+                  <a:pt x="6072264" y="1936644"/>
+                  <a:pt x="6059978" y="1992417"/>
+                  <a:pt x="6039719" y="2010547"/>
+                </a:cubicBezTo>
+                <a:cubicBezTo>
+                  <a:pt x="5911143" y="2127229"/>
+                  <a:pt x="5899692" y="2331836"/>
+                  <a:pt x="5841713" y="2520599"/>
+                </a:cubicBezTo>
+                <a:cubicBezTo>
+                  <a:pt x="5912636" y="2572423"/>
+                  <a:pt x="5995799" y="2566926"/>
+                  <a:pt x="6071734" y="2593468"/>
+                </a:cubicBezTo>
+                <a:cubicBezTo>
+                  <a:pt x="6150607" y="2620843"/>
+                  <a:pt x="6151703" y="2655507"/>
+                  <a:pt x="6092050" y="2806646"/>
+                </a:cubicBezTo>
+                <a:cubicBezTo>
+                  <a:pt x="6259331" y="2795420"/>
+                  <a:pt x="6259331" y="2795420"/>
+                  <a:pt x="6215122" y="3021197"/>
+                </a:cubicBezTo>
+                <a:cubicBezTo>
+                  <a:pt x="6259035" y="3016573"/>
+                  <a:pt x="6302431" y="3085300"/>
+                  <a:pt x="6338100" y="3178087"/>
+                </a:cubicBezTo>
+                <a:lnTo>
+                  <a:pt x="6343927" y="3194685"/>
+                </a:lnTo>
+                <a:lnTo>
+                  <a:pt x="6343850" y="3201174"/>
+                </a:lnTo>
+                <a:cubicBezTo>
+                  <a:pt x="6346866" y="3232770"/>
+                  <a:pt x="6355995" y="3253323"/>
+                  <a:pt x="6366375" y="3271251"/>
+                </a:cubicBezTo>
+                <a:lnTo>
+                  <a:pt x="6369430" y="3276240"/>
+                </a:lnTo>
+                <a:lnTo>
+                  <a:pt x="6392405" y="3360437"/>
+                </a:lnTo>
+                <a:lnTo>
+                  <a:pt x="6397993" y="3390203"/>
+                </a:lnTo>
+                <a:lnTo>
+                  <a:pt x="6394652" y="3402205"/>
+                </a:lnTo>
+                <a:cubicBezTo>
+                  <a:pt x="6388505" y="3414621"/>
+                  <a:pt x="6379344" y="3427747"/>
+                  <a:pt x="6366662" y="3442044"/>
+                </a:cubicBezTo>
+                <a:cubicBezTo>
+                  <a:pt x="6239481" y="3584662"/>
+                  <a:pt x="6224938" y="3605480"/>
+                  <a:pt x="6320915" y="3701547"/>
+                </a:cubicBezTo>
+                <a:lnTo>
+                  <a:pt x="6364618" y="3743844"/>
+                </a:lnTo>
+                <a:lnTo>
+                  <a:pt x="6370409" y="3754454"/>
+                </a:lnTo>
+                <a:lnTo>
+                  <a:pt x="6373773" y="3768237"/>
+                </a:lnTo>
+                <a:cubicBezTo>
+                  <a:pt x="6374277" y="3777528"/>
+                  <a:pt x="6374207" y="3788146"/>
+                  <a:pt x="6375298" y="3796540"/>
+                </a:cubicBezTo>
+                <a:cubicBezTo>
+                  <a:pt x="6339717" y="3831045"/>
+                  <a:pt x="6294642" y="3774365"/>
+                  <a:pt x="6253487" y="3856948"/>
+                </a:cubicBezTo>
+                <a:lnTo>
+                  <a:pt x="6385416" y="4014409"/>
+                </a:lnTo>
+                <a:lnTo>
+                  <a:pt x="6374795" y="4038554"/>
+                </a:lnTo>
+                <a:cubicBezTo>
+                  <a:pt x="6363579" y="4073249"/>
+                  <a:pt x="6356895" y="4111559"/>
+                  <a:pt x="6351015" y="4150489"/>
+                </a:cubicBezTo>
+                <a:lnTo>
+                  <a:pt x="6340821" y="4212706"/>
+                </a:lnTo>
+                <a:lnTo>
+                  <a:pt x="12191999" y="4212706"/>
+                </a:lnTo>
+                <a:lnTo>
+                  <a:pt x="12191999" y="0"/>
+                </a:lnTo>
+                <a:lnTo>
+                  <a:pt x="12192000" y="0"/>
+                </a:lnTo>
+                <a:lnTo>
+                  <a:pt x="12192000" y="6858000"/>
+                </a:lnTo>
+                <a:lnTo>
+                  <a:pt x="12191999" y="6858000"/>
+                </a:lnTo>
+                <a:lnTo>
+                  <a:pt x="12191999" y="4323902"/>
+                </a:lnTo>
+                <a:lnTo>
+                  <a:pt x="9307672" y="4323902"/>
+                </a:lnTo>
+                <a:lnTo>
+                  <a:pt x="9307672" y="6858000"/>
+                </a:lnTo>
+                <a:lnTo>
+                  <a:pt x="0" y="6858000"/>
+                </a:lnTo>
+                <a:close/>
+              </a:path>
+            </a:pathLst>
+          </a:custGeom>
+          <a:solidFill>
+            <a:schemeClr val="bg2">
+              <a:alpha val="50000"/>
+            </a:schemeClr>
+          </a:solidFill>
+          <a:ln w="32707" cap="flat">
+            <a:noFill/>
+            <a:prstDash val="solid"/>
+            <a:miter/>
+          </a:ln>
+        </p:spPr>
+        <p:txBody>
+          <a:bodyPr rtlCol="0" anchor="ctr"/>
+          <a:lstStyle/>
+          <a:p>
+            <a:pPr defTabSz="457200"/>
+            <a:endParaRPr lang="en-US">
+              <a:solidFill>
+                <a:schemeClr val="tx1"/>
+              </a:solidFill>
+            </a:endParaRPr>
+          </a:p>
+        </p:txBody>
+      </p:sp>
       <p:sp>
         <p:nvSpPr>
           <p:cNvPr id="2" name="Title 1">
@@ -3697,9 +6411,16 @@
             <p:ph type="title"/>
           </p:nvPr>
         </p:nvSpPr>
-        <p:spPr/>
+        <p:spPr>
+          <a:xfrm>
+            <a:off x="838200" y="365126"/>
+            <a:ext cx="4347949" cy="689580"/>
+          </a:xfrm>
+        </p:spPr>
         <p:txBody>
-          <a:bodyPr/>
+          <a:bodyPr anchor="b">
+            <a:normAutofit fontScale="90000"/>
+          </a:bodyPr>
           <a:lstStyle/>
           <a:p>
             <a:r>
@@ -3727,33 +6448,77 @@
         </p:nvSpPr>
         <p:spPr>
           <a:xfrm>
-            <a:off x="838200" y="1825625"/>
-            <a:ext cx="5494867" cy="4351338"/>
+            <a:off x="838200" y="1161143"/>
+            <a:ext cx="4347948" cy="5015820"/>
           </a:xfrm>
         </p:spPr>
         <p:txBody>
-          <a:bodyPr/>
+          <a:bodyPr>
+            <a:normAutofit lnSpcReduction="10000"/>
+          </a:bodyPr>
           <a:lstStyle/>
           <a:p>
             <a:r>
-              <a:rPr lang="en-CA" sz="2800" dirty="0"/>
+              <a:rPr lang="en-CA" sz="2000" dirty="0"/>
               <a:t>Investigated all 37 different types of cancer in national spreadsheet</a:t>
             </a:r>
           </a:p>
           <a:p>
             <a:r>
-              <a:rPr lang="en-CA" dirty="0"/>
+              <a:rPr lang="en-CA" sz="2000" dirty="0"/>
               <a:t>Found several spatial distributions in cancer, with minimum and maximum counties correlated with one another</a:t>
             </a:r>
+          </a:p>
+          <a:p>
+            <a:r>
+              <a:rPr lang="en-CA" sz="2000" dirty="0"/>
+              <a:t>Findings</a:t>
+            </a:r>
+          </a:p>
+          <a:p>
+            <a:pPr lvl="1"/>
+            <a:r>
+              <a:rPr lang="en-US" sz="1600" dirty="0"/>
+              <a:t>Summit County, Colorado consistently appears as a county with the lowest mortality rate</a:t>
+            </a:r>
+          </a:p>
+          <a:p>
+            <a:pPr lvl="1"/>
+            <a:r>
+              <a:rPr lang="en-US" sz="1600" dirty="0"/>
+              <a:t>Oglala Lakota County, South Dakota consistently appears as a county with the highest mortality rate</a:t>
+            </a:r>
+          </a:p>
+          <a:p>
+            <a:pPr lvl="1"/>
+            <a:r>
+              <a:rPr lang="en-US" sz="1600" dirty="0"/>
+              <a:t>Utah consistently appears as a state with the lowest mortality rate</a:t>
+            </a:r>
+          </a:p>
+          <a:p>
+            <a:pPr lvl="1"/>
+            <a:r>
+              <a:rPr lang="en-US" sz="1600" dirty="0"/>
+              <a:t>The District of Columbia consistently appears as a state with the highest mortality rate, some improvement in more recent years notwithstanding</a:t>
+            </a:r>
+          </a:p>
+          <a:p>
+            <a:pPr lvl="1"/>
+            <a:r>
+              <a:rPr lang="en-US" sz="1600" dirty="0"/>
+              <a:t>Error bars vary dramatically</a:t>
+            </a:r>
+            <a:endParaRPr lang="en-CA" sz="1600" dirty="0"/>
           </a:p>
         </p:txBody>
       </p:sp>
       <p:pic>
         <p:nvPicPr>
-          <p:cNvPr id="4" name="Picture 3">
-            <a:extLst>
-              <a:ext uri="{FF2B5EF4-FFF2-40B4-BE49-F238E27FC236}">
-                <a16:creationId xmlns:a16="http://schemas.microsoft.com/office/drawing/2014/main" id="{F7AE7921-54BB-4649-A5AE-35A9A3008A71}"/>
+          <p:cNvPr id="6" name="Picture 5">
+            <a:extLst>
+              <a:ext uri="{FF2B5EF4-FFF2-40B4-BE49-F238E27FC236}">
+                <a16:creationId xmlns:a16="http://schemas.microsoft.com/office/drawing/2014/main" id="{E24D5EBD-603C-8547-1C3A-329AE20C8FE4}"/>
               </a:ext>
             </a:extLst>
           </p:cNvPr>
@@ -3770,8 +6535,8 @@
         </p:blipFill>
         <p:spPr>
           <a:xfrm>
-            <a:off x="6776304" y="2842824"/>
-            <a:ext cx="4937399" cy="3747277"/>
+            <a:off x="7106962" y="556076"/>
+            <a:ext cx="4138047" cy="3217333"/>
           </a:xfrm>
           <a:prstGeom prst="rect">
             <a:avLst/>
@@ -3780,10 +6545,10 @@
       </p:pic>
       <p:pic>
         <p:nvPicPr>
-          <p:cNvPr id="5" name="Picture 4">
-            <a:extLst>
-              <a:ext uri="{FF2B5EF4-FFF2-40B4-BE49-F238E27FC236}">
-                <a16:creationId xmlns:a16="http://schemas.microsoft.com/office/drawing/2014/main" id="{7055354B-9CC7-5731-57EF-D48BADB1A877}"/>
+          <p:cNvPr id="4" name="Picture 3">
+            <a:extLst>
+              <a:ext uri="{FF2B5EF4-FFF2-40B4-BE49-F238E27FC236}">
+                <a16:creationId xmlns:a16="http://schemas.microsoft.com/office/drawing/2014/main" id="{F7AE7921-54BB-4649-A5AE-35A9A3008A71}"/>
               </a:ext>
             </a:extLst>
           </p:cNvPr>
@@ -3800,8 +6565,8 @@
         </p:blipFill>
         <p:spPr>
           <a:xfrm>
-            <a:off x="6776304" y="255920"/>
-            <a:ext cx="2448045" cy="1905860"/>
+            <a:off x="6469698" y="4653503"/>
+            <a:ext cx="2168976" cy="1648422"/>
           </a:xfrm>
           <a:prstGeom prst="rect">
             <a:avLst/>
@@ -3810,10 +6575,10 @@
       </p:pic>
       <p:pic>
         <p:nvPicPr>
-          <p:cNvPr id="6" name="Picture 5">
-            <a:extLst>
-              <a:ext uri="{FF2B5EF4-FFF2-40B4-BE49-F238E27FC236}">
-                <a16:creationId xmlns:a16="http://schemas.microsoft.com/office/drawing/2014/main" id="{E24D5EBD-603C-8547-1C3A-329AE20C8FE4}"/>
+          <p:cNvPr id="5" name="Picture 4">
+            <a:extLst>
+              <a:ext uri="{FF2B5EF4-FFF2-40B4-BE49-F238E27FC236}">
+                <a16:creationId xmlns:a16="http://schemas.microsoft.com/office/drawing/2014/main" id="{7055354B-9CC7-5731-57EF-D48BADB1A877}"/>
               </a:ext>
             </a:extLst>
           </p:cNvPr>
@@ -3830,8 +6595,8 @@
         </p:blipFill>
         <p:spPr>
           <a:xfrm>
-            <a:off x="9345088" y="258649"/>
-            <a:ext cx="2448045" cy="1903131"/>
+            <a:off x="9678439" y="4653502"/>
+            <a:ext cx="2139025" cy="1663093"/>
           </a:xfrm>
           <a:prstGeom prst="rect">
             <a:avLst/>
@@ -3854,6 +6619,14 @@
 <file path=ppt/slides/slide5.xml><?xml version="1.0" encoding="utf-8"?>
 <p:sld xmlns:a="http://schemas.openxmlformats.org/drawingml/2006/main" xmlns:r="http://schemas.openxmlformats.org/officeDocument/2006/relationships" xmlns:p="http://schemas.openxmlformats.org/presentationml/2006/main">
   <p:cSld>
+    <p:bg>
+      <p:bgPr>
+        <a:solidFill>
+          <a:schemeClr val="bg1"/>
+        </a:solidFill>
+        <a:effectLst/>
+      </p:bgPr>
+    </p:bg>
     <p:spTree>
       <p:nvGrpSpPr>
         <p:cNvPr id="1" name=""/>
@@ -3868,6 +6641,1069 @@
           <a:chExt cx="0" cy="0"/>
         </a:xfrm>
       </p:grpSpPr>
+      <p:sp useBgFill="1">
+        <p:nvSpPr>
+          <p:cNvPr id="11" name="Rectangle 10">
+            <a:extLst>
+              <a:ext uri="{FF2B5EF4-FFF2-40B4-BE49-F238E27FC236}">
+                <a16:creationId xmlns:a16="http://schemas.microsoft.com/office/drawing/2014/main" id="{5EF17487-C386-4F99-B5EB-4FD3DF4236B2}"/>
+              </a:ext>
+              <a:ext uri="{C183D7F6-B498-43B3-948B-1728B52AA6E4}">
+                <adec:decorative xmlns:adec="http://schemas.microsoft.com/office/drawing/2017/decorative" val="1"/>
+              </a:ext>
+            </a:extLst>
+          </p:cNvPr>
+          <p:cNvSpPr>
+            <a:spLocks noGrp="1" noRot="1" noChangeAspect="1" noMove="1" noResize="1" noEditPoints="1" noAdjustHandles="1" noChangeArrowheads="1" noChangeShapeType="1" noTextEdit="1"/>
+          </p:cNvSpPr>
+          <p:nvPr>
+            <p:extLst>
+              <p:ext uri="{386F3935-93C4-4BCD-93E2-E3B085C9AB24}">
+                <p16:designElem xmlns:p16="http://schemas.microsoft.com/office/powerpoint/2015/main" val="1"/>
+              </p:ext>
+            </p:extLst>
+          </p:nvPr>
+        </p:nvSpPr>
+        <p:spPr>
+          <a:xfrm>
+            <a:off x="0" y="0"/>
+            <a:ext cx="12188952" cy="6858000"/>
+          </a:xfrm>
+          <a:prstGeom prst="rect">
+            <a:avLst/>
+          </a:prstGeom>
+          <a:ln>
+            <a:noFill/>
+          </a:ln>
+        </p:spPr>
+        <p:style>
+          <a:lnRef idx="2">
+            <a:schemeClr val="accent1">
+              <a:shade val="50000"/>
+            </a:schemeClr>
+          </a:lnRef>
+          <a:fillRef idx="1">
+            <a:schemeClr val="accent1"/>
+          </a:fillRef>
+          <a:effectRef idx="0">
+            <a:schemeClr val="accent1"/>
+          </a:effectRef>
+          <a:fontRef idx="minor">
+            <a:schemeClr val="lt1"/>
+          </a:fontRef>
+        </p:style>
+        <p:txBody>
+          <a:bodyPr rtlCol="0" anchor="ctr"/>
+          <a:lstStyle/>
+          <a:p>
+            <a:pPr algn="ctr"/>
+            <a:endParaRPr lang="en-US"/>
+          </a:p>
+        </p:txBody>
+      </p:sp>
+      <p:sp>
+        <p:nvSpPr>
+          <p:cNvPr id="13" name="Freeform: Shape 12">
+            <a:extLst>
+              <a:ext uri="{FF2B5EF4-FFF2-40B4-BE49-F238E27FC236}">
+                <a16:creationId xmlns:a16="http://schemas.microsoft.com/office/drawing/2014/main" id="{A0DE92DF-4769-4DE9-93FD-EE31271850CA}"/>
+              </a:ext>
+              <a:ext uri="{C183D7F6-B498-43B3-948B-1728B52AA6E4}">
+                <adec:decorative xmlns:adec="http://schemas.microsoft.com/office/drawing/2017/decorative" val="1"/>
+              </a:ext>
+            </a:extLst>
+          </p:cNvPr>
+          <p:cNvSpPr>
+            <a:spLocks noGrp="1" noRot="1" noChangeAspect="1" noMove="1" noResize="1" noEditPoints="1" noAdjustHandles="1" noChangeArrowheads="1" noChangeShapeType="1" noTextEdit="1"/>
+          </p:cNvSpPr>
+          <p:nvPr>
+            <p:extLst>
+              <p:ext uri="{386F3935-93C4-4BCD-93E2-E3B085C9AB24}">
+                <p16:designElem xmlns:p16="http://schemas.microsoft.com/office/powerpoint/2015/main" val="1"/>
+              </p:ext>
+            </p:extLst>
+          </p:nvPr>
+        </p:nvSpPr>
+        <p:spPr>
+          <a:xfrm flipH="1" flipV="1">
+            <a:off x="0" y="0"/>
+            <a:ext cx="7472381" cy="6858000"/>
+          </a:xfrm>
+          <a:custGeom>
+            <a:avLst/>
+            <a:gdLst>
+              <a:gd name="connsiteX0" fmla="*/ 1232666 w 7472381"/>
+              <a:gd name="connsiteY0" fmla="*/ 0 h 6886575"/>
+              <a:gd name="connsiteX1" fmla="*/ 7472381 w 7472381"/>
+              <a:gd name="connsiteY1" fmla="*/ 0 h 6886575"/>
+              <a:gd name="connsiteX2" fmla="*/ 7472381 w 7472381"/>
+              <a:gd name="connsiteY2" fmla="*/ 814388 h 6886575"/>
+              <a:gd name="connsiteX3" fmla="*/ 7472381 w 7472381"/>
+              <a:gd name="connsiteY3" fmla="*/ 6411516 h 6886575"/>
+              <a:gd name="connsiteX4" fmla="*/ 7472381 w 7472381"/>
+              <a:gd name="connsiteY4" fmla="*/ 6886575 h 6886575"/>
+              <a:gd name="connsiteX5" fmla="*/ 6992676 w 7472381"/>
+              <a:gd name="connsiteY5" fmla="*/ 6886575 h 6886575"/>
+              <a:gd name="connsiteX6" fmla="*/ 1946893 w 7472381"/>
+              <a:gd name="connsiteY6" fmla="*/ 6886575 h 6886575"/>
+              <a:gd name="connsiteX7" fmla="*/ 1506276 w 7472381"/>
+              <a:gd name="connsiteY7" fmla="*/ 6686550 h 6886575"/>
+              <a:gd name="connsiteX8" fmla="*/ 1314394 w 7472381"/>
+              <a:gd name="connsiteY8" fmla="*/ 6457949 h 6886575"/>
+              <a:gd name="connsiteX9" fmla="*/ 1246880 w 7472381"/>
+              <a:gd name="connsiteY9" fmla="*/ 6393656 h 6886575"/>
+              <a:gd name="connsiteX10" fmla="*/ 1079872 w 7472381"/>
+              <a:gd name="connsiteY10" fmla="*/ 6307931 h 6886575"/>
+              <a:gd name="connsiteX11" fmla="*/ 788495 w 7472381"/>
+              <a:gd name="connsiteY11" fmla="*/ 6125765 h 6886575"/>
+              <a:gd name="connsiteX12" fmla="*/ 895097 w 7472381"/>
+              <a:gd name="connsiteY12" fmla="*/ 6082903 h 6886575"/>
+              <a:gd name="connsiteX13" fmla="*/ 1204239 w 7472381"/>
+              <a:gd name="connsiteY13" fmla="*/ 6193631 h 6886575"/>
+              <a:gd name="connsiteX14" fmla="*/ 1428102 w 7472381"/>
+              <a:gd name="connsiteY14" fmla="*/ 6222206 h 6886575"/>
+              <a:gd name="connsiteX15" fmla="*/ 1111852 w 7472381"/>
+              <a:gd name="connsiteY15" fmla="*/ 6029325 h 6886575"/>
+              <a:gd name="connsiteX16" fmla="*/ 806262 w 7472381"/>
+              <a:gd name="connsiteY16" fmla="*/ 5779294 h 6886575"/>
+              <a:gd name="connsiteX17" fmla="*/ 1040785 w 7472381"/>
+              <a:gd name="connsiteY17" fmla="*/ 5825728 h 6886575"/>
+              <a:gd name="connsiteX18" fmla="*/ 1051445 w 7472381"/>
+              <a:gd name="connsiteY18" fmla="*/ 5793581 h 6886575"/>
+              <a:gd name="connsiteX19" fmla="*/ 845349 w 7472381"/>
+              <a:gd name="connsiteY19" fmla="*/ 5497115 h 6886575"/>
+              <a:gd name="connsiteX20" fmla="*/ 745855 w 7472381"/>
+              <a:gd name="connsiteY20" fmla="*/ 5375672 h 6886575"/>
+              <a:gd name="connsiteX21" fmla="*/ 291024 w 7472381"/>
+              <a:gd name="connsiteY21" fmla="*/ 5014913 h 6886575"/>
+              <a:gd name="connsiteX22" fmla="*/ 724535 w 7472381"/>
+              <a:gd name="connsiteY22" fmla="*/ 5175647 h 6886575"/>
+              <a:gd name="connsiteX23" fmla="*/ 276811 w 7472381"/>
+              <a:gd name="connsiteY23" fmla="*/ 4825603 h 6886575"/>
+              <a:gd name="connsiteX24" fmla="*/ 60055 w 7472381"/>
+              <a:gd name="connsiteY24" fmla="*/ 4697016 h 6886575"/>
+              <a:gd name="connsiteX25" fmla="*/ 6755 w 7472381"/>
+              <a:gd name="connsiteY25" fmla="*/ 4622006 h 6886575"/>
+              <a:gd name="connsiteX26" fmla="*/ 102696 w 7472381"/>
+              <a:gd name="connsiteY26" fmla="*/ 4604146 h 6886575"/>
+              <a:gd name="connsiteX27" fmla="*/ 397625 w 7472381"/>
+              <a:gd name="connsiteY27" fmla="*/ 4632722 h 6886575"/>
+              <a:gd name="connsiteX28" fmla="*/ 31628 w 7472381"/>
+              <a:gd name="connsiteY28" fmla="*/ 4396978 h 6886575"/>
+              <a:gd name="connsiteX29" fmla="*/ 305237 w 7472381"/>
+              <a:gd name="connsiteY29" fmla="*/ 4432697 h 6886575"/>
+              <a:gd name="connsiteX30" fmla="*/ 383412 w 7472381"/>
+              <a:gd name="connsiteY30" fmla="*/ 4339828 h 6886575"/>
+              <a:gd name="connsiteX31" fmla="*/ 511333 w 7472381"/>
+              <a:gd name="connsiteY31" fmla="*/ 4189810 h 6886575"/>
+              <a:gd name="connsiteX32" fmla="*/ 600167 w 7472381"/>
+              <a:gd name="connsiteY32" fmla="*/ 4107656 h 6886575"/>
+              <a:gd name="connsiteX33" fmla="*/ 635701 w 7472381"/>
+              <a:gd name="connsiteY33" fmla="*/ 3843337 h 6886575"/>
+              <a:gd name="connsiteX34" fmla="*/ 561080 w 7472381"/>
+              <a:gd name="connsiteY34" fmla="*/ 3554015 h 6886575"/>
+              <a:gd name="connsiteX35" fmla="*/ 354985 w 7472381"/>
+              <a:gd name="connsiteY35" fmla="*/ 3407569 h 6886575"/>
+              <a:gd name="connsiteX36" fmla="*/ 415392 w 7472381"/>
+              <a:gd name="connsiteY36" fmla="*/ 3243263 h 6886575"/>
+              <a:gd name="connsiteX37" fmla="*/ 852456 w 7472381"/>
+              <a:gd name="connsiteY37" fmla="*/ 3343275 h 6886575"/>
+              <a:gd name="connsiteX38" fmla="*/ 202190 w 7472381"/>
+              <a:gd name="connsiteY38" fmla="*/ 2953940 h 6886575"/>
+              <a:gd name="connsiteX39" fmla="*/ 312344 w 7472381"/>
+              <a:gd name="connsiteY39" fmla="*/ 2936081 h 6886575"/>
+              <a:gd name="connsiteX40" fmla="*/ 706768 w 7472381"/>
+              <a:gd name="connsiteY40" fmla="*/ 2714625 h 6886575"/>
+              <a:gd name="connsiteX41" fmla="*/ 728088 w 7472381"/>
+              <a:gd name="connsiteY41" fmla="*/ 2703909 h 6886575"/>
+              <a:gd name="connsiteX42" fmla="*/ 795602 w 7472381"/>
+              <a:gd name="connsiteY42" fmla="*/ 2564606 h 6886575"/>
+              <a:gd name="connsiteX43" fmla="*/ 1008804 w 7472381"/>
+              <a:gd name="connsiteY43" fmla="*/ 2543175 h 6886575"/>
+              <a:gd name="connsiteX44" fmla="*/ 1186473 w 7472381"/>
+              <a:gd name="connsiteY44" fmla="*/ 2575322 h 6886575"/>
+              <a:gd name="connsiteX45" fmla="*/ 1378355 w 7472381"/>
+              <a:gd name="connsiteY45" fmla="*/ 2536031 h 6886575"/>
+              <a:gd name="connsiteX46" fmla="*/ 1548916 w 7472381"/>
+              <a:gd name="connsiteY46" fmla="*/ 2553891 h 6886575"/>
+              <a:gd name="connsiteX47" fmla="*/ 1694604 w 7472381"/>
+              <a:gd name="connsiteY47" fmla="*/ 2528888 h 6886575"/>
+              <a:gd name="connsiteX48" fmla="*/ 1552469 w 7472381"/>
+              <a:gd name="connsiteY48" fmla="*/ 2411015 h 6886575"/>
+              <a:gd name="connsiteX49" fmla="*/ 1353481 w 7472381"/>
+              <a:gd name="connsiteY49" fmla="*/ 2411015 h 6886575"/>
+              <a:gd name="connsiteX50" fmla="*/ 1211346 w 7472381"/>
+              <a:gd name="connsiteY50" fmla="*/ 2336007 h 6886575"/>
+              <a:gd name="connsiteX51" fmla="*/ 1076318 w 7472381"/>
+              <a:gd name="connsiteY51" fmla="*/ 2200275 h 6886575"/>
+              <a:gd name="connsiteX52" fmla="*/ 600167 w 7472381"/>
+              <a:gd name="connsiteY52" fmla="*/ 1982390 h 6886575"/>
+              <a:gd name="connsiteX53" fmla="*/ 514886 w 7472381"/>
+              <a:gd name="connsiteY53" fmla="*/ 1900238 h 6886575"/>
+              <a:gd name="connsiteX54" fmla="*/ 1872273 w 7472381"/>
+              <a:gd name="connsiteY54" fmla="*/ 2218135 h 6886575"/>
+              <a:gd name="connsiteX55" fmla="*/ 1452975 w 7472381"/>
+              <a:gd name="connsiteY55" fmla="*/ 2085975 h 6886575"/>
+              <a:gd name="connsiteX56" fmla="*/ 1737245 w 7472381"/>
+              <a:gd name="connsiteY56" fmla="*/ 2110978 h 6886575"/>
+              <a:gd name="connsiteX57" fmla="*/ 1893593 w 7472381"/>
+              <a:gd name="connsiteY57" fmla="*/ 2021681 h 6886575"/>
+              <a:gd name="connsiteX58" fmla="*/ 1893593 w 7472381"/>
+              <a:gd name="connsiteY58" fmla="*/ 1993106 h 6886575"/>
+              <a:gd name="connsiteX59" fmla="*/ 1776332 w 7472381"/>
+              <a:gd name="connsiteY59" fmla="*/ 1910953 h 6886575"/>
+              <a:gd name="connsiteX60" fmla="*/ 1708818 w 7472381"/>
+              <a:gd name="connsiteY60" fmla="*/ 1857375 h 6886575"/>
+              <a:gd name="connsiteX61" fmla="*/ 1524043 w 7472381"/>
+              <a:gd name="connsiteY61" fmla="*/ 1664493 h 6886575"/>
+              <a:gd name="connsiteX62" fmla="*/ 1655517 w 7472381"/>
+              <a:gd name="connsiteY62" fmla="*/ 1643062 h 6886575"/>
+              <a:gd name="connsiteX63" fmla="*/ 1705264 w 7472381"/>
+              <a:gd name="connsiteY63" fmla="*/ 1603772 h 6886575"/>
+              <a:gd name="connsiteX64" fmla="*/ 1669731 w 7472381"/>
+              <a:gd name="connsiteY64" fmla="*/ 1546622 h 6886575"/>
+              <a:gd name="connsiteX65" fmla="*/ 1261093 w 7472381"/>
+              <a:gd name="connsiteY65" fmla="*/ 1371600 h 6886575"/>
+              <a:gd name="connsiteX66" fmla="*/ 1229113 w 7472381"/>
+              <a:gd name="connsiteY66" fmla="*/ 1235869 h 6886575"/>
+              <a:gd name="connsiteX67" fmla="*/ 1307287 w 7472381"/>
+              <a:gd name="connsiteY67" fmla="*/ 1214437 h 6886575"/>
+              <a:gd name="connsiteX68" fmla="*/ 1396121 w 7472381"/>
+              <a:gd name="connsiteY68" fmla="*/ 1225153 h 6886575"/>
+              <a:gd name="connsiteX69" fmla="*/ 1325054 w 7472381"/>
+              <a:gd name="connsiteY69" fmla="*/ 1117997 h 6886575"/>
+              <a:gd name="connsiteX70" fmla="*/ 1037231 w 7472381"/>
+              <a:gd name="connsiteY70" fmla="*/ 1010841 h 6886575"/>
+              <a:gd name="connsiteX71" fmla="*/ 983931 w 7472381"/>
+              <a:gd name="connsiteY71" fmla="*/ 953690 h 6886575"/>
+              <a:gd name="connsiteX72" fmla="*/ 1054998 w 7472381"/>
+              <a:gd name="connsiteY72" fmla="*/ 925115 h 6886575"/>
+              <a:gd name="connsiteX73" fmla="*/ 1108299 w 7472381"/>
+              <a:gd name="connsiteY73" fmla="*/ 914400 h 6886575"/>
+              <a:gd name="connsiteX74" fmla="*/ 6755 w 7472381"/>
+              <a:gd name="connsiteY74" fmla="*/ 467915 h 6886575"/>
+              <a:gd name="connsiteX75" fmla="*/ 255490 w 7472381"/>
+              <a:gd name="connsiteY75" fmla="*/ 464344 h 6886575"/>
+              <a:gd name="connsiteX76" fmla="*/ 500673 w 7472381"/>
+              <a:gd name="connsiteY76" fmla="*/ 535781 h 6886575"/>
+              <a:gd name="connsiteX77" fmla="*/ 760069 w 7472381"/>
+              <a:gd name="connsiteY77" fmla="*/ 525066 h 6886575"/>
+              <a:gd name="connsiteX78" fmla="*/ 1005251 w 7472381"/>
+              <a:gd name="connsiteY78" fmla="*/ 560785 h 6886575"/>
+              <a:gd name="connsiteX79" fmla="*/ 1218453 w 7472381"/>
+              <a:gd name="connsiteY79" fmla="*/ 560785 h 6886575"/>
+              <a:gd name="connsiteX80" fmla="*/ 1019464 w 7472381"/>
+              <a:gd name="connsiteY80" fmla="*/ 507206 h 6886575"/>
+              <a:gd name="connsiteX81" fmla="*/ 944844 w 7472381"/>
+              <a:gd name="connsiteY81" fmla="*/ 417909 h 6886575"/>
+              <a:gd name="connsiteX82" fmla="*/ 969717 w 7472381"/>
+              <a:gd name="connsiteY82" fmla="*/ 335757 h 6886575"/>
+              <a:gd name="connsiteX83" fmla="*/ 1051445 w 7472381"/>
+              <a:gd name="connsiteY83" fmla="*/ 360759 h 6886575"/>
+              <a:gd name="connsiteX84" fmla="*/ 1147386 w 7472381"/>
+              <a:gd name="connsiteY84" fmla="*/ 453629 h 6886575"/>
+              <a:gd name="connsiteX85" fmla="*/ 1168706 w 7472381"/>
+              <a:gd name="connsiteY85" fmla="*/ 396478 h 6886575"/>
+              <a:gd name="connsiteX86" fmla="*/ 1225560 w 7472381"/>
+              <a:gd name="connsiteY86" fmla="*/ 353615 h 6886575"/>
+              <a:gd name="connsiteX87" fmla="*/ 1552469 w 7472381"/>
+              <a:gd name="connsiteY87" fmla="*/ 375047 h 6886575"/>
+              <a:gd name="connsiteX88" fmla="*/ 1335714 w 7472381"/>
+              <a:gd name="connsiteY88" fmla="*/ 192881 h 6886575"/>
+              <a:gd name="connsiteX89" fmla="*/ 1197133 w 7472381"/>
+              <a:gd name="connsiteY89" fmla="*/ 164306 h 6886575"/>
+              <a:gd name="connsiteX90" fmla="*/ 1165153 w 7472381"/>
+              <a:gd name="connsiteY90" fmla="*/ 89297 h 6886575"/>
+              <a:gd name="connsiteX91" fmla="*/ 1229113 w 7472381"/>
+              <a:gd name="connsiteY91" fmla="*/ 71437 h 6886575"/>
+              <a:gd name="connsiteX92" fmla="*/ 1548916 w 7472381"/>
+              <a:gd name="connsiteY92" fmla="*/ 135731 h 6886575"/>
+              <a:gd name="connsiteX93" fmla="*/ 1602217 w 7472381"/>
+              <a:gd name="connsiteY93" fmla="*/ 110728 h 6886575"/>
+              <a:gd name="connsiteX94" fmla="*/ 1232666 w 7472381"/>
+              <a:gd name="connsiteY94" fmla="*/ 0 h 6886575"/>
+            </a:gdLst>
+            <a:ahLst/>
+            <a:cxnLst>
+              <a:cxn ang="0">
+                <a:pos x="connsiteX0" y="connsiteY0"/>
+              </a:cxn>
+              <a:cxn ang="0">
+                <a:pos x="connsiteX1" y="connsiteY1"/>
+              </a:cxn>
+              <a:cxn ang="0">
+                <a:pos x="connsiteX2" y="connsiteY2"/>
+              </a:cxn>
+              <a:cxn ang="0">
+                <a:pos x="connsiteX3" y="connsiteY3"/>
+              </a:cxn>
+              <a:cxn ang="0">
+                <a:pos x="connsiteX4" y="connsiteY4"/>
+              </a:cxn>
+              <a:cxn ang="0">
+                <a:pos x="connsiteX5" y="connsiteY5"/>
+              </a:cxn>
+              <a:cxn ang="0">
+                <a:pos x="connsiteX6" y="connsiteY6"/>
+              </a:cxn>
+              <a:cxn ang="0">
+                <a:pos x="connsiteX7" y="connsiteY7"/>
+              </a:cxn>
+              <a:cxn ang="0">
+                <a:pos x="connsiteX8" y="connsiteY8"/>
+              </a:cxn>
+              <a:cxn ang="0">
+                <a:pos x="connsiteX9" y="connsiteY9"/>
+              </a:cxn>
+              <a:cxn ang="0">
+                <a:pos x="connsiteX10" y="connsiteY10"/>
+              </a:cxn>
+              <a:cxn ang="0">
+                <a:pos x="connsiteX11" y="connsiteY11"/>
+              </a:cxn>
+              <a:cxn ang="0">
+                <a:pos x="connsiteX12" y="connsiteY12"/>
+              </a:cxn>
+              <a:cxn ang="0">
+                <a:pos x="connsiteX13" y="connsiteY13"/>
+              </a:cxn>
+              <a:cxn ang="0">
+                <a:pos x="connsiteX14" y="connsiteY14"/>
+              </a:cxn>
+              <a:cxn ang="0">
+                <a:pos x="connsiteX15" y="connsiteY15"/>
+              </a:cxn>
+              <a:cxn ang="0">
+                <a:pos x="connsiteX16" y="connsiteY16"/>
+              </a:cxn>
+              <a:cxn ang="0">
+                <a:pos x="connsiteX17" y="connsiteY17"/>
+              </a:cxn>
+              <a:cxn ang="0">
+                <a:pos x="connsiteX18" y="connsiteY18"/>
+              </a:cxn>
+              <a:cxn ang="0">
+                <a:pos x="connsiteX19" y="connsiteY19"/>
+              </a:cxn>
+              <a:cxn ang="0">
+                <a:pos x="connsiteX20" y="connsiteY20"/>
+              </a:cxn>
+              <a:cxn ang="0">
+                <a:pos x="connsiteX21" y="connsiteY21"/>
+              </a:cxn>
+              <a:cxn ang="0">
+                <a:pos x="connsiteX22" y="connsiteY22"/>
+              </a:cxn>
+              <a:cxn ang="0">
+                <a:pos x="connsiteX23" y="connsiteY23"/>
+              </a:cxn>
+              <a:cxn ang="0">
+                <a:pos x="connsiteX24" y="connsiteY24"/>
+              </a:cxn>
+              <a:cxn ang="0">
+                <a:pos x="connsiteX25" y="connsiteY25"/>
+              </a:cxn>
+              <a:cxn ang="0">
+                <a:pos x="connsiteX26" y="connsiteY26"/>
+              </a:cxn>
+              <a:cxn ang="0">
+                <a:pos x="connsiteX27" y="connsiteY27"/>
+              </a:cxn>
+              <a:cxn ang="0">
+                <a:pos x="connsiteX28" y="connsiteY28"/>
+              </a:cxn>
+              <a:cxn ang="0">
+                <a:pos x="connsiteX29" y="connsiteY29"/>
+              </a:cxn>
+              <a:cxn ang="0">
+                <a:pos x="connsiteX30" y="connsiteY30"/>
+              </a:cxn>
+              <a:cxn ang="0">
+                <a:pos x="connsiteX31" y="connsiteY31"/>
+              </a:cxn>
+              <a:cxn ang="0">
+                <a:pos x="connsiteX32" y="connsiteY32"/>
+              </a:cxn>
+              <a:cxn ang="0">
+                <a:pos x="connsiteX33" y="connsiteY33"/>
+              </a:cxn>
+              <a:cxn ang="0">
+                <a:pos x="connsiteX34" y="connsiteY34"/>
+              </a:cxn>
+              <a:cxn ang="0">
+                <a:pos x="connsiteX35" y="connsiteY35"/>
+              </a:cxn>
+              <a:cxn ang="0">
+                <a:pos x="connsiteX36" y="connsiteY36"/>
+              </a:cxn>
+              <a:cxn ang="0">
+                <a:pos x="connsiteX37" y="connsiteY37"/>
+              </a:cxn>
+              <a:cxn ang="0">
+                <a:pos x="connsiteX38" y="connsiteY38"/>
+              </a:cxn>
+              <a:cxn ang="0">
+                <a:pos x="connsiteX39" y="connsiteY39"/>
+              </a:cxn>
+              <a:cxn ang="0">
+                <a:pos x="connsiteX40" y="connsiteY40"/>
+              </a:cxn>
+              <a:cxn ang="0">
+                <a:pos x="connsiteX41" y="connsiteY41"/>
+              </a:cxn>
+              <a:cxn ang="0">
+                <a:pos x="connsiteX42" y="connsiteY42"/>
+              </a:cxn>
+              <a:cxn ang="0">
+                <a:pos x="connsiteX43" y="connsiteY43"/>
+              </a:cxn>
+              <a:cxn ang="0">
+                <a:pos x="connsiteX44" y="connsiteY44"/>
+              </a:cxn>
+              <a:cxn ang="0">
+                <a:pos x="connsiteX45" y="connsiteY45"/>
+              </a:cxn>
+              <a:cxn ang="0">
+                <a:pos x="connsiteX46" y="connsiteY46"/>
+              </a:cxn>
+              <a:cxn ang="0">
+                <a:pos x="connsiteX47" y="connsiteY47"/>
+              </a:cxn>
+              <a:cxn ang="0">
+                <a:pos x="connsiteX48" y="connsiteY48"/>
+              </a:cxn>
+              <a:cxn ang="0">
+                <a:pos x="connsiteX49" y="connsiteY49"/>
+              </a:cxn>
+              <a:cxn ang="0">
+                <a:pos x="connsiteX50" y="connsiteY50"/>
+              </a:cxn>
+              <a:cxn ang="0">
+                <a:pos x="connsiteX51" y="connsiteY51"/>
+              </a:cxn>
+              <a:cxn ang="0">
+                <a:pos x="connsiteX52" y="connsiteY52"/>
+              </a:cxn>
+              <a:cxn ang="0">
+                <a:pos x="connsiteX53" y="connsiteY53"/>
+              </a:cxn>
+              <a:cxn ang="0">
+                <a:pos x="connsiteX54" y="connsiteY54"/>
+              </a:cxn>
+              <a:cxn ang="0">
+                <a:pos x="connsiteX55" y="connsiteY55"/>
+              </a:cxn>
+              <a:cxn ang="0">
+                <a:pos x="connsiteX56" y="connsiteY56"/>
+              </a:cxn>
+              <a:cxn ang="0">
+                <a:pos x="connsiteX57" y="connsiteY57"/>
+              </a:cxn>
+              <a:cxn ang="0">
+                <a:pos x="connsiteX58" y="connsiteY58"/>
+              </a:cxn>
+              <a:cxn ang="0">
+                <a:pos x="connsiteX59" y="connsiteY59"/>
+              </a:cxn>
+              <a:cxn ang="0">
+                <a:pos x="connsiteX60" y="connsiteY60"/>
+              </a:cxn>
+              <a:cxn ang="0">
+                <a:pos x="connsiteX61" y="connsiteY61"/>
+              </a:cxn>
+              <a:cxn ang="0">
+                <a:pos x="connsiteX62" y="connsiteY62"/>
+              </a:cxn>
+              <a:cxn ang="0">
+                <a:pos x="connsiteX63" y="connsiteY63"/>
+              </a:cxn>
+              <a:cxn ang="0">
+                <a:pos x="connsiteX64" y="connsiteY64"/>
+              </a:cxn>
+              <a:cxn ang="0">
+                <a:pos x="connsiteX65" y="connsiteY65"/>
+              </a:cxn>
+              <a:cxn ang="0">
+                <a:pos x="connsiteX66" y="connsiteY66"/>
+              </a:cxn>
+              <a:cxn ang="0">
+                <a:pos x="connsiteX67" y="connsiteY67"/>
+              </a:cxn>
+              <a:cxn ang="0">
+                <a:pos x="connsiteX68" y="connsiteY68"/>
+              </a:cxn>
+              <a:cxn ang="0">
+                <a:pos x="connsiteX69" y="connsiteY69"/>
+              </a:cxn>
+              <a:cxn ang="0">
+                <a:pos x="connsiteX70" y="connsiteY70"/>
+              </a:cxn>
+              <a:cxn ang="0">
+                <a:pos x="connsiteX71" y="connsiteY71"/>
+              </a:cxn>
+              <a:cxn ang="0">
+                <a:pos x="connsiteX72" y="connsiteY72"/>
+              </a:cxn>
+              <a:cxn ang="0">
+                <a:pos x="connsiteX73" y="connsiteY73"/>
+              </a:cxn>
+              <a:cxn ang="0">
+                <a:pos x="connsiteX74" y="connsiteY74"/>
+              </a:cxn>
+              <a:cxn ang="0">
+                <a:pos x="connsiteX75" y="connsiteY75"/>
+              </a:cxn>
+              <a:cxn ang="0">
+                <a:pos x="connsiteX76" y="connsiteY76"/>
+              </a:cxn>
+              <a:cxn ang="0">
+                <a:pos x="connsiteX77" y="connsiteY77"/>
+              </a:cxn>
+              <a:cxn ang="0">
+                <a:pos x="connsiteX78" y="connsiteY78"/>
+              </a:cxn>
+              <a:cxn ang="0">
+                <a:pos x="connsiteX79" y="connsiteY79"/>
+              </a:cxn>
+              <a:cxn ang="0">
+                <a:pos x="connsiteX80" y="connsiteY80"/>
+              </a:cxn>
+              <a:cxn ang="0">
+                <a:pos x="connsiteX81" y="connsiteY81"/>
+              </a:cxn>
+              <a:cxn ang="0">
+                <a:pos x="connsiteX82" y="connsiteY82"/>
+              </a:cxn>
+              <a:cxn ang="0">
+                <a:pos x="connsiteX83" y="connsiteY83"/>
+              </a:cxn>
+              <a:cxn ang="0">
+                <a:pos x="connsiteX84" y="connsiteY84"/>
+              </a:cxn>
+              <a:cxn ang="0">
+                <a:pos x="connsiteX85" y="connsiteY85"/>
+              </a:cxn>
+              <a:cxn ang="0">
+                <a:pos x="connsiteX86" y="connsiteY86"/>
+              </a:cxn>
+              <a:cxn ang="0">
+                <a:pos x="connsiteX87" y="connsiteY87"/>
+              </a:cxn>
+              <a:cxn ang="0">
+                <a:pos x="connsiteX88" y="connsiteY88"/>
+              </a:cxn>
+              <a:cxn ang="0">
+                <a:pos x="connsiteX89" y="connsiteY89"/>
+              </a:cxn>
+              <a:cxn ang="0">
+                <a:pos x="connsiteX90" y="connsiteY90"/>
+              </a:cxn>
+              <a:cxn ang="0">
+                <a:pos x="connsiteX91" y="connsiteY91"/>
+              </a:cxn>
+              <a:cxn ang="0">
+                <a:pos x="connsiteX92" y="connsiteY92"/>
+              </a:cxn>
+              <a:cxn ang="0">
+                <a:pos x="connsiteX93" y="connsiteY93"/>
+              </a:cxn>
+              <a:cxn ang="0">
+                <a:pos x="connsiteX94" y="connsiteY94"/>
+              </a:cxn>
+            </a:cxnLst>
+            <a:rect l="l" t="t" r="r" b="b"/>
+            <a:pathLst>
+              <a:path w="7472381" h="6886575">
+                <a:moveTo>
+                  <a:pt x="1232666" y="0"/>
+                </a:moveTo>
+                <a:lnTo>
+                  <a:pt x="7472381" y="0"/>
+                </a:lnTo>
+                <a:lnTo>
+                  <a:pt x="7472381" y="814388"/>
+                </a:lnTo>
+                <a:lnTo>
+                  <a:pt x="7472381" y="6411516"/>
+                </a:lnTo>
+                <a:lnTo>
+                  <a:pt x="7472381" y="6886575"/>
+                </a:lnTo>
+                <a:lnTo>
+                  <a:pt x="6992676" y="6886575"/>
+                </a:lnTo>
+                <a:lnTo>
+                  <a:pt x="1946893" y="6886575"/>
+                </a:lnTo>
+                <a:cubicBezTo>
+                  <a:pt x="1801205" y="6815137"/>
+                  <a:pt x="1662624" y="6729412"/>
+                  <a:pt x="1506276" y="6686550"/>
+                </a:cubicBezTo>
+                <a:cubicBezTo>
+                  <a:pt x="1399675" y="6657975"/>
+                  <a:pt x="1296627" y="6607969"/>
+                  <a:pt x="1314394" y="6457949"/>
+                </a:cubicBezTo>
+                <a:cubicBezTo>
+                  <a:pt x="1317947" y="6415087"/>
+                  <a:pt x="1289520" y="6382941"/>
+                  <a:pt x="1246880" y="6393656"/>
+                </a:cubicBezTo>
+                <a:cubicBezTo>
+                  <a:pt x="1165153" y="6415087"/>
+                  <a:pt x="1126065" y="6354365"/>
+                  <a:pt x="1079872" y="6307931"/>
+                </a:cubicBezTo>
+                <a:cubicBezTo>
+                  <a:pt x="998144" y="6225779"/>
+                  <a:pt x="919970" y="6140052"/>
+                  <a:pt x="788495" y="6125765"/>
+                </a:cubicBezTo>
+                <a:cubicBezTo>
+                  <a:pt x="813369" y="6061471"/>
+                  <a:pt x="856009" y="6068615"/>
+                  <a:pt x="895097" y="6082903"/>
+                </a:cubicBezTo>
+                <a:cubicBezTo>
+                  <a:pt x="998144" y="6118622"/>
+                  <a:pt x="1101192" y="6157912"/>
+                  <a:pt x="1204239" y="6193631"/>
+                </a:cubicBezTo>
+                <a:cubicBezTo>
+                  <a:pt x="1271754" y="6215062"/>
+                  <a:pt x="1339267" y="6247209"/>
+                  <a:pt x="1428102" y="6222206"/>
+                </a:cubicBezTo>
+                <a:cubicBezTo>
+                  <a:pt x="1349928" y="6093619"/>
+                  <a:pt x="1218453" y="6068615"/>
+                  <a:pt x="1111852" y="6029325"/>
+                </a:cubicBezTo>
+                <a:cubicBezTo>
+                  <a:pt x="980377" y="5979319"/>
+                  <a:pt x="902203" y="5886450"/>
+                  <a:pt x="806262" y="5779294"/>
+                </a:cubicBezTo>
+                <a:cubicBezTo>
+                  <a:pt x="902203" y="5750719"/>
+                  <a:pt x="962610" y="5829300"/>
+                  <a:pt x="1040785" y="5825728"/>
+                </a:cubicBezTo>
+                <a:cubicBezTo>
+                  <a:pt x="1044338" y="5815012"/>
+                  <a:pt x="1051445" y="5793581"/>
+                  <a:pt x="1051445" y="5793581"/>
+                </a:cubicBezTo>
+                <a:cubicBezTo>
+                  <a:pt x="923523" y="5736431"/>
+                  <a:pt x="866670" y="5629275"/>
+                  <a:pt x="845349" y="5497115"/>
+                </a:cubicBezTo>
+                <a:cubicBezTo>
+                  <a:pt x="838243" y="5429250"/>
+                  <a:pt x="792049" y="5407819"/>
+                  <a:pt x="745855" y="5375672"/>
+                </a:cubicBezTo>
+                <a:cubicBezTo>
+                  <a:pt x="589507" y="5264943"/>
+                  <a:pt x="422499" y="5164931"/>
+                  <a:pt x="291024" y="5014913"/>
+                </a:cubicBezTo>
+                <a:cubicBezTo>
+                  <a:pt x="443819" y="5032771"/>
+                  <a:pt x="564633" y="5132784"/>
+                  <a:pt x="724535" y="5175647"/>
+                </a:cubicBezTo>
+                <a:cubicBezTo>
+                  <a:pt x="596614" y="5011340"/>
+                  <a:pt x="429605" y="4925615"/>
+                  <a:pt x="276811" y="4825603"/>
+                </a:cubicBezTo>
+                <a:cubicBezTo>
+                  <a:pt x="205743" y="4779169"/>
+                  <a:pt x="141783" y="4722018"/>
+                  <a:pt x="60055" y="4697016"/>
+                </a:cubicBezTo>
+                <a:cubicBezTo>
+                  <a:pt x="31628" y="4689872"/>
+                  <a:pt x="-18119" y="4672013"/>
+                  <a:pt x="6755" y="4622006"/>
+                </a:cubicBezTo>
+                <a:cubicBezTo>
+                  <a:pt x="28075" y="4579144"/>
+                  <a:pt x="67162" y="4593432"/>
+                  <a:pt x="102696" y="4604146"/>
+                </a:cubicBezTo>
+                <a:cubicBezTo>
+                  <a:pt x="187976" y="4632722"/>
+                  <a:pt x="280364" y="4632722"/>
+                  <a:pt x="397625" y="4632722"/>
+                </a:cubicBezTo>
+                <a:cubicBezTo>
+                  <a:pt x="298131" y="4496990"/>
+                  <a:pt x="116909" y="4539853"/>
+                  <a:pt x="31628" y="4396978"/>
+                </a:cubicBezTo>
+                <a:cubicBezTo>
+                  <a:pt x="138229" y="4371976"/>
+                  <a:pt x="219957" y="4421982"/>
+                  <a:pt x="305237" y="4432697"/>
+                </a:cubicBezTo>
+                <a:cubicBezTo>
+                  <a:pt x="383412" y="4443413"/>
+                  <a:pt x="401178" y="4418409"/>
+                  <a:pt x="383412" y="4339828"/>
+                </a:cubicBezTo>
+                <a:cubicBezTo>
+                  <a:pt x="354985" y="4218385"/>
+                  <a:pt x="397625" y="4157662"/>
+                  <a:pt x="511333" y="4189810"/>
+                </a:cubicBezTo>
+                <a:cubicBezTo>
+                  <a:pt x="617934" y="4221956"/>
+                  <a:pt x="628594" y="4175522"/>
+                  <a:pt x="600167" y="4107656"/>
+                </a:cubicBezTo>
+                <a:cubicBezTo>
+                  <a:pt x="557527" y="4007644"/>
+                  <a:pt x="603720" y="3929063"/>
+                  <a:pt x="635701" y="3843337"/>
+                </a:cubicBezTo>
+                <a:cubicBezTo>
+                  <a:pt x="685448" y="3714750"/>
+                  <a:pt x="664128" y="3650456"/>
+                  <a:pt x="561080" y="3554015"/>
+                </a:cubicBezTo>
+                <a:cubicBezTo>
+                  <a:pt x="500673" y="3500438"/>
+                  <a:pt x="440265" y="3454003"/>
+                  <a:pt x="354985" y="3407569"/>
+                </a:cubicBezTo>
+                <a:cubicBezTo>
+                  <a:pt x="550420" y="3382565"/>
+                  <a:pt x="347878" y="3296841"/>
+                  <a:pt x="415392" y="3243263"/>
+                </a:cubicBezTo>
+                <a:cubicBezTo>
+                  <a:pt x="553973" y="3221831"/>
+                  <a:pt x="664128" y="3393282"/>
+                  <a:pt x="852456" y="3343275"/>
+                </a:cubicBezTo>
+                <a:cubicBezTo>
+                  <a:pt x="625041" y="3196828"/>
+                  <a:pt x="369198" y="3150393"/>
+                  <a:pt x="202190" y="2953940"/>
+                </a:cubicBezTo>
+                <a:cubicBezTo>
+                  <a:pt x="241277" y="2911078"/>
+                  <a:pt x="280364" y="2953940"/>
+                  <a:pt x="312344" y="2936081"/>
+                </a:cubicBezTo>
+                <a:cubicBezTo>
+                  <a:pt x="312344" y="2925365"/>
+                  <a:pt x="685448" y="2993232"/>
+                  <a:pt x="706768" y="2714625"/>
+                </a:cubicBezTo>
+                <a:cubicBezTo>
+                  <a:pt x="713875" y="2714625"/>
+                  <a:pt x="720982" y="2714625"/>
+                  <a:pt x="728088" y="2703909"/>
+                </a:cubicBezTo>
+                <a:cubicBezTo>
+                  <a:pt x="767175" y="2664619"/>
+                  <a:pt x="731642" y="2571750"/>
+                  <a:pt x="795602" y="2564606"/>
+                </a:cubicBezTo>
+                <a:cubicBezTo>
+                  <a:pt x="866670" y="2557462"/>
+                  <a:pt x="934184" y="2525315"/>
+                  <a:pt x="1008804" y="2543175"/>
+                </a:cubicBezTo>
+                <a:cubicBezTo>
+                  <a:pt x="1065658" y="2557462"/>
+                  <a:pt x="1126065" y="2575322"/>
+                  <a:pt x="1186473" y="2575322"/>
+                </a:cubicBezTo>
+                <a:cubicBezTo>
+                  <a:pt x="1250433" y="2575322"/>
+                  <a:pt x="1339267" y="2696766"/>
+                  <a:pt x="1378355" y="2536031"/>
+                </a:cubicBezTo>
+                <a:cubicBezTo>
+                  <a:pt x="1378355" y="2528888"/>
+                  <a:pt x="1488509" y="2546747"/>
+                  <a:pt x="1548916" y="2553891"/>
+                </a:cubicBezTo>
+                <a:cubicBezTo>
+                  <a:pt x="1598663" y="2561035"/>
+                  <a:pt x="1659071" y="2593181"/>
+                  <a:pt x="1694604" y="2528888"/>
+                </a:cubicBezTo>
+                <a:cubicBezTo>
+                  <a:pt x="1712371" y="2489596"/>
+                  <a:pt x="1627090" y="2418159"/>
+                  <a:pt x="1552469" y="2411015"/>
+                </a:cubicBezTo>
+                <a:cubicBezTo>
+                  <a:pt x="1484956" y="2403872"/>
+                  <a:pt x="1417442" y="2396728"/>
+                  <a:pt x="1353481" y="2411015"/>
+                </a:cubicBezTo>
+                <a:cubicBezTo>
+                  <a:pt x="1275307" y="2428875"/>
+                  <a:pt x="1232666" y="2400300"/>
+                  <a:pt x="1211346" y="2336007"/>
+                </a:cubicBezTo>
+                <a:cubicBezTo>
+                  <a:pt x="1186473" y="2268141"/>
+                  <a:pt x="1140279" y="2232422"/>
+                  <a:pt x="1076318" y="2200275"/>
+                </a:cubicBezTo>
+                <a:cubicBezTo>
+                  <a:pt x="919970" y="2121694"/>
+                  <a:pt x="770729" y="2028825"/>
+                  <a:pt x="600167" y="1982390"/>
+                </a:cubicBezTo>
+                <a:cubicBezTo>
+                  <a:pt x="568187" y="1975246"/>
+                  <a:pt x="529100" y="1960959"/>
+                  <a:pt x="514886" y="1900238"/>
+                </a:cubicBezTo>
+                <a:cubicBezTo>
+                  <a:pt x="976824" y="1993106"/>
+                  <a:pt x="1396121" y="2232422"/>
+                  <a:pt x="1872273" y="2218135"/>
+                </a:cubicBezTo>
+                <a:cubicBezTo>
+                  <a:pt x="1744351" y="2143125"/>
+                  <a:pt x="1591557" y="2139554"/>
+                  <a:pt x="1452975" y="2085975"/>
+                </a:cubicBezTo>
+                <a:cubicBezTo>
+                  <a:pt x="1552469" y="2046685"/>
+                  <a:pt x="1644857" y="2089547"/>
+                  <a:pt x="1737245" y="2110978"/>
+                </a:cubicBezTo>
+                <a:cubicBezTo>
+                  <a:pt x="1815419" y="2128837"/>
+                  <a:pt x="1886486" y="2132410"/>
+                  <a:pt x="1893593" y="2021681"/>
+                </a:cubicBezTo>
+                <a:cubicBezTo>
+                  <a:pt x="1893593" y="2010965"/>
+                  <a:pt x="1893593" y="2003821"/>
+                  <a:pt x="1893593" y="1993106"/>
+                </a:cubicBezTo>
+                <a:cubicBezTo>
+                  <a:pt x="1865166" y="1946672"/>
+                  <a:pt x="1826079" y="1925240"/>
+                  <a:pt x="1776332" y="1910953"/>
+                </a:cubicBezTo>
+                <a:cubicBezTo>
+                  <a:pt x="1747905" y="1903809"/>
+                  <a:pt x="1708818" y="1889522"/>
+                  <a:pt x="1708818" y="1857375"/>
+                </a:cubicBezTo>
+                <a:cubicBezTo>
+                  <a:pt x="1712371" y="1735931"/>
+                  <a:pt x="1616430" y="1700212"/>
+                  <a:pt x="1524043" y="1664493"/>
+                </a:cubicBezTo>
+                <a:cubicBezTo>
+                  <a:pt x="1573790" y="1603772"/>
+                  <a:pt x="1616430" y="1646635"/>
+                  <a:pt x="1655517" y="1643062"/>
+                </a:cubicBezTo>
+                <a:cubicBezTo>
+                  <a:pt x="1680391" y="1639491"/>
+                  <a:pt x="1705264" y="1635919"/>
+                  <a:pt x="1705264" y="1603772"/>
+                </a:cubicBezTo>
+                <a:cubicBezTo>
+                  <a:pt x="1705264" y="1578769"/>
+                  <a:pt x="1694604" y="1546622"/>
+                  <a:pt x="1669731" y="1546622"/>
+                </a:cubicBezTo>
+                <a:cubicBezTo>
+                  <a:pt x="1513383" y="1543050"/>
+                  <a:pt x="1424548" y="1371600"/>
+                  <a:pt x="1261093" y="1371600"/>
+                </a:cubicBezTo>
+                <a:cubicBezTo>
+                  <a:pt x="1161599" y="1371600"/>
+                  <a:pt x="1310841" y="1275159"/>
+                  <a:pt x="1229113" y="1235869"/>
+                </a:cubicBezTo>
+                <a:cubicBezTo>
+                  <a:pt x="1211346" y="1225153"/>
+                  <a:pt x="1278860" y="1210866"/>
+                  <a:pt x="1307287" y="1214437"/>
+                </a:cubicBezTo>
+                <a:cubicBezTo>
+                  <a:pt x="1335714" y="1218009"/>
+                  <a:pt x="1360588" y="1243013"/>
+                  <a:pt x="1396121" y="1225153"/>
+                </a:cubicBezTo>
+                <a:cubicBezTo>
+                  <a:pt x="1413888" y="1160860"/>
+                  <a:pt x="1367694" y="1135856"/>
+                  <a:pt x="1325054" y="1117997"/>
+                </a:cubicBezTo>
+                <a:cubicBezTo>
+                  <a:pt x="1232666" y="1075135"/>
+                  <a:pt x="1140279" y="1025129"/>
+                  <a:pt x="1037231" y="1010841"/>
+                </a:cubicBezTo>
+                <a:cubicBezTo>
+                  <a:pt x="1001698" y="1007269"/>
+                  <a:pt x="980377" y="989409"/>
+                  <a:pt x="983931" y="953690"/>
+                </a:cubicBezTo>
+                <a:cubicBezTo>
+                  <a:pt x="991037" y="907256"/>
+                  <a:pt x="1026571" y="921544"/>
+                  <a:pt x="1054998" y="925115"/>
+                </a:cubicBezTo>
+                <a:cubicBezTo>
+                  <a:pt x="1072765" y="928688"/>
+                  <a:pt x="1090532" y="939403"/>
+                  <a:pt x="1108299" y="914400"/>
+                </a:cubicBezTo>
+                <a:cubicBezTo>
+                  <a:pt x="692555" y="660797"/>
+                  <a:pt x="472246" y="675085"/>
+                  <a:pt x="6755" y="467915"/>
+                </a:cubicBezTo>
+                <a:cubicBezTo>
+                  <a:pt x="109802" y="428625"/>
+                  <a:pt x="184423" y="457200"/>
+                  <a:pt x="255490" y="464344"/>
+                </a:cubicBezTo>
+                <a:cubicBezTo>
+                  <a:pt x="433159" y="482203"/>
+                  <a:pt x="323004" y="514350"/>
+                  <a:pt x="500673" y="535781"/>
+                </a:cubicBezTo>
+                <a:cubicBezTo>
+                  <a:pt x="585954" y="546497"/>
+                  <a:pt x="664128" y="582216"/>
+                  <a:pt x="760069" y="525066"/>
+                </a:cubicBezTo>
+                <a:cubicBezTo>
+                  <a:pt x="824029" y="485775"/>
+                  <a:pt x="927077" y="528637"/>
+                  <a:pt x="1005251" y="560785"/>
+                </a:cubicBezTo>
+                <a:cubicBezTo>
+                  <a:pt x="1069212" y="589360"/>
+                  <a:pt x="1133172" y="596503"/>
+                  <a:pt x="1218453" y="560785"/>
+                </a:cubicBezTo>
+                <a:cubicBezTo>
+                  <a:pt x="1140279" y="539354"/>
+                  <a:pt x="1079872" y="521494"/>
+                  <a:pt x="1019464" y="507206"/>
+                </a:cubicBezTo>
+                <a:cubicBezTo>
+                  <a:pt x="969717" y="496491"/>
+                  <a:pt x="941290" y="471488"/>
+                  <a:pt x="944844" y="417909"/>
+                </a:cubicBezTo>
+                <a:cubicBezTo>
+                  <a:pt x="944844" y="389334"/>
+                  <a:pt x="934184" y="350044"/>
+                  <a:pt x="969717" y="335757"/>
+                </a:cubicBezTo>
+                <a:cubicBezTo>
+                  <a:pt x="998144" y="321469"/>
+                  <a:pt x="1037231" y="335757"/>
+                  <a:pt x="1051445" y="360759"/>
+                </a:cubicBezTo>
+                <a:cubicBezTo>
+                  <a:pt x="1069212" y="407194"/>
+                  <a:pt x="1086978" y="450056"/>
+                  <a:pt x="1147386" y="453629"/>
+                </a:cubicBezTo>
+                <a:cubicBezTo>
+                  <a:pt x="1229113" y="460771"/>
+                  <a:pt x="1182919" y="432197"/>
+                  <a:pt x="1168706" y="396478"/>
+                </a:cubicBezTo>
+                <a:cubicBezTo>
+                  <a:pt x="1154492" y="357188"/>
+                  <a:pt x="1197133" y="346472"/>
+                  <a:pt x="1225560" y="353615"/>
+                </a:cubicBezTo>
+                <a:cubicBezTo>
+                  <a:pt x="1332161" y="385763"/>
+                  <a:pt x="1442315" y="328613"/>
+                  <a:pt x="1552469" y="375047"/>
+                </a:cubicBezTo>
+                <a:cubicBezTo>
+                  <a:pt x="1524043" y="260747"/>
+                  <a:pt x="1463635" y="210741"/>
+                  <a:pt x="1335714" y="192881"/>
+                </a:cubicBezTo>
+                <a:cubicBezTo>
+                  <a:pt x="1289520" y="189310"/>
+                  <a:pt x="1239773" y="196453"/>
+                  <a:pt x="1197133" y="164306"/>
+                </a:cubicBezTo>
+                <a:cubicBezTo>
+                  <a:pt x="1172259" y="146447"/>
+                  <a:pt x="1147386" y="125016"/>
+                  <a:pt x="1165153" y="89297"/>
+                </a:cubicBezTo>
+                <a:cubicBezTo>
+                  <a:pt x="1175813" y="64294"/>
+                  <a:pt x="1204239" y="64294"/>
+                  <a:pt x="1229113" y="71437"/>
+                </a:cubicBezTo>
+                <a:cubicBezTo>
+                  <a:pt x="1332161" y="110728"/>
+                  <a:pt x="1442315" y="121444"/>
+                  <a:pt x="1548916" y="135731"/>
+                </a:cubicBezTo>
+                <a:cubicBezTo>
+                  <a:pt x="1566683" y="139303"/>
+                  <a:pt x="1584450" y="146447"/>
+                  <a:pt x="1602217" y="110728"/>
+                </a:cubicBezTo>
+                <a:cubicBezTo>
+                  <a:pt x="1477849" y="78581"/>
+                  <a:pt x="1357034" y="35719"/>
+                  <a:pt x="1232666" y="0"/>
+                </a:cubicBezTo>
+                <a:close/>
+              </a:path>
+            </a:pathLst>
+          </a:custGeom>
+          <a:solidFill>
+            <a:schemeClr val="bg2">
+              <a:alpha val="50000"/>
+            </a:schemeClr>
+          </a:solidFill>
+          <a:ln w="32707" cap="flat">
+            <a:noFill/>
+            <a:prstDash val="solid"/>
+            <a:miter/>
+          </a:ln>
+        </p:spPr>
+        <p:txBody>
+          <a:bodyPr wrap="square" rtlCol="0" anchor="ctr">
+            <a:noAutofit/>
+          </a:bodyPr>
+          <a:lstStyle/>
+          <a:p>
+            <a:endParaRPr lang="en-US">
+              <a:solidFill>
+                <a:schemeClr val="tx1"/>
+              </a:solidFill>
+            </a:endParaRPr>
+          </a:p>
+        </p:txBody>
+      </p:sp>
       <p:sp>
         <p:nvSpPr>
           <p:cNvPr id="2" name="Title 1">
@@ -3884,9 +7720,16 @@
             <p:ph type="title"/>
           </p:nvPr>
         </p:nvSpPr>
-        <p:spPr/>
+        <p:spPr>
+          <a:xfrm>
+            <a:off x="1246824" y="643467"/>
+            <a:ext cx="4772975" cy="1800526"/>
+          </a:xfrm>
+        </p:spPr>
         <p:txBody>
-          <a:bodyPr/>
+          <a:bodyPr>
+            <a:normAutofit/>
+          </a:bodyPr>
           <a:lstStyle/>
           <a:p>
             <a:r>
@@ -3914,35 +7757,37 @@
         </p:nvSpPr>
         <p:spPr>
           <a:xfrm>
-            <a:off x="838200" y="1825625"/>
-            <a:ext cx="5388429" cy="4351338"/>
+            <a:off x="1246824" y="2623381"/>
+            <a:ext cx="4772974" cy="3553581"/>
           </a:xfrm>
         </p:spPr>
         <p:txBody>
-          <a:bodyPr/>
+          <a:bodyPr>
+            <a:normAutofit/>
+          </a:bodyPr>
           <a:lstStyle/>
           <a:p>
             <a:r>
-              <a:rPr lang="en-CA" dirty="0"/>
+              <a:rPr lang="en-CA" sz="2000"/>
               <a:t>Constructed a series of clusters for the various types of cancer</a:t>
             </a:r>
           </a:p>
           <a:p>
             <a:r>
-              <a:rPr lang="en-CA" dirty="0"/>
+              <a:rPr lang="en-CA" sz="2000"/>
               <a:t>Revealed the division of the US into two regions – east and west – for several types</a:t>
             </a:r>
           </a:p>
           <a:p>
             <a:r>
-              <a:rPr lang="en-CA" dirty="0"/>
+              <a:rPr lang="en-CA" sz="2000"/>
               <a:t>East region has a noticeably higher rate than west region</a:t>
             </a:r>
           </a:p>
           <a:p>
             <a:pPr lvl="1"/>
             <a:r>
-              <a:rPr lang="en-CA" dirty="0"/>
+              <a:rPr lang="en-CA" sz="2000"/>
               <a:t>Revealing of lower density, perhaps</a:t>
             </a:r>
           </a:p>
@@ -3970,8 +7815,38 @@
         </p:blipFill>
         <p:spPr>
           <a:xfrm>
-            <a:off x="6953065" y="1342664"/>
-            <a:ext cx="5083742" cy="3119377"/>
+            <a:off x="7700211" y="737422"/>
+            <a:ext cx="3848322" cy="2357097"/>
+          </a:xfrm>
+          <a:prstGeom prst="rect">
+            <a:avLst/>
+          </a:prstGeom>
+        </p:spPr>
+      </p:pic>
+      <p:pic>
+        <p:nvPicPr>
+          <p:cNvPr id="6" name="Picture 5">
+            <a:extLst>
+              <a:ext uri="{FF2B5EF4-FFF2-40B4-BE49-F238E27FC236}">
+                <a16:creationId xmlns:a16="http://schemas.microsoft.com/office/drawing/2014/main" id="{C890F343-1401-65AE-C6FD-C2DC20F466A1}"/>
+              </a:ext>
+            </a:extLst>
+          </p:cNvPr>
+          <p:cNvPicPr>
+            <a:picLocks noChangeAspect="1"/>
+          </p:cNvPicPr>
+          <p:nvPr/>
+        </p:nvPicPr>
+        <p:blipFill>
+          <a:blip r:embed="rId3"/>
+          <a:stretch>
+            <a:fillRect/>
+          </a:stretch>
+        </p:blipFill>
+        <p:spPr>
+          <a:xfrm>
+            <a:off x="8013462" y="3657600"/>
+            <a:ext cx="3221819" cy="2585510"/>
           </a:xfrm>
           <a:prstGeom prst="rect">
             <a:avLst/>
@@ -4031,7 +7906,7 @@
           <a:p>
             <a:r>
               <a:rPr lang="en-CA" dirty="0"/>
-              <a:t>Hypothetical product</a:t>
+              <a:t>Product</a:t>
             </a:r>
           </a:p>
         </p:txBody>
@@ -4074,6 +7949,94 @@
     <p:extLst>
       <p:ext uri="{BB962C8B-B14F-4D97-AF65-F5344CB8AC3E}">
         <p14:creationId xmlns:p14="http://schemas.microsoft.com/office/powerpoint/2010/main" val="3875696577"/>
+      </p:ext>
+    </p:extLst>
+  </p:cSld>
+  <p:clrMapOvr>
+    <a:masterClrMapping/>
+  </p:clrMapOvr>
+</p:sld>
+</file>
+
+<file path=ppt/slides/slide7.xml><?xml version="1.0" encoding="utf-8"?>
+<p:sld xmlns:a="http://schemas.openxmlformats.org/drawingml/2006/main" xmlns:r="http://schemas.openxmlformats.org/officeDocument/2006/relationships" xmlns:p="http://schemas.openxmlformats.org/presentationml/2006/main">
+  <p:cSld>
+    <p:spTree>
+      <p:nvGrpSpPr>
+        <p:cNvPr id="1" name=""/>
+        <p:cNvGrpSpPr/>
+        <p:nvPr/>
+      </p:nvGrpSpPr>
+      <p:grpSpPr>
+        <a:xfrm>
+          <a:off x="0" y="0"/>
+          <a:ext cx="0" cy="0"/>
+          <a:chOff x="0" y="0"/>
+          <a:chExt cx="0" cy="0"/>
+        </a:xfrm>
+      </p:grpSpPr>
+      <p:sp>
+        <p:nvSpPr>
+          <p:cNvPr id="2" name="Title 1">
+            <a:extLst>
+              <a:ext uri="{FF2B5EF4-FFF2-40B4-BE49-F238E27FC236}">
+                <a16:creationId xmlns:a16="http://schemas.microsoft.com/office/drawing/2014/main" id="{54B922EE-57F5-9C8E-82FB-95CA76A67E87}"/>
+              </a:ext>
+            </a:extLst>
+          </p:cNvPr>
+          <p:cNvSpPr>
+            <a:spLocks noGrp="1"/>
+          </p:cNvSpPr>
+          <p:nvPr>
+            <p:ph type="title"/>
+          </p:nvPr>
+        </p:nvSpPr>
+        <p:spPr/>
+        <p:txBody>
+          <a:bodyPr/>
+          <a:lstStyle/>
+          <a:p>
+            <a:r>
+              <a:rPr lang="en-CA" dirty="0"/>
+              <a:t>Thank you!</a:t>
+            </a:r>
+          </a:p>
+        </p:txBody>
+      </p:sp>
+      <p:pic>
+        <p:nvPicPr>
+          <p:cNvPr id="5" name="Picture 4">
+            <a:extLst>
+              <a:ext uri="{FF2B5EF4-FFF2-40B4-BE49-F238E27FC236}">
+                <a16:creationId xmlns:a16="http://schemas.microsoft.com/office/drawing/2014/main" id="{5454ECF9-7095-AC5F-CAE0-1C0BF9DC7600}"/>
+              </a:ext>
+            </a:extLst>
+          </p:cNvPr>
+          <p:cNvPicPr>
+            <a:picLocks noChangeAspect="1"/>
+          </p:cNvPicPr>
+          <p:nvPr/>
+        </p:nvPicPr>
+        <p:blipFill>
+          <a:blip r:embed="rId2"/>
+          <a:stretch>
+            <a:fillRect/>
+          </a:stretch>
+        </p:blipFill>
+        <p:spPr>
+          <a:xfrm>
+            <a:off x="1866754" y="1551008"/>
+            <a:ext cx="8781957" cy="4941867"/>
+          </a:xfrm>
+          <a:prstGeom prst="rect">
+            <a:avLst/>
+          </a:prstGeom>
+        </p:spPr>
+      </p:pic>
+    </p:spTree>
+    <p:extLst>
+      <p:ext uri="{BB962C8B-B14F-4D97-AF65-F5344CB8AC3E}">
+        <p14:creationId xmlns:p14="http://schemas.microsoft.com/office/powerpoint/2010/main" val="3373284622"/>
       </p:ext>
     </p:extLst>
   </p:cSld>
